--- a/lightning-in-a-jar/graphs.pptx
+++ b/lightning-in-a-jar/graphs.pptx
@@ -4,13 +4,19 @@
   <p:sldMasterIdLst>
     <p:sldMasterId id="2147483648" r:id="rId1"/>
   </p:sldMasterIdLst>
+  <p:notesMasterIdLst>
+    <p:notesMasterId r:id="rId11"/>
+  </p:notesMasterIdLst>
   <p:sldIdLst>
     <p:sldId id="258" r:id="rId2"/>
     <p:sldId id="256" r:id="rId3"/>
     <p:sldId id="257" r:id="rId4"/>
     <p:sldId id="259" r:id="rId5"/>
     <p:sldId id="260" r:id="rId6"/>
-    <p:sldId id="261" r:id="rId7"/>
+    <p:sldId id="262" r:id="rId7"/>
+    <p:sldId id="264" r:id="rId8"/>
+    <p:sldId id="261" r:id="rId9"/>
+    <p:sldId id="263" r:id="rId10"/>
   </p:sldIdLst>
   <p:sldSz cx="12192000" cy="6858000"/>
   <p:notesSz cx="6858000" cy="9144000"/>
@@ -109,7 +115,445 @@
       </a:defRPr>
     </a:lvl9pPr>
   </p:defaultTextStyle>
+  <p:extLst>
+    <p:ext uri="{EFAFB233-063F-42B5-8137-9DF3F51BA10A}">
+      <p15:sldGuideLst xmlns:p15="http://schemas.microsoft.com/office/powerpoint/2012/main"/>
+    </p:ext>
+  </p:extLst>
 </p:presentation>
+</file>
+
+<file path=ppt/notesMasters/notesMaster1.xml><?xml version="1.0" encoding="utf-8"?>
+<p:notesMaster xmlns:a="http://schemas.openxmlformats.org/drawingml/2006/main" xmlns:r="http://schemas.openxmlformats.org/officeDocument/2006/relationships" xmlns:p="http://schemas.openxmlformats.org/presentationml/2006/main">
+  <p:cSld>
+    <p:bg>
+      <p:bgRef idx="1001">
+        <a:schemeClr val="bg1"/>
+      </p:bgRef>
+    </p:bg>
+    <p:spTree>
+      <p:nvGrpSpPr>
+        <p:cNvPr id="1" name=""/>
+        <p:cNvGrpSpPr/>
+        <p:nvPr/>
+      </p:nvGrpSpPr>
+      <p:grpSpPr>
+        <a:xfrm>
+          <a:off x="0" y="0"/>
+          <a:ext cx="0" cy="0"/>
+          <a:chOff x="0" y="0"/>
+          <a:chExt cx="0" cy="0"/>
+        </a:xfrm>
+      </p:grpSpPr>
+      <p:sp>
+        <p:nvSpPr>
+          <p:cNvPr id="2" name="Header Placeholder 1"/>
+          <p:cNvSpPr>
+            <a:spLocks noGrp="1"/>
+          </p:cNvSpPr>
+          <p:nvPr>
+            <p:ph type="hdr" sz="quarter"/>
+          </p:nvPr>
+        </p:nvSpPr>
+        <p:spPr>
+          <a:xfrm>
+            <a:off x="0" y="0"/>
+            <a:ext cx="2971800" cy="458788"/>
+          </a:xfrm>
+          <a:prstGeom prst="rect">
+            <a:avLst/>
+          </a:prstGeom>
+        </p:spPr>
+        <p:txBody>
+          <a:bodyPr vert="horz" lIns="91440" tIns="45720" rIns="91440" bIns="45720" rtlCol="0"/>
+          <a:lstStyle>
+            <a:lvl1pPr algn="l">
+              <a:defRPr sz="1200"/>
+            </a:lvl1pPr>
+          </a:lstStyle>
+          <a:p>
+            <a:endParaRPr lang="en-US"/>
+          </a:p>
+        </p:txBody>
+      </p:sp>
+      <p:sp>
+        <p:nvSpPr>
+          <p:cNvPr id="3" name="Date Placeholder 2"/>
+          <p:cNvSpPr>
+            <a:spLocks noGrp="1"/>
+          </p:cNvSpPr>
+          <p:nvPr>
+            <p:ph type="dt" idx="1"/>
+          </p:nvPr>
+        </p:nvSpPr>
+        <p:spPr>
+          <a:xfrm>
+            <a:off x="3884613" y="0"/>
+            <a:ext cx="2971800" cy="458788"/>
+          </a:xfrm>
+          <a:prstGeom prst="rect">
+            <a:avLst/>
+          </a:prstGeom>
+        </p:spPr>
+        <p:txBody>
+          <a:bodyPr vert="horz" lIns="91440" tIns="45720" rIns="91440" bIns="45720" rtlCol="0"/>
+          <a:lstStyle>
+            <a:lvl1pPr algn="r">
+              <a:defRPr sz="1200"/>
+            </a:lvl1pPr>
+          </a:lstStyle>
+          <a:p>
+            <a:fld id="{7A57AF01-9EB0-304C-A0D9-20CA2E2423B5}" type="datetimeFigureOut">
+              <a:rPr lang="en-US" smtClean="0"/>
+              <a:t>7/7/25</a:t>
+            </a:fld>
+            <a:endParaRPr lang="en-US"/>
+          </a:p>
+        </p:txBody>
+      </p:sp>
+      <p:sp>
+        <p:nvSpPr>
+          <p:cNvPr id="4" name="Slide Image Placeholder 3"/>
+          <p:cNvSpPr>
+            <a:spLocks noGrp="1" noRot="1" noChangeAspect="1"/>
+          </p:cNvSpPr>
+          <p:nvPr>
+            <p:ph type="sldImg" idx="2"/>
+          </p:nvPr>
+        </p:nvSpPr>
+        <p:spPr>
+          <a:xfrm>
+            <a:off x="685800" y="1143000"/>
+            <a:ext cx="5486400" cy="3086100"/>
+          </a:xfrm>
+          <a:prstGeom prst="rect">
+            <a:avLst/>
+          </a:prstGeom>
+          <a:noFill/>
+          <a:ln w="12700">
+            <a:solidFill>
+              <a:prstClr val="black"/>
+            </a:solidFill>
+          </a:ln>
+        </p:spPr>
+        <p:txBody>
+          <a:bodyPr vert="horz" lIns="91440" tIns="45720" rIns="91440" bIns="45720" rtlCol="0" anchor="ctr"/>
+          <a:lstStyle/>
+          <a:p>
+            <a:endParaRPr lang="en-US"/>
+          </a:p>
+        </p:txBody>
+      </p:sp>
+      <p:sp>
+        <p:nvSpPr>
+          <p:cNvPr id="5" name="Notes Placeholder 4"/>
+          <p:cNvSpPr>
+            <a:spLocks noGrp="1"/>
+          </p:cNvSpPr>
+          <p:nvPr>
+            <p:ph type="body" sz="quarter" idx="3"/>
+          </p:nvPr>
+        </p:nvSpPr>
+        <p:spPr>
+          <a:xfrm>
+            <a:off x="685800" y="4400550"/>
+            <a:ext cx="5486400" cy="3600450"/>
+          </a:xfrm>
+          <a:prstGeom prst="rect">
+            <a:avLst/>
+          </a:prstGeom>
+        </p:spPr>
+        <p:txBody>
+          <a:bodyPr vert="horz" lIns="91440" tIns="45720" rIns="91440" bIns="45720" rtlCol="0"/>
+          <a:lstStyle/>
+          <a:p>
+            <a:pPr lvl="0"/>
+            <a:r>
+              <a:rPr lang="en-US"/>
+              <a:t>Click to edit Master text styles</a:t>
+            </a:r>
+          </a:p>
+          <a:p>
+            <a:pPr lvl="1"/>
+            <a:r>
+              <a:rPr lang="en-US"/>
+              <a:t>Second level</a:t>
+            </a:r>
+          </a:p>
+          <a:p>
+            <a:pPr lvl="2"/>
+            <a:r>
+              <a:rPr lang="en-US"/>
+              <a:t>Third level</a:t>
+            </a:r>
+          </a:p>
+          <a:p>
+            <a:pPr lvl="3"/>
+            <a:r>
+              <a:rPr lang="en-US"/>
+              <a:t>Fourth level</a:t>
+            </a:r>
+          </a:p>
+          <a:p>
+            <a:pPr lvl="4"/>
+            <a:r>
+              <a:rPr lang="en-US"/>
+              <a:t>Fifth level</a:t>
+            </a:r>
+          </a:p>
+        </p:txBody>
+      </p:sp>
+      <p:sp>
+        <p:nvSpPr>
+          <p:cNvPr id="6" name="Footer Placeholder 5"/>
+          <p:cNvSpPr>
+            <a:spLocks noGrp="1"/>
+          </p:cNvSpPr>
+          <p:nvPr>
+            <p:ph type="ftr" sz="quarter" idx="4"/>
+          </p:nvPr>
+        </p:nvSpPr>
+        <p:spPr>
+          <a:xfrm>
+            <a:off x="0" y="8685213"/>
+            <a:ext cx="2971800" cy="458787"/>
+          </a:xfrm>
+          <a:prstGeom prst="rect">
+            <a:avLst/>
+          </a:prstGeom>
+        </p:spPr>
+        <p:txBody>
+          <a:bodyPr vert="horz" lIns="91440" tIns="45720" rIns="91440" bIns="45720" rtlCol="0" anchor="b"/>
+          <a:lstStyle>
+            <a:lvl1pPr algn="l">
+              <a:defRPr sz="1200"/>
+            </a:lvl1pPr>
+          </a:lstStyle>
+          <a:p>
+            <a:endParaRPr lang="en-US"/>
+          </a:p>
+        </p:txBody>
+      </p:sp>
+      <p:sp>
+        <p:nvSpPr>
+          <p:cNvPr id="7" name="Slide Number Placeholder 6"/>
+          <p:cNvSpPr>
+            <a:spLocks noGrp="1"/>
+          </p:cNvSpPr>
+          <p:nvPr>
+            <p:ph type="sldNum" sz="quarter" idx="5"/>
+          </p:nvPr>
+        </p:nvSpPr>
+        <p:spPr>
+          <a:xfrm>
+            <a:off x="3884613" y="8685213"/>
+            <a:ext cx="2971800" cy="458787"/>
+          </a:xfrm>
+          <a:prstGeom prst="rect">
+            <a:avLst/>
+          </a:prstGeom>
+        </p:spPr>
+        <p:txBody>
+          <a:bodyPr vert="horz" lIns="91440" tIns="45720" rIns="91440" bIns="45720" rtlCol="0" anchor="b"/>
+          <a:lstStyle>
+            <a:lvl1pPr algn="r">
+              <a:defRPr sz="1200"/>
+            </a:lvl1pPr>
+          </a:lstStyle>
+          <a:p>
+            <a:fld id="{5AC55D56-ACDE-024B-A622-B580078924C5}" type="slidenum">
+              <a:rPr lang="en-US" smtClean="0"/>
+              <a:t>‹#›</a:t>
+            </a:fld>
+            <a:endParaRPr lang="en-US"/>
+          </a:p>
+        </p:txBody>
+      </p:sp>
+    </p:spTree>
+    <p:extLst>
+      <p:ext uri="{BB962C8B-B14F-4D97-AF65-F5344CB8AC3E}">
+        <p14:creationId xmlns:p14="http://schemas.microsoft.com/office/powerpoint/2010/main" val="2692760782"/>
+      </p:ext>
+    </p:extLst>
+  </p:cSld>
+  <p:clrMap bg1="lt1" tx1="dk1" bg2="lt2" tx2="dk2" accent1="accent1" accent2="accent2" accent3="accent3" accent4="accent4" accent5="accent5" accent6="accent6" hlink="hlink" folHlink="folHlink"/>
+  <p:notesStyle>
+    <a:lvl1pPr marL="0" algn="l" defTabSz="914400" rtl="0" eaLnBrk="1" latinLnBrk="0" hangingPunct="1">
+      <a:defRPr sz="1200" kern="1200">
+        <a:solidFill>
+          <a:schemeClr val="tx1"/>
+        </a:solidFill>
+        <a:latin typeface="+mn-lt"/>
+        <a:ea typeface="+mn-ea"/>
+        <a:cs typeface="+mn-cs"/>
+      </a:defRPr>
+    </a:lvl1pPr>
+    <a:lvl2pPr marL="457200" algn="l" defTabSz="914400" rtl="0" eaLnBrk="1" latinLnBrk="0" hangingPunct="1">
+      <a:defRPr sz="1200" kern="1200">
+        <a:solidFill>
+          <a:schemeClr val="tx1"/>
+        </a:solidFill>
+        <a:latin typeface="+mn-lt"/>
+        <a:ea typeface="+mn-ea"/>
+        <a:cs typeface="+mn-cs"/>
+      </a:defRPr>
+    </a:lvl2pPr>
+    <a:lvl3pPr marL="914400" algn="l" defTabSz="914400" rtl="0" eaLnBrk="1" latinLnBrk="0" hangingPunct="1">
+      <a:defRPr sz="1200" kern="1200">
+        <a:solidFill>
+          <a:schemeClr val="tx1"/>
+        </a:solidFill>
+        <a:latin typeface="+mn-lt"/>
+        <a:ea typeface="+mn-ea"/>
+        <a:cs typeface="+mn-cs"/>
+      </a:defRPr>
+    </a:lvl3pPr>
+    <a:lvl4pPr marL="1371600" algn="l" defTabSz="914400" rtl="0" eaLnBrk="1" latinLnBrk="0" hangingPunct="1">
+      <a:defRPr sz="1200" kern="1200">
+        <a:solidFill>
+          <a:schemeClr val="tx1"/>
+        </a:solidFill>
+        <a:latin typeface="+mn-lt"/>
+        <a:ea typeface="+mn-ea"/>
+        <a:cs typeface="+mn-cs"/>
+      </a:defRPr>
+    </a:lvl4pPr>
+    <a:lvl5pPr marL="1828800" algn="l" defTabSz="914400" rtl="0" eaLnBrk="1" latinLnBrk="0" hangingPunct="1">
+      <a:defRPr sz="1200" kern="1200">
+        <a:solidFill>
+          <a:schemeClr val="tx1"/>
+        </a:solidFill>
+        <a:latin typeface="+mn-lt"/>
+        <a:ea typeface="+mn-ea"/>
+        <a:cs typeface="+mn-cs"/>
+      </a:defRPr>
+    </a:lvl5pPr>
+    <a:lvl6pPr marL="2286000" algn="l" defTabSz="914400" rtl="0" eaLnBrk="1" latinLnBrk="0" hangingPunct="1">
+      <a:defRPr sz="1200" kern="1200">
+        <a:solidFill>
+          <a:schemeClr val="tx1"/>
+        </a:solidFill>
+        <a:latin typeface="+mn-lt"/>
+        <a:ea typeface="+mn-ea"/>
+        <a:cs typeface="+mn-cs"/>
+      </a:defRPr>
+    </a:lvl6pPr>
+    <a:lvl7pPr marL="2743200" algn="l" defTabSz="914400" rtl="0" eaLnBrk="1" latinLnBrk="0" hangingPunct="1">
+      <a:defRPr sz="1200" kern="1200">
+        <a:solidFill>
+          <a:schemeClr val="tx1"/>
+        </a:solidFill>
+        <a:latin typeface="+mn-lt"/>
+        <a:ea typeface="+mn-ea"/>
+        <a:cs typeface="+mn-cs"/>
+      </a:defRPr>
+    </a:lvl7pPr>
+    <a:lvl8pPr marL="3200400" algn="l" defTabSz="914400" rtl="0" eaLnBrk="1" latinLnBrk="0" hangingPunct="1">
+      <a:defRPr sz="1200" kern="1200">
+        <a:solidFill>
+          <a:schemeClr val="tx1"/>
+        </a:solidFill>
+        <a:latin typeface="+mn-lt"/>
+        <a:ea typeface="+mn-ea"/>
+        <a:cs typeface="+mn-cs"/>
+      </a:defRPr>
+    </a:lvl8pPr>
+    <a:lvl9pPr marL="3657600" algn="l" defTabSz="914400" rtl="0" eaLnBrk="1" latinLnBrk="0" hangingPunct="1">
+      <a:defRPr sz="1200" kern="1200">
+        <a:solidFill>
+          <a:schemeClr val="tx1"/>
+        </a:solidFill>
+        <a:latin typeface="+mn-lt"/>
+        <a:ea typeface="+mn-ea"/>
+        <a:cs typeface="+mn-cs"/>
+      </a:defRPr>
+    </a:lvl9pPr>
+  </p:notesStyle>
+</p:notesMaster>
+</file>
+
+<file path=ppt/notesSlides/notesSlide1.xml><?xml version="1.0" encoding="utf-8"?>
+<p:notes xmlns:a="http://schemas.openxmlformats.org/drawingml/2006/main" xmlns:r="http://schemas.openxmlformats.org/officeDocument/2006/relationships" xmlns:p="http://schemas.openxmlformats.org/presentationml/2006/main">
+  <p:cSld>
+    <p:spTree>
+      <p:nvGrpSpPr>
+        <p:cNvPr id="1" name=""/>
+        <p:cNvGrpSpPr/>
+        <p:nvPr/>
+      </p:nvGrpSpPr>
+      <p:grpSpPr>
+        <a:xfrm>
+          <a:off x="0" y="0"/>
+          <a:ext cx="0" cy="0"/>
+          <a:chOff x="0" y="0"/>
+          <a:chExt cx="0" cy="0"/>
+        </a:xfrm>
+      </p:grpSpPr>
+      <p:sp>
+        <p:nvSpPr>
+          <p:cNvPr id="2" name="Slide Image Placeholder 1"/>
+          <p:cNvSpPr>
+            <a:spLocks noGrp="1" noRot="1" noChangeAspect="1"/>
+          </p:cNvSpPr>
+          <p:nvPr>
+            <p:ph type="sldImg"/>
+          </p:nvPr>
+        </p:nvSpPr>
+        <p:spPr/>
+      </p:sp>
+      <p:sp>
+        <p:nvSpPr>
+          <p:cNvPr id="3" name="Notes Placeholder 2"/>
+          <p:cNvSpPr>
+            <a:spLocks noGrp="1"/>
+          </p:cNvSpPr>
+          <p:nvPr>
+            <p:ph type="body" idx="1"/>
+          </p:nvPr>
+        </p:nvSpPr>
+        <p:spPr/>
+        <p:txBody>
+          <a:bodyPr/>
+          <a:lstStyle/>
+          <a:p>
+            <a:endParaRPr lang="en-US" dirty="0"/>
+          </a:p>
+        </p:txBody>
+      </p:sp>
+      <p:sp>
+        <p:nvSpPr>
+          <p:cNvPr id="4" name="Slide Number Placeholder 3"/>
+          <p:cNvSpPr>
+            <a:spLocks noGrp="1"/>
+          </p:cNvSpPr>
+          <p:nvPr>
+            <p:ph type="sldNum" sz="quarter" idx="5"/>
+          </p:nvPr>
+        </p:nvSpPr>
+        <p:spPr/>
+        <p:txBody>
+          <a:bodyPr/>
+          <a:lstStyle/>
+          <a:p>
+            <a:fld id="{5AC55D56-ACDE-024B-A622-B580078924C5}" type="slidenum">
+              <a:rPr lang="en-US" smtClean="0"/>
+              <a:t>6</a:t>
+            </a:fld>
+            <a:endParaRPr lang="en-US"/>
+          </a:p>
+        </p:txBody>
+      </p:sp>
+    </p:spTree>
+    <p:extLst>
+      <p:ext uri="{BB962C8B-B14F-4D97-AF65-F5344CB8AC3E}">
+        <p14:creationId xmlns:p14="http://schemas.microsoft.com/office/powerpoint/2010/main" val="3593565825"/>
+      </p:ext>
+    </p:extLst>
+  </p:cSld>
+  <p:clrMapOvr>
+    <a:masterClrMapping/>
+  </p:clrMapOvr>
+</p:notes>
 </file>
 
 <file path=ppt/slideLayouts/slideLayout1.xml><?xml version="1.0" encoding="utf-8"?>
@@ -259,7 +703,7 @@
           <a:p>
             <a:fld id="{153F6306-581F-8441-AE0B-CF92A4F6CAD4}" type="datetimeFigureOut">
               <a:rPr lang="en-US" smtClean="0"/>
-              <a:t>6/4/25</a:t>
+              <a:t>7/7/25</a:t>
             </a:fld>
             <a:endParaRPr lang="en-US"/>
           </a:p>
@@ -457,7 +901,7 @@
           <a:p>
             <a:fld id="{153F6306-581F-8441-AE0B-CF92A4F6CAD4}" type="datetimeFigureOut">
               <a:rPr lang="en-US" smtClean="0"/>
-              <a:t>6/4/25</a:t>
+              <a:t>7/7/25</a:t>
             </a:fld>
             <a:endParaRPr lang="en-US"/>
           </a:p>
@@ -665,7 +1109,7 @@
           <a:p>
             <a:fld id="{153F6306-581F-8441-AE0B-CF92A4F6CAD4}" type="datetimeFigureOut">
               <a:rPr lang="en-US" smtClean="0"/>
-              <a:t>6/4/25</a:t>
+              <a:t>7/7/25</a:t>
             </a:fld>
             <a:endParaRPr lang="en-US"/>
           </a:p>
@@ -863,7 +1307,7 @@
           <a:p>
             <a:fld id="{153F6306-581F-8441-AE0B-CF92A4F6CAD4}" type="datetimeFigureOut">
               <a:rPr lang="en-US" smtClean="0"/>
-              <a:t>6/4/25</a:t>
+              <a:t>7/7/25</a:t>
             </a:fld>
             <a:endParaRPr lang="en-US"/>
           </a:p>
@@ -1138,7 +1582,7 @@
           <a:p>
             <a:fld id="{153F6306-581F-8441-AE0B-CF92A4F6CAD4}" type="datetimeFigureOut">
               <a:rPr lang="en-US" smtClean="0"/>
-              <a:t>6/4/25</a:t>
+              <a:t>7/7/25</a:t>
             </a:fld>
             <a:endParaRPr lang="en-US"/>
           </a:p>
@@ -1403,7 +1847,7 @@
           <a:p>
             <a:fld id="{153F6306-581F-8441-AE0B-CF92A4F6CAD4}" type="datetimeFigureOut">
               <a:rPr lang="en-US" smtClean="0"/>
-              <a:t>6/4/25</a:t>
+              <a:t>7/7/25</a:t>
             </a:fld>
             <a:endParaRPr lang="en-US"/>
           </a:p>
@@ -1815,7 +2259,7 @@
           <a:p>
             <a:fld id="{153F6306-581F-8441-AE0B-CF92A4F6CAD4}" type="datetimeFigureOut">
               <a:rPr lang="en-US" smtClean="0"/>
-              <a:t>6/4/25</a:t>
+              <a:t>7/7/25</a:t>
             </a:fld>
             <a:endParaRPr lang="en-US"/>
           </a:p>
@@ -1956,7 +2400,7 @@
           <a:p>
             <a:fld id="{153F6306-581F-8441-AE0B-CF92A4F6CAD4}" type="datetimeFigureOut">
               <a:rPr lang="en-US" smtClean="0"/>
-              <a:t>6/4/25</a:t>
+              <a:t>7/7/25</a:t>
             </a:fld>
             <a:endParaRPr lang="en-US"/>
           </a:p>
@@ -2069,7 +2513,7 @@
           <a:p>
             <a:fld id="{153F6306-581F-8441-AE0B-CF92A4F6CAD4}" type="datetimeFigureOut">
               <a:rPr lang="en-US" smtClean="0"/>
-              <a:t>6/4/25</a:t>
+              <a:t>7/7/25</a:t>
             </a:fld>
             <a:endParaRPr lang="en-US"/>
           </a:p>
@@ -2380,7 +2824,7 @@
           <a:p>
             <a:fld id="{153F6306-581F-8441-AE0B-CF92A4F6CAD4}" type="datetimeFigureOut">
               <a:rPr lang="en-US" smtClean="0"/>
-              <a:t>6/4/25</a:t>
+              <a:t>7/7/25</a:t>
             </a:fld>
             <a:endParaRPr lang="en-US"/>
           </a:p>
@@ -2668,7 +3112,7 @@
           <a:p>
             <a:fld id="{153F6306-581F-8441-AE0B-CF92A4F6CAD4}" type="datetimeFigureOut">
               <a:rPr lang="en-US" smtClean="0"/>
-              <a:t>6/4/25</a:t>
+              <a:t>7/7/25</a:t>
             </a:fld>
             <a:endParaRPr lang="en-US"/>
           </a:p>
@@ -2909,7 +3353,7 @@
           <a:p>
             <a:fld id="{153F6306-581F-8441-AE0B-CF92A4F6CAD4}" type="datetimeFigureOut">
               <a:rPr lang="en-US" smtClean="0"/>
-              <a:t>6/4/25</a:t>
+              <a:t>7/7/25</a:t>
             </a:fld>
             <a:endParaRPr lang="en-US"/>
           </a:p>
@@ -4586,12 +5030,673 @@
           <a:chExt cx="0" cy="0"/>
         </a:xfrm>
       </p:grpSpPr>
+      <p:grpSp>
+        <p:nvGrpSpPr>
+          <p:cNvPr id="24" name="Group 23">
+            <a:extLst>
+              <a:ext uri="{FF2B5EF4-FFF2-40B4-BE49-F238E27FC236}">
+                <a16:creationId xmlns:a16="http://schemas.microsoft.com/office/drawing/2014/main" id="{842FC76B-9BD2-AF22-D65E-FC49AAB1FF27}"/>
+              </a:ext>
+            </a:extLst>
+          </p:cNvPr>
+          <p:cNvGrpSpPr/>
+          <p:nvPr/>
+        </p:nvGrpSpPr>
+        <p:grpSpPr>
+          <a:xfrm>
+            <a:off x="1834555" y="1280234"/>
+            <a:ext cx="8522890" cy="4297532"/>
+            <a:chOff x="250171" y="1600200"/>
+            <a:chExt cx="8522890" cy="4297532"/>
+          </a:xfrm>
+        </p:grpSpPr>
+        <p:sp>
+          <p:nvSpPr>
+            <p:cNvPr id="3" name="Rectangle 2">
+              <a:extLst>
+                <a:ext uri="{FF2B5EF4-FFF2-40B4-BE49-F238E27FC236}">
+                  <a16:creationId xmlns:a16="http://schemas.microsoft.com/office/drawing/2014/main" id="{A8BA47AF-A62D-F498-6F6C-A5EFF2CA3CB1}"/>
+                </a:ext>
+              </a:extLst>
+            </p:cNvPr>
+            <p:cNvSpPr/>
+            <p:nvPr/>
+          </p:nvSpPr>
+          <p:spPr>
+            <a:xfrm>
+              <a:off x="367555" y="2373404"/>
+              <a:ext cx="3415552" cy="739589"/>
+            </a:xfrm>
+            <a:prstGeom prst="rect">
+              <a:avLst/>
+            </a:prstGeom>
+            <a:solidFill>
+              <a:schemeClr val="accent2">
+                <a:lumMod val="40000"/>
+                <a:lumOff val="60000"/>
+              </a:schemeClr>
+            </a:solidFill>
+            <a:ln w="38100">
+              <a:solidFill>
+                <a:schemeClr val="accent2">
+                  <a:lumMod val="75000"/>
+                </a:schemeClr>
+              </a:solidFill>
+            </a:ln>
+          </p:spPr>
+          <p:style>
+            <a:lnRef idx="2">
+              <a:schemeClr val="accent1">
+                <a:shade val="15000"/>
+              </a:schemeClr>
+            </a:lnRef>
+            <a:fillRef idx="1">
+              <a:schemeClr val="accent1"/>
+            </a:fillRef>
+            <a:effectRef idx="0">
+              <a:schemeClr val="accent1"/>
+            </a:effectRef>
+            <a:fontRef idx="minor">
+              <a:schemeClr val="lt1"/>
+            </a:fontRef>
+          </p:style>
+          <p:txBody>
+            <a:bodyPr rtlCol="0" anchor="ctr"/>
+            <a:lstStyle/>
+            <a:p>
+              <a:pPr algn="ctr"/>
+              <a:r>
+                <a:rPr lang="en-US" sz="2000" dirty="0">
+                  <a:solidFill>
+                    <a:schemeClr val="tx1"/>
+                  </a:solidFill>
+                  <a:latin typeface="Oracle Sans" panose="020B0503020204020204" pitchFamily="34" charset="0"/>
+                  <a:cs typeface="Oracle Sans" panose="020B0503020204020204" pitchFamily="34" charset="0"/>
+                </a:rPr>
+                <a:t>Training Run</a:t>
+              </a:r>
+            </a:p>
+          </p:txBody>
+        </p:sp>
+        <p:sp>
+          <p:nvSpPr>
+            <p:cNvPr id="4" name="Rectangle 3">
+              <a:extLst>
+                <a:ext uri="{FF2B5EF4-FFF2-40B4-BE49-F238E27FC236}">
+                  <a16:creationId xmlns:a16="http://schemas.microsoft.com/office/drawing/2014/main" id="{882EA88D-6195-508C-B776-745EE63D660A}"/>
+                </a:ext>
+              </a:extLst>
+            </p:cNvPr>
+            <p:cNvSpPr/>
+            <p:nvPr/>
+          </p:nvSpPr>
+          <p:spPr>
+            <a:xfrm>
+              <a:off x="5033683" y="2373404"/>
+              <a:ext cx="2442883" cy="739589"/>
+            </a:xfrm>
+            <a:prstGeom prst="rect">
+              <a:avLst/>
+            </a:prstGeom>
+            <a:solidFill>
+              <a:schemeClr val="accent2">
+                <a:lumMod val="40000"/>
+                <a:lumOff val="60000"/>
+              </a:schemeClr>
+            </a:solidFill>
+            <a:ln w="38100">
+              <a:solidFill>
+                <a:schemeClr val="accent2">
+                  <a:lumMod val="75000"/>
+                </a:schemeClr>
+              </a:solidFill>
+              <a:prstDash val="dash"/>
+            </a:ln>
+          </p:spPr>
+          <p:style>
+            <a:lnRef idx="2">
+              <a:schemeClr val="accent1">
+                <a:shade val="15000"/>
+              </a:schemeClr>
+            </a:lnRef>
+            <a:fillRef idx="1">
+              <a:schemeClr val="accent1"/>
+            </a:fillRef>
+            <a:effectRef idx="0">
+              <a:schemeClr val="accent1"/>
+            </a:effectRef>
+            <a:fontRef idx="minor">
+              <a:schemeClr val="lt1"/>
+            </a:fontRef>
+          </p:style>
+          <p:txBody>
+            <a:bodyPr rtlCol="0" anchor="ctr"/>
+            <a:lstStyle/>
+            <a:p>
+              <a:pPr algn="ctr"/>
+              <a:r>
+                <a:rPr lang="en-US" sz="2000" dirty="0">
+                  <a:solidFill>
+                    <a:schemeClr val="tx1"/>
+                  </a:solidFill>
+                  <a:latin typeface="Oracle Sans" panose="020B0503020204020204" pitchFamily="34" charset="0"/>
+                  <a:cs typeface="Oracle Sans" panose="020B0503020204020204" pitchFamily="34" charset="0"/>
+                </a:rPr>
+                <a:t>Assembly Phase</a:t>
+              </a:r>
+            </a:p>
+          </p:txBody>
+        </p:sp>
+        <p:cxnSp>
+          <p:nvCxnSpPr>
+            <p:cNvPr id="7" name="Straight Connector 6">
+              <a:extLst>
+                <a:ext uri="{FF2B5EF4-FFF2-40B4-BE49-F238E27FC236}">
+                  <a16:creationId xmlns:a16="http://schemas.microsoft.com/office/drawing/2014/main" id="{4DC5BFDC-6146-CA10-8C28-7F015F97F321}"/>
+                </a:ext>
+              </a:extLst>
+            </p:cNvPr>
+            <p:cNvCxnSpPr>
+              <a:cxnSpLocks/>
+            </p:cNvCxnSpPr>
+            <p:nvPr/>
+          </p:nvCxnSpPr>
+          <p:spPr>
+            <a:xfrm>
+              <a:off x="8101854" y="1600200"/>
+              <a:ext cx="0" cy="2205318"/>
+            </a:xfrm>
+            <a:prstGeom prst="line">
+              <a:avLst/>
+            </a:prstGeom>
+            <a:ln w="76200">
+              <a:solidFill>
+                <a:schemeClr val="accent2">
+                  <a:lumMod val="75000"/>
+                </a:schemeClr>
+              </a:solidFill>
+            </a:ln>
+          </p:spPr>
+          <p:style>
+            <a:lnRef idx="2">
+              <a:schemeClr val="accent1"/>
+            </a:lnRef>
+            <a:fillRef idx="0">
+              <a:schemeClr val="accent1"/>
+            </a:fillRef>
+            <a:effectRef idx="1">
+              <a:schemeClr val="accent1"/>
+            </a:effectRef>
+            <a:fontRef idx="minor">
+              <a:schemeClr val="tx1"/>
+            </a:fontRef>
+          </p:style>
+        </p:cxnSp>
+        <p:cxnSp>
+          <p:nvCxnSpPr>
+            <p:cNvPr id="8" name="Straight Connector 7">
+              <a:extLst>
+                <a:ext uri="{FF2B5EF4-FFF2-40B4-BE49-F238E27FC236}">
+                  <a16:creationId xmlns:a16="http://schemas.microsoft.com/office/drawing/2014/main" id="{E97960DC-378A-8092-80B6-2616A25DC75D}"/>
+                </a:ext>
+              </a:extLst>
+            </p:cNvPr>
+            <p:cNvCxnSpPr>
+              <a:cxnSpLocks/>
+            </p:cNvCxnSpPr>
+            <p:nvPr/>
+          </p:nvCxnSpPr>
+          <p:spPr>
+            <a:xfrm>
+              <a:off x="4408395" y="1640539"/>
+              <a:ext cx="0" cy="2205318"/>
+            </a:xfrm>
+            <a:prstGeom prst="line">
+              <a:avLst/>
+            </a:prstGeom>
+            <a:ln w="76200">
+              <a:solidFill>
+                <a:schemeClr val="accent2">
+                  <a:lumMod val="75000"/>
+                </a:schemeClr>
+              </a:solidFill>
+              <a:prstDash val="dash"/>
+            </a:ln>
+          </p:spPr>
+          <p:style>
+            <a:lnRef idx="2">
+              <a:schemeClr val="accent1"/>
+            </a:lnRef>
+            <a:fillRef idx="0">
+              <a:schemeClr val="accent1"/>
+            </a:fillRef>
+            <a:effectRef idx="1">
+              <a:schemeClr val="accent1"/>
+            </a:effectRef>
+            <a:fontRef idx="minor">
+              <a:schemeClr val="tx1"/>
+            </a:fontRef>
+          </p:style>
+        </p:cxnSp>
+        <p:grpSp>
+          <p:nvGrpSpPr>
+            <p:cNvPr id="12" name="Group 11">
+              <a:extLst>
+                <a:ext uri="{FF2B5EF4-FFF2-40B4-BE49-F238E27FC236}">
+                  <a16:creationId xmlns:a16="http://schemas.microsoft.com/office/drawing/2014/main" id="{BF5043E5-5E03-48AA-0C93-90AA837A2BE6}"/>
+                </a:ext>
+              </a:extLst>
+            </p:cNvPr>
+            <p:cNvGrpSpPr/>
+            <p:nvPr/>
+          </p:nvGrpSpPr>
+          <p:grpSpPr>
+            <a:xfrm>
+              <a:off x="7098902" y="4817289"/>
+              <a:ext cx="1674159" cy="1080443"/>
+              <a:chOff x="7247965" y="4820771"/>
+              <a:chExt cx="1674159" cy="1080443"/>
+            </a:xfrm>
+          </p:grpSpPr>
+          <p:sp>
+            <p:nvSpPr>
+              <p:cNvPr id="9" name="Can 8">
+                <a:extLst>
+                  <a:ext uri="{FF2B5EF4-FFF2-40B4-BE49-F238E27FC236}">
+                    <a16:creationId xmlns:a16="http://schemas.microsoft.com/office/drawing/2014/main" id="{BD862BD0-8C67-54C6-8FFB-C04FCE4BC338}"/>
+                  </a:ext>
+                </a:extLst>
+              </p:cNvPr>
+              <p:cNvSpPr/>
+              <p:nvPr/>
+            </p:nvSpPr>
+            <p:spPr>
+              <a:xfrm>
+                <a:off x="7769039" y="4820771"/>
+                <a:ext cx="443753" cy="658906"/>
+              </a:xfrm>
+              <a:prstGeom prst="can">
+                <a:avLst/>
+              </a:prstGeom>
+            </p:spPr>
+            <p:style>
+              <a:lnRef idx="2">
+                <a:schemeClr val="accent1">
+                  <a:shade val="15000"/>
+                </a:schemeClr>
+              </a:lnRef>
+              <a:fillRef idx="1">
+                <a:schemeClr val="accent1"/>
+              </a:fillRef>
+              <a:effectRef idx="0">
+                <a:schemeClr val="accent1"/>
+              </a:effectRef>
+              <a:fontRef idx="minor">
+                <a:schemeClr val="lt1"/>
+              </a:fontRef>
+            </p:style>
+            <p:txBody>
+              <a:bodyPr rtlCol="0" anchor="ctr"/>
+              <a:lstStyle/>
+              <a:p>
+                <a:pPr algn="ctr"/>
+                <a:endParaRPr lang="en-US" sz="2000" dirty="0">
+                  <a:latin typeface="Oracle Sans" panose="020B0503020204020204" pitchFamily="34" charset="0"/>
+                  <a:cs typeface="Oracle Sans" panose="020B0503020204020204" pitchFamily="34" charset="0"/>
+                </a:endParaRPr>
+              </a:p>
+            </p:txBody>
+          </p:sp>
+          <p:sp>
+            <p:nvSpPr>
+              <p:cNvPr id="11" name="TextBox 10">
+                <a:extLst>
+                  <a:ext uri="{FF2B5EF4-FFF2-40B4-BE49-F238E27FC236}">
+                    <a16:creationId xmlns:a16="http://schemas.microsoft.com/office/drawing/2014/main" id="{FE8E90B5-ECCF-BF71-5CD6-A1197A4720DC}"/>
+                  </a:ext>
+                </a:extLst>
+              </p:cNvPr>
+              <p:cNvSpPr txBox="1"/>
+              <p:nvPr/>
+            </p:nvSpPr>
+            <p:spPr>
+              <a:xfrm>
+                <a:off x="7247965" y="5501104"/>
+                <a:ext cx="1674159" cy="400110"/>
+              </a:xfrm>
+              <a:prstGeom prst="rect">
+                <a:avLst/>
+              </a:prstGeom>
+              <a:noFill/>
+            </p:spPr>
+            <p:txBody>
+              <a:bodyPr wrap="square" rtlCol="0">
+                <a:spAutoFit/>
+              </a:bodyPr>
+              <a:lstStyle/>
+              <a:p>
+                <a:pPr algn="ctr"/>
+                <a:r>
+                  <a:rPr lang="en-US" sz="2000" dirty="0">
+                    <a:latin typeface="Oracle Sans" panose="020B0503020204020204" pitchFamily="34" charset="0"/>
+                    <a:cs typeface="Oracle Sans" panose="020B0503020204020204" pitchFamily="34" charset="0"/>
+                  </a:rPr>
+                  <a:t>AOT Cache</a:t>
+                </a:r>
+              </a:p>
+            </p:txBody>
+          </p:sp>
+        </p:grpSp>
+        <p:sp>
+          <p:nvSpPr>
+            <p:cNvPr id="17" name="TextBox 16">
+              <a:extLst>
+                <a:ext uri="{FF2B5EF4-FFF2-40B4-BE49-F238E27FC236}">
+                  <a16:creationId xmlns:a16="http://schemas.microsoft.com/office/drawing/2014/main" id="{9548491A-4E8C-A451-DFCC-6AFC314EF361}"/>
+                </a:ext>
+              </a:extLst>
+            </p:cNvPr>
+            <p:cNvSpPr txBox="1"/>
+            <p:nvPr/>
+          </p:nvSpPr>
+          <p:spPr>
+            <a:xfrm>
+              <a:off x="250171" y="3436102"/>
+              <a:ext cx="3735482" cy="400110"/>
+            </a:xfrm>
+            <a:prstGeom prst="rect">
+              <a:avLst/>
+            </a:prstGeom>
+            <a:noFill/>
+          </p:spPr>
+          <p:txBody>
+            <a:bodyPr wrap="square">
+              <a:spAutoFit/>
+            </a:bodyPr>
+            <a:lstStyle/>
+            <a:p>
+              <a:pPr algn="ctr"/>
+              <a:r>
+                <a:rPr lang="en-US" sz="2000" dirty="0">
+                  <a:latin typeface="Oracle Sans" panose="020B0503020204020204" pitchFamily="34" charset="0"/>
+                  <a:cs typeface="Oracle Sans" panose="020B0503020204020204" pitchFamily="34" charset="0"/>
+                </a:rPr>
+                <a:t>$java -</a:t>
+              </a:r>
+              <a:r>
+                <a:rPr lang="en-US" sz="2000" dirty="0" err="1">
+                  <a:latin typeface="Oracle Sans" panose="020B0503020204020204" pitchFamily="34" charset="0"/>
+                  <a:cs typeface="Oracle Sans" panose="020B0503020204020204" pitchFamily="34" charset="0"/>
+                </a:rPr>
+                <a:t>XX:AOTMode</a:t>
+              </a:r>
+              <a:r>
+                <a:rPr lang="en-US" sz="2000" dirty="0">
+                  <a:latin typeface="Oracle Sans" panose="020B0503020204020204" pitchFamily="34" charset="0"/>
+                  <a:cs typeface="Oracle Sans" panose="020B0503020204020204" pitchFamily="34" charset="0"/>
+                </a:rPr>
+                <a:t>=record</a:t>
+              </a:r>
+            </a:p>
+          </p:txBody>
+        </p:sp>
+        <p:sp>
+          <p:nvSpPr>
+            <p:cNvPr id="20" name="TextBox 19">
+              <a:extLst>
+                <a:ext uri="{FF2B5EF4-FFF2-40B4-BE49-F238E27FC236}">
+                  <a16:creationId xmlns:a16="http://schemas.microsoft.com/office/drawing/2014/main" id="{6ED45848-FD9D-7BC5-1506-D48F19138655}"/>
+                </a:ext>
+              </a:extLst>
+            </p:cNvPr>
+            <p:cNvSpPr txBox="1"/>
+            <p:nvPr/>
+          </p:nvSpPr>
+          <p:spPr>
+            <a:xfrm>
+              <a:off x="1339675" y="4417179"/>
+              <a:ext cx="6098240" cy="400110"/>
+            </a:xfrm>
+            <a:prstGeom prst="rect">
+              <a:avLst/>
+            </a:prstGeom>
+            <a:noFill/>
+          </p:spPr>
+          <p:txBody>
+            <a:bodyPr wrap="square">
+              <a:spAutoFit/>
+            </a:bodyPr>
+            <a:lstStyle/>
+            <a:p>
+              <a:pPr algn="ctr"/>
+              <a:r>
+                <a:rPr lang="en-US" sz="2000" dirty="0">
+                  <a:latin typeface="Oracle Sans" panose="020B0503020204020204" pitchFamily="34" charset="0"/>
+                  <a:cs typeface="Oracle Sans" panose="020B0503020204020204" pitchFamily="34" charset="0"/>
+                </a:rPr>
+                <a:t>$ java -</a:t>
+              </a:r>
+              <a:r>
+                <a:rPr lang="en-US" sz="2000" dirty="0" err="1">
+                  <a:latin typeface="Oracle Sans" panose="020B0503020204020204" pitchFamily="34" charset="0"/>
+                  <a:cs typeface="Oracle Sans" panose="020B0503020204020204" pitchFamily="34" charset="0"/>
+                </a:rPr>
+                <a:t>XX:AOTCacheOutput</a:t>
+              </a:r>
+              <a:r>
+                <a:rPr lang="en-US" sz="2000" dirty="0">
+                  <a:latin typeface="Oracle Sans" panose="020B0503020204020204" pitchFamily="34" charset="0"/>
+                  <a:cs typeface="Oracle Sans" panose="020B0503020204020204" pitchFamily="34" charset="0"/>
+                </a:rPr>
+                <a:t>=</a:t>
+              </a:r>
+              <a:r>
+                <a:rPr lang="en-US" sz="2000" dirty="0" err="1">
+                  <a:latin typeface="Oracle Sans" panose="020B0503020204020204" pitchFamily="34" charset="0"/>
+                  <a:cs typeface="Oracle Sans" panose="020B0503020204020204" pitchFamily="34" charset="0"/>
+                </a:rPr>
+                <a:t>app.aot</a:t>
+              </a:r>
+              <a:endParaRPr lang="en-US" sz="2000" dirty="0">
+                <a:latin typeface="Oracle Sans" panose="020B0503020204020204" pitchFamily="34" charset="0"/>
+                <a:cs typeface="Oracle Sans" panose="020B0503020204020204" pitchFamily="34" charset="0"/>
+              </a:endParaRPr>
+            </a:p>
+          </p:txBody>
+        </p:sp>
+        <p:sp>
+          <p:nvSpPr>
+            <p:cNvPr id="21" name="Left Brace 20">
+              <a:extLst>
+                <a:ext uri="{FF2B5EF4-FFF2-40B4-BE49-F238E27FC236}">
+                  <a16:creationId xmlns:a16="http://schemas.microsoft.com/office/drawing/2014/main" id="{F8D3CFB6-70F5-6C25-45B0-A2BE2148A882}"/>
+                </a:ext>
+              </a:extLst>
+            </p:cNvPr>
+            <p:cNvSpPr/>
+            <p:nvPr/>
+          </p:nvSpPr>
+          <p:spPr>
+            <a:xfrm rot="16200000">
+              <a:off x="4012828" y="332654"/>
+              <a:ext cx="443753" cy="7734294"/>
+            </a:xfrm>
+            <a:prstGeom prst="leftBrace">
+              <a:avLst/>
+            </a:prstGeom>
+            <a:ln w="76200">
+              <a:solidFill>
+                <a:schemeClr val="accent2">
+                  <a:lumMod val="75000"/>
+                </a:schemeClr>
+              </a:solidFill>
+            </a:ln>
+          </p:spPr>
+          <p:style>
+            <a:lnRef idx="2">
+              <a:schemeClr val="accent1"/>
+            </a:lnRef>
+            <a:fillRef idx="0">
+              <a:schemeClr val="accent1"/>
+            </a:fillRef>
+            <a:effectRef idx="1">
+              <a:schemeClr val="accent1"/>
+            </a:effectRef>
+            <a:fontRef idx="minor">
+              <a:schemeClr val="tx1"/>
+            </a:fontRef>
+          </p:style>
+          <p:txBody>
+            <a:bodyPr rtlCol="0" anchor="ctr"/>
+            <a:lstStyle/>
+            <a:p>
+              <a:pPr algn="ctr"/>
+              <a:endParaRPr lang="en-US"/>
+            </a:p>
+          </p:txBody>
+        </p:sp>
+        <p:cxnSp>
+          <p:nvCxnSpPr>
+            <p:cNvPr id="23" name="Straight Arrow Connector 22">
+              <a:extLst>
+                <a:ext uri="{FF2B5EF4-FFF2-40B4-BE49-F238E27FC236}">
+                  <a16:creationId xmlns:a16="http://schemas.microsoft.com/office/drawing/2014/main" id="{8726491E-2EFB-BC11-31CD-4C8C6E2297D5}"/>
+                </a:ext>
+              </a:extLst>
+            </p:cNvPr>
+            <p:cNvCxnSpPr>
+              <a:cxnSpLocks/>
+            </p:cNvCxnSpPr>
+            <p:nvPr/>
+          </p:nvCxnSpPr>
+          <p:spPr>
+            <a:xfrm>
+              <a:off x="6929863" y="3252537"/>
+              <a:ext cx="567111" cy="1543325"/>
+            </a:xfrm>
+            <a:prstGeom prst="straightConnector1">
+              <a:avLst/>
+            </a:prstGeom>
+            <a:ln w="50800">
+              <a:solidFill>
+                <a:schemeClr val="accent2">
+                  <a:lumMod val="75000"/>
+                </a:schemeClr>
+              </a:solidFill>
+              <a:tailEnd type="triangle"/>
+            </a:ln>
+          </p:spPr>
+          <p:style>
+            <a:lnRef idx="2">
+              <a:schemeClr val="accent1"/>
+            </a:lnRef>
+            <a:fillRef idx="0">
+              <a:schemeClr val="accent1"/>
+            </a:fillRef>
+            <a:effectRef idx="1">
+              <a:schemeClr val="accent1"/>
+            </a:effectRef>
+            <a:fontRef idx="minor">
+              <a:schemeClr val="tx1"/>
+            </a:fontRef>
+          </p:style>
+        </p:cxnSp>
+        <p:sp>
+          <p:nvSpPr>
+            <p:cNvPr id="18" name="TextBox 17">
+              <a:extLst>
+                <a:ext uri="{FF2B5EF4-FFF2-40B4-BE49-F238E27FC236}">
+                  <a16:creationId xmlns:a16="http://schemas.microsoft.com/office/drawing/2014/main" id="{1B64023B-FAC5-C517-0228-05D5686E2D34}"/>
+                </a:ext>
+              </a:extLst>
+            </p:cNvPr>
+            <p:cNvSpPr txBox="1"/>
+            <p:nvPr/>
+          </p:nvSpPr>
+          <p:spPr>
+            <a:xfrm>
+              <a:off x="4388795" y="3436102"/>
+              <a:ext cx="3732657" cy="400110"/>
+            </a:xfrm>
+            <a:prstGeom prst="rect">
+              <a:avLst/>
+            </a:prstGeom>
+            <a:noFill/>
+          </p:spPr>
+          <p:txBody>
+            <a:bodyPr wrap="square">
+              <a:spAutoFit/>
+            </a:bodyPr>
+            <a:lstStyle/>
+            <a:p>
+              <a:pPr algn="ctr"/>
+              <a:r>
+                <a:rPr lang="en-US" sz="2000" dirty="0">
+                  <a:latin typeface="Oracle Sans" panose="020B0503020204020204" pitchFamily="34" charset="0"/>
+                  <a:cs typeface="Oracle Sans" panose="020B0503020204020204" pitchFamily="34" charset="0"/>
+                </a:rPr>
+                <a:t>$java -</a:t>
+              </a:r>
+              <a:r>
+                <a:rPr lang="en-US" sz="2000" dirty="0" err="1">
+                  <a:latin typeface="Oracle Sans" panose="020B0503020204020204" pitchFamily="34" charset="0"/>
+                  <a:cs typeface="Oracle Sans" panose="020B0503020204020204" pitchFamily="34" charset="0"/>
+                </a:rPr>
+                <a:t>XX:AOTMode</a:t>
+              </a:r>
+              <a:r>
+                <a:rPr lang="en-US" sz="2000" dirty="0">
+                  <a:latin typeface="Oracle Sans" panose="020B0503020204020204" pitchFamily="34" charset="0"/>
+                  <a:cs typeface="Oracle Sans" panose="020B0503020204020204" pitchFamily="34" charset="0"/>
+                </a:rPr>
+                <a:t>=create</a:t>
+              </a:r>
+            </a:p>
+          </p:txBody>
+        </p:sp>
+      </p:grpSp>
+    </p:spTree>
+    <p:extLst>
+      <p:ext uri="{BB962C8B-B14F-4D97-AF65-F5344CB8AC3E}">
+        <p14:creationId xmlns:p14="http://schemas.microsoft.com/office/powerpoint/2010/main" val="2080457629"/>
+      </p:ext>
+    </p:extLst>
+  </p:cSld>
+  <p:clrMapOvr>
+    <a:masterClrMapping/>
+  </p:clrMapOvr>
+</p:sld>
+</file>
+
+<file path=ppt/slides/slide5.xml><?xml version="1.0" encoding="utf-8"?>
+<p:sld xmlns:a="http://schemas.openxmlformats.org/drawingml/2006/main" xmlns:r="http://schemas.openxmlformats.org/officeDocument/2006/relationships" xmlns:p="http://schemas.openxmlformats.org/presentationml/2006/main">
+  <p:cSld>
+    <p:spTree>
+      <p:nvGrpSpPr>
+        <p:cNvPr id="1" name="">
+          <a:extLst>
+            <a:ext uri="{FF2B5EF4-FFF2-40B4-BE49-F238E27FC236}">
+              <a16:creationId xmlns:a16="http://schemas.microsoft.com/office/drawing/2014/main" id="{6798CB27-5A30-7FE1-A153-D90BB9561E36}"/>
+            </a:ext>
+          </a:extLst>
+        </p:cNvPr>
+        <p:cNvGrpSpPr/>
+        <p:nvPr/>
+      </p:nvGrpSpPr>
+      <p:grpSpPr>
+        <a:xfrm>
+          <a:off x="0" y="0"/>
+          <a:ext cx="0" cy="0"/>
+          <a:chOff x="0" y="0"/>
+          <a:chExt cx="0" cy="0"/>
+        </a:xfrm>
+      </p:grpSpPr>
       <p:sp>
         <p:nvSpPr>
-          <p:cNvPr id="3" name="Rectangle 2">
-            <a:extLst>
-              <a:ext uri="{FF2B5EF4-FFF2-40B4-BE49-F238E27FC236}">
-                <a16:creationId xmlns:a16="http://schemas.microsoft.com/office/drawing/2014/main" id="{A8BA47AF-A62D-F498-6F6C-A5EFF2CA3CB1}"/>
+          <p:cNvPr id="12" name="Can 11">
+            <a:extLst>
+              <a:ext uri="{FF2B5EF4-FFF2-40B4-BE49-F238E27FC236}">
+                <a16:creationId xmlns:a16="http://schemas.microsoft.com/office/drawing/2014/main" id="{7D0947ED-BFCA-FF70-9B48-9A058674A4F3}"/>
               </a:ext>
             </a:extLst>
           </p:cNvPr>
@@ -4599,22 +5704,25 @@
           <p:nvPr/>
         </p:nvSpPr>
         <p:spPr>
-          <a:xfrm>
-            <a:off x="367555" y="2373404"/>
-            <a:ext cx="3415552" cy="739589"/>
+          <a:xfrm rot="5400000">
+            <a:off x="4013192" y="-2361535"/>
+            <a:ext cx="4111681" cy="11679874"/>
           </a:xfrm>
-          <a:prstGeom prst="rect">
-            <a:avLst/>
+          <a:prstGeom prst="can">
+            <a:avLst>
+              <a:gd name="adj" fmla="val 10174"/>
+            </a:avLst>
           </a:prstGeom>
           <a:solidFill>
-            <a:schemeClr val="accent2">
+            <a:schemeClr val="accent6">
               <a:lumMod val="40000"/>
               <a:lumOff val="60000"/>
+              <a:alpha val="30980"/>
             </a:schemeClr>
           </a:solidFill>
           <a:ln w="38100">
             <a:solidFill>
-              <a:schemeClr val="accent2">
+              <a:schemeClr val="accent6">
                 <a:lumMod val="75000"/>
               </a:schemeClr>
             </a:solidFill>
@@ -4637,29 +5745,194 @@
           </a:fontRef>
         </p:style>
         <p:txBody>
-          <a:bodyPr rtlCol="0" anchor="ctr"/>
+          <a:bodyPr rtlCol="0" anchor="b"/>
+          <a:lstStyle/>
+          <a:p>
+            <a:pPr algn="ctr"/>
+            <a:endParaRPr lang="en-US" dirty="0"/>
+          </a:p>
+        </p:txBody>
+      </p:sp>
+      <p:grpSp>
+        <p:nvGrpSpPr>
+          <p:cNvPr id="11" name="Group 10">
+            <a:extLst>
+              <a:ext uri="{FF2B5EF4-FFF2-40B4-BE49-F238E27FC236}">
+                <a16:creationId xmlns:a16="http://schemas.microsoft.com/office/drawing/2014/main" id="{A5FC5695-E700-D21A-760F-37E61C42F238}"/>
+              </a:ext>
+            </a:extLst>
+          </p:cNvPr>
+          <p:cNvGrpSpPr/>
+          <p:nvPr/>
+        </p:nvGrpSpPr>
+        <p:grpSpPr>
+          <a:xfrm>
+            <a:off x="2126107" y="2684673"/>
+            <a:ext cx="3942925" cy="1800509"/>
+            <a:chOff x="2832680" y="2984879"/>
+            <a:chExt cx="5191815" cy="2510778"/>
+          </a:xfrm>
+        </p:grpSpPr>
+        <p:sp>
+          <p:nvSpPr>
+            <p:cNvPr id="3" name="Rectangle 2">
+              <a:extLst>
+                <a:ext uri="{FF2B5EF4-FFF2-40B4-BE49-F238E27FC236}">
+                  <a16:creationId xmlns:a16="http://schemas.microsoft.com/office/drawing/2014/main" id="{D2D45508-6647-7527-5CCE-E1A2EB1BB0B4}"/>
+                </a:ext>
+              </a:extLst>
+            </p:cNvPr>
+            <p:cNvSpPr/>
+            <p:nvPr/>
+          </p:nvSpPr>
+          <p:spPr>
+            <a:xfrm>
+              <a:off x="2832680" y="2984879"/>
+              <a:ext cx="4392711" cy="1762603"/>
+            </a:xfrm>
+            <a:prstGeom prst="rect">
+              <a:avLst/>
+            </a:prstGeom>
+            <a:solidFill>
+              <a:schemeClr val="accent2">
+                <a:lumMod val="40000"/>
+                <a:lumOff val="60000"/>
+              </a:schemeClr>
+            </a:solidFill>
+            <a:ln w="38100">
+              <a:solidFill>
+                <a:schemeClr val="accent2">
+                  <a:lumMod val="75000"/>
+                </a:schemeClr>
+              </a:solidFill>
+            </a:ln>
+          </p:spPr>
+          <p:style>
+            <a:lnRef idx="2">
+              <a:schemeClr val="accent1">
+                <a:shade val="15000"/>
+              </a:schemeClr>
+            </a:lnRef>
+            <a:fillRef idx="1">
+              <a:schemeClr val="accent1"/>
+            </a:fillRef>
+            <a:effectRef idx="0">
+              <a:schemeClr val="accent1"/>
+            </a:effectRef>
+            <a:fontRef idx="minor">
+              <a:schemeClr val="lt1"/>
+            </a:fontRef>
+          </p:style>
+          <p:txBody>
+            <a:bodyPr rtlCol="0" anchor="ctr"/>
+            <a:lstStyle/>
+            <a:p>
+              <a:pPr algn="ctr"/>
+              <a:r>
+                <a:rPr lang="en-US" sz="2000" dirty="0">
+                  <a:solidFill>
+                    <a:schemeClr val="tx1"/>
+                  </a:solidFill>
+                  <a:latin typeface="Oracle Sans" panose="020B0503020204020204" pitchFamily="34" charset="0"/>
+                  <a:cs typeface="Oracle Sans" panose="020B0503020204020204" pitchFamily="34" charset="0"/>
+                </a:rPr>
+                <a:t>Application</a:t>
+              </a:r>
+            </a:p>
+          </p:txBody>
+        </p:sp>
+        <p:cxnSp>
+          <p:nvCxnSpPr>
+            <p:cNvPr id="30" name="Straight Arrow Connector 29">
+              <a:extLst>
+                <a:ext uri="{FF2B5EF4-FFF2-40B4-BE49-F238E27FC236}">
+                  <a16:creationId xmlns:a16="http://schemas.microsoft.com/office/drawing/2014/main" id="{F36D7420-282A-BDE8-1109-945911F2F6B4}"/>
+                </a:ext>
+              </a:extLst>
+            </p:cNvPr>
+            <p:cNvCxnSpPr>
+              <a:cxnSpLocks/>
+            </p:cNvCxnSpPr>
+            <p:nvPr/>
+          </p:nvCxnSpPr>
+          <p:spPr>
+            <a:xfrm>
+              <a:off x="7225391" y="4777362"/>
+              <a:ext cx="799104" cy="718295"/>
+            </a:xfrm>
+            <a:prstGeom prst="straightConnector1">
+              <a:avLst/>
+            </a:prstGeom>
+            <a:ln w="50800">
+              <a:solidFill>
+                <a:schemeClr val="accent2">
+                  <a:lumMod val="75000"/>
+                </a:schemeClr>
+              </a:solidFill>
+              <a:tailEnd type="triangle"/>
+            </a:ln>
+          </p:spPr>
+          <p:style>
+            <a:lnRef idx="2">
+              <a:schemeClr val="accent1"/>
+            </a:lnRef>
+            <a:fillRef idx="0">
+              <a:schemeClr val="accent1"/>
+            </a:fillRef>
+            <a:effectRef idx="1">
+              <a:schemeClr val="accent1"/>
+            </a:effectRef>
+            <a:fontRef idx="minor">
+              <a:schemeClr val="tx1"/>
+            </a:fontRef>
+          </p:style>
+        </p:cxnSp>
+      </p:grpSp>
+      <p:sp>
+        <p:nvSpPr>
+          <p:cNvPr id="23" name="TextBox 22">
+            <a:extLst>
+              <a:ext uri="{FF2B5EF4-FFF2-40B4-BE49-F238E27FC236}">
+                <a16:creationId xmlns:a16="http://schemas.microsoft.com/office/drawing/2014/main" id="{B102E561-442D-3D87-D45B-CFDA79B212A5}"/>
+              </a:ext>
+            </a:extLst>
+          </p:cNvPr>
+          <p:cNvSpPr txBox="1"/>
+          <p:nvPr/>
+        </p:nvSpPr>
+        <p:spPr>
+          <a:xfrm>
+            <a:off x="3633621" y="1628254"/>
+            <a:ext cx="4924757" cy="646331"/>
+          </a:xfrm>
+          <a:prstGeom prst="rect">
+            <a:avLst/>
+          </a:prstGeom>
+          <a:noFill/>
+        </p:spPr>
+        <p:txBody>
+          <a:bodyPr wrap="square" rtlCol="0">
+            <a:spAutoFit/>
+          </a:bodyPr>
           <a:lstStyle/>
           <a:p>
             <a:pPr algn="ctr"/>
             <a:r>
-              <a:rPr lang="en-US" sz="2000" dirty="0">
-                <a:solidFill>
-                  <a:schemeClr val="tx1"/>
-                </a:solidFill>
+              <a:rPr lang="en-US" sz="3600" dirty="0">
                 <a:latin typeface="Oracle Sans" panose="020B0503020204020204" pitchFamily="34" charset="0"/>
                 <a:cs typeface="Oracle Sans" panose="020B0503020204020204" pitchFamily="34" charset="0"/>
               </a:rPr>
-              <a:t>Training Run</a:t>
+              <a:t>Build Pipeline</a:t>
             </a:r>
           </a:p>
         </p:txBody>
       </p:sp>
       <p:sp>
         <p:nvSpPr>
-          <p:cNvPr id="4" name="Rectangle 3">
-            <a:extLst>
-              <a:ext uri="{FF2B5EF4-FFF2-40B4-BE49-F238E27FC236}">
-                <a16:creationId xmlns:a16="http://schemas.microsoft.com/office/drawing/2014/main" id="{882EA88D-6195-508C-B776-745EE63D660A}"/>
+          <p:cNvPr id="31" name="Chevron 30">
+            <a:extLst>
+              <a:ext uri="{FF2B5EF4-FFF2-40B4-BE49-F238E27FC236}">
+                <a16:creationId xmlns:a16="http://schemas.microsoft.com/office/drawing/2014/main" id="{F64109EF-D111-2442-6CCB-D14D3C8244A3}"/>
               </a:ext>
             </a:extLst>
           </p:cNvPr>
@@ -4668,26 +5941,12 @@
         </p:nvSpPr>
         <p:spPr>
           <a:xfrm>
-            <a:off x="5033683" y="2373404"/>
-            <a:ext cx="2442883" cy="739589"/>
+            <a:off x="1166412" y="2913745"/>
+            <a:ext cx="392279" cy="1129315"/>
           </a:xfrm>
-          <a:prstGeom prst="rect">
+          <a:prstGeom prst="chevron">
             <a:avLst/>
           </a:prstGeom>
-          <a:solidFill>
-            <a:schemeClr val="accent2">
-              <a:lumMod val="40000"/>
-              <a:lumOff val="60000"/>
-            </a:schemeClr>
-          </a:solidFill>
-          <a:ln w="38100">
-            <a:solidFill>
-              <a:schemeClr val="accent2">
-                <a:lumMod val="75000"/>
-              </a:schemeClr>
-            </a:solidFill>
-            <a:prstDash val="dash"/>
-          </a:ln>
         </p:spPr>
         <p:style>
           <a:lnRef idx="2">
@@ -4710,25 +5969,20 @@
           <a:lstStyle/>
           <a:p>
             <a:pPr algn="ctr"/>
-            <a:r>
-              <a:rPr lang="en-US" sz="2000" dirty="0">
-                <a:solidFill>
-                  <a:schemeClr val="tx1"/>
-                </a:solidFill>
-                <a:latin typeface="Oracle Sans" panose="020B0503020204020204" pitchFamily="34" charset="0"/>
-                <a:cs typeface="Oracle Sans" panose="020B0503020204020204" pitchFamily="34" charset="0"/>
-              </a:rPr>
-              <a:t>Assembly Phase</a:t>
-            </a:r>
+            <a:endParaRPr lang="en-US">
+              <a:solidFill>
+                <a:schemeClr val="tx1"/>
+              </a:solidFill>
+            </a:endParaRPr>
           </a:p>
         </p:txBody>
       </p:sp>
       <p:sp>
         <p:nvSpPr>
-          <p:cNvPr id="5" name="Rectangle 4">
-            <a:extLst>
-              <a:ext uri="{FF2B5EF4-FFF2-40B4-BE49-F238E27FC236}">
-                <a16:creationId xmlns:a16="http://schemas.microsoft.com/office/drawing/2014/main" id="{190BAF00-2B45-32EA-A1A7-DD1BFE61EC72}"/>
+          <p:cNvPr id="32" name="Chevron 31">
+            <a:extLst>
+              <a:ext uri="{FF2B5EF4-FFF2-40B4-BE49-F238E27FC236}">
+                <a16:creationId xmlns:a16="http://schemas.microsoft.com/office/drawing/2014/main" id="{4EB109DA-9097-A9E2-802A-094AFB48710E}"/>
               </a:ext>
             </a:extLst>
           </p:cNvPr>
@@ -4737,25 +5991,12 @@
         </p:nvSpPr>
         <p:spPr>
           <a:xfrm>
-            <a:off x="8727141" y="2373404"/>
-            <a:ext cx="2958353" cy="739589"/>
+            <a:off x="6902604" y="2913745"/>
+            <a:ext cx="392279" cy="1129315"/>
           </a:xfrm>
-          <a:prstGeom prst="rect">
+          <a:prstGeom prst="chevron">
             <a:avLst/>
           </a:prstGeom>
-          <a:solidFill>
-            <a:schemeClr val="accent2">
-              <a:lumMod val="40000"/>
-              <a:lumOff val="60000"/>
-            </a:schemeClr>
-          </a:solidFill>
-          <a:ln w="38100">
-            <a:solidFill>
-              <a:schemeClr val="accent2">
-                <a:lumMod val="75000"/>
-              </a:schemeClr>
-            </a:solidFill>
-          </a:ln>
         </p:spPr>
         <p:style>
           <a:lnRef idx="2">
@@ -4778,116 +6019,20 @@
           <a:lstStyle/>
           <a:p>
             <a:pPr algn="ctr"/>
-            <a:r>
-              <a:rPr lang="en-US" sz="2000" dirty="0">
-                <a:solidFill>
-                  <a:schemeClr val="tx1"/>
-                </a:solidFill>
-                <a:latin typeface="Oracle Sans" panose="020B0503020204020204" pitchFamily="34" charset="0"/>
-                <a:cs typeface="Oracle Sans" panose="020B0503020204020204" pitchFamily="34" charset="0"/>
-              </a:rPr>
-              <a:t>Production deployment</a:t>
-            </a:r>
+            <a:endParaRPr lang="en-US">
+              <a:solidFill>
+                <a:schemeClr val="tx1"/>
+              </a:solidFill>
+            </a:endParaRPr>
           </a:p>
         </p:txBody>
       </p:sp>
-      <p:cxnSp>
-        <p:nvCxnSpPr>
-          <p:cNvPr id="7" name="Straight Connector 6">
-            <a:extLst>
-              <a:ext uri="{FF2B5EF4-FFF2-40B4-BE49-F238E27FC236}">
-                <a16:creationId xmlns:a16="http://schemas.microsoft.com/office/drawing/2014/main" id="{4DC5BFDC-6146-CA10-8C28-7F015F97F321}"/>
-              </a:ext>
-            </a:extLst>
-          </p:cNvPr>
-          <p:cNvCxnSpPr>
-            <a:cxnSpLocks/>
-          </p:cNvCxnSpPr>
-          <p:nvPr/>
-        </p:nvCxnSpPr>
-        <p:spPr>
-          <a:xfrm>
-            <a:off x="8101854" y="1600200"/>
-            <a:ext cx="0" cy="2205318"/>
-          </a:xfrm>
-          <a:prstGeom prst="line">
-            <a:avLst/>
-          </a:prstGeom>
-          <a:ln w="76200">
-            <a:solidFill>
-              <a:schemeClr val="accent2">
-                <a:lumMod val="75000"/>
-              </a:schemeClr>
-            </a:solidFill>
-          </a:ln>
-        </p:spPr>
-        <p:style>
-          <a:lnRef idx="2">
-            <a:schemeClr val="accent1"/>
-          </a:lnRef>
-          <a:fillRef idx="0">
-            <a:schemeClr val="accent1"/>
-          </a:fillRef>
-          <a:effectRef idx="1">
-            <a:schemeClr val="accent1"/>
-          </a:effectRef>
-          <a:fontRef idx="minor">
-            <a:schemeClr val="tx1"/>
-          </a:fontRef>
-        </p:style>
-      </p:cxnSp>
-      <p:cxnSp>
-        <p:nvCxnSpPr>
-          <p:cNvPr id="8" name="Straight Connector 7">
-            <a:extLst>
-              <a:ext uri="{FF2B5EF4-FFF2-40B4-BE49-F238E27FC236}">
-                <a16:creationId xmlns:a16="http://schemas.microsoft.com/office/drawing/2014/main" id="{E97960DC-378A-8092-80B6-2616A25DC75D}"/>
-              </a:ext>
-            </a:extLst>
-          </p:cNvPr>
-          <p:cNvCxnSpPr>
-            <a:cxnSpLocks/>
-          </p:cNvCxnSpPr>
-          <p:nvPr/>
-        </p:nvCxnSpPr>
-        <p:spPr>
-          <a:xfrm>
-            <a:off x="4408395" y="1640539"/>
-            <a:ext cx="0" cy="2205318"/>
-          </a:xfrm>
-          <a:prstGeom prst="line">
-            <a:avLst/>
-          </a:prstGeom>
-          <a:ln w="76200">
-            <a:solidFill>
-              <a:schemeClr val="accent2">
-                <a:lumMod val="75000"/>
-              </a:schemeClr>
-            </a:solidFill>
-            <a:prstDash val="dash"/>
-          </a:ln>
-        </p:spPr>
-        <p:style>
-          <a:lnRef idx="2">
-            <a:schemeClr val="accent1"/>
-          </a:lnRef>
-          <a:fillRef idx="0">
-            <a:schemeClr val="accent1"/>
-          </a:fillRef>
-          <a:effectRef idx="1">
-            <a:schemeClr val="accent1"/>
-          </a:effectRef>
-          <a:fontRef idx="minor">
-            <a:schemeClr val="tx1"/>
-          </a:fontRef>
-        </p:style>
-      </p:cxnSp>
       <p:grpSp>
         <p:nvGrpSpPr>
-          <p:cNvPr id="12" name="Group 11">
-            <a:extLst>
-              <a:ext uri="{FF2B5EF4-FFF2-40B4-BE49-F238E27FC236}">
-                <a16:creationId xmlns:a16="http://schemas.microsoft.com/office/drawing/2014/main" id="{BF5043E5-5E03-48AA-0C93-90AA837A2BE6}"/>
+          <p:cNvPr id="38" name="Group 37">
+            <a:extLst>
+              <a:ext uri="{FF2B5EF4-FFF2-40B4-BE49-F238E27FC236}">
+                <a16:creationId xmlns:a16="http://schemas.microsoft.com/office/drawing/2014/main" id="{D57E2D49-E8CA-17BE-3FA1-DEFEF9D040F6}"/>
               </a:ext>
             </a:extLst>
           </p:cNvPr>
@@ -4896,18 +6041,337 @@
         </p:nvGrpSpPr>
         <p:grpSpPr>
           <a:xfrm>
-            <a:off x="7098902" y="4817289"/>
-            <a:ext cx="1674159" cy="1080443"/>
-            <a:chOff x="7247965" y="4820771"/>
-            <a:chExt cx="1674159" cy="1080443"/>
+            <a:off x="8295281" y="2314456"/>
+            <a:ext cx="2484028" cy="2161117"/>
+            <a:chOff x="6658964" y="2569899"/>
+            <a:chExt cx="1914717" cy="1665814"/>
           </a:xfrm>
         </p:grpSpPr>
         <p:sp>
           <p:nvSpPr>
-            <p:cNvPr id="9" name="Can 8">
+            <p:cNvPr id="37" name="Rounded Rectangle 36">
               <a:extLst>
                 <a:ext uri="{FF2B5EF4-FFF2-40B4-BE49-F238E27FC236}">
-                  <a16:creationId xmlns:a16="http://schemas.microsoft.com/office/drawing/2014/main" id="{BD862BD0-8C67-54C6-8FFB-C04FCE4BC338}"/>
+                  <a16:creationId xmlns:a16="http://schemas.microsoft.com/office/drawing/2014/main" id="{BAFBE4A0-6577-FA1E-FA72-2EC30A5C360D}"/>
+                </a:ext>
+              </a:extLst>
+            </p:cNvPr>
+            <p:cNvSpPr/>
+            <p:nvPr/>
+          </p:nvSpPr>
+          <p:spPr>
+            <a:xfrm>
+              <a:off x="6658964" y="2569899"/>
+              <a:ext cx="1784081" cy="1665814"/>
+            </a:xfrm>
+            <a:prstGeom prst="roundRect">
+              <a:avLst/>
+            </a:prstGeom>
+            <a:solidFill>
+              <a:schemeClr val="accent5">
+                <a:lumMod val="20000"/>
+                <a:lumOff val="80000"/>
+              </a:schemeClr>
+            </a:solidFill>
+            <a:ln w="38100">
+              <a:solidFill>
+                <a:schemeClr val="accent5">
+                  <a:lumMod val="75000"/>
+                </a:schemeClr>
+              </a:solidFill>
+            </a:ln>
+          </p:spPr>
+          <p:style>
+            <a:lnRef idx="2">
+              <a:schemeClr val="accent1">
+                <a:shade val="15000"/>
+              </a:schemeClr>
+            </a:lnRef>
+            <a:fillRef idx="1">
+              <a:schemeClr val="accent1"/>
+            </a:fillRef>
+            <a:effectRef idx="0">
+              <a:schemeClr val="accent1"/>
+            </a:effectRef>
+            <a:fontRef idx="minor">
+              <a:schemeClr val="lt1"/>
+            </a:fontRef>
+          </p:style>
+          <p:txBody>
+            <a:bodyPr rtlCol="0" anchor="ctr"/>
+            <a:lstStyle/>
+            <a:p>
+              <a:pPr algn="ctr"/>
+              <a:endParaRPr lang="en-US"/>
+            </a:p>
+          </p:txBody>
+        </p:sp>
+        <p:grpSp>
+          <p:nvGrpSpPr>
+            <p:cNvPr id="36" name="Group 35">
+              <a:extLst>
+                <a:ext uri="{FF2B5EF4-FFF2-40B4-BE49-F238E27FC236}">
+                  <a16:creationId xmlns:a16="http://schemas.microsoft.com/office/drawing/2014/main" id="{04FE7221-BE49-FF92-A573-5C654F58B8FA}"/>
+                </a:ext>
+              </a:extLst>
+            </p:cNvPr>
+            <p:cNvGrpSpPr/>
+            <p:nvPr/>
+          </p:nvGrpSpPr>
+          <p:grpSpPr>
+            <a:xfrm>
+              <a:off x="6817532" y="2860908"/>
+              <a:ext cx="1756149" cy="1226667"/>
+              <a:chOff x="6789041" y="3143425"/>
+              <a:chExt cx="1756149" cy="1226667"/>
+            </a:xfrm>
+          </p:grpSpPr>
+          <p:sp>
+            <p:nvSpPr>
+              <p:cNvPr id="33" name="Rectangle 32">
+                <a:extLst>
+                  <a:ext uri="{FF2B5EF4-FFF2-40B4-BE49-F238E27FC236}">
+                    <a16:creationId xmlns:a16="http://schemas.microsoft.com/office/drawing/2014/main" id="{D292C854-1206-C99D-53D6-7022E26077B8}"/>
+                  </a:ext>
+                </a:extLst>
+              </p:cNvPr>
+              <p:cNvSpPr/>
+              <p:nvPr/>
+            </p:nvSpPr>
+            <p:spPr>
+              <a:xfrm>
+                <a:off x="6789041" y="3143425"/>
+                <a:ext cx="1354003" cy="606354"/>
+              </a:xfrm>
+              <a:prstGeom prst="rect">
+                <a:avLst/>
+              </a:prstGeom>
+              <a:solidFill>
+                <a:schemeClr val="accent2">
+                  <a:lumMod val="40000"/>
+                  <a:lumOff val="60000"/>
+                </a:schemeClr>
+              </a:solidFill>
+              <a:ln w="38100">
+                <a:solidFill>
+                  <a:schemeClr val="accent2">
+                    <a:lumMod val="75000"/>
+                  </a:schemeClr>
+                </a:solidFill>
+              </a:ln>
+            </p:spPr>
+            <p:style>
+              <a:lnRef idx="2">
+                <a:schemeClr val="accent1">
+                  <a:shade val="15000"/>
+                </a:schemeClr>
+              </a:lnRef>
+              <a:fillRef idx="1">
+                <a:schemeClr val="accent1"/>
+              </a:fillRef>
+              <a:effectRef idx="0">
+                <a:schemeClr val="accent1"/>
+              </a:effectRef>
+              <a:fontRef idx="minor">
+                <a:schemeClr val="lt1"/>
+              </a:fontRef>
+            </p:style>
+            <p:txBody>
+              <a:bodyPr rtlCol="0" anchor="ctr"/>
+              <a:lstStyle/>
+              <a:p>
+                <a:pPr algn="ctr"/>
+                <a:r>
+                  <a:rPr lang="en-US" sz="1400" dirty="0">
+                    <a:solidFill>
+                      <a:schemeClr val="tx1"/>
+                    </a:solidFill>
+                    <a:latin typeface="Oracle Sans" panose="020B0503020204020204" pitchFamily="34" charset="0"/>
+                    <a:cs typeface="Oracle Sans" panose="020B0503020204020204" pitchFamily="34" charset="0"/>
+                  </a:rPr>
+                  <a:t>Application</a:t>
+                </a:r>
+              </a:p>
+            </p:txBody>
+          </p:sp>
+          <p:sp>
+            <p:nvSpPr>
+              <p:cNvPr id="34" name="Can 33">
+                <a:extLst>
+                  <a:ext uri="{FF2B5EF4-FFF2-40B4-BE49-F238E27FC236}">
+                    <a16:creationId xmlns:a16="http://schemas.microsoft.com/office/drawing/2014/main" id="{2B1652EA-F9E0-6D5F-FD6C-4F5757164E96}"/>
+                  </a:ext>
+                </a:extLst>
+              </p:cNvPr>
+              <p:cNvSpPr/>
+              <p:nvPr/>
+            </p:nvSpPr>
+            <p:spPr>
+              <a:xfrm>
+                <a:off x="7863643" y="3456246"/>
+                <a:ext cx="389603" cy="510542"/>
+              </a:xfrm>
+              <a:prstGeom prst="can">
+                <a:avLst/>
+              </a:prstGeom>
+            </p:spPr>
+            <p:style>
+              <a:lnRef idx="2">
+                <a:schemeClr val="accent1">
+                  <a:shade val="15000"/>
+                </a:schemeClr>
+              </a:lnRef>
+              <a:fillRef idx="1">
+                <a:schemeClr val="accent1"/>
+              </a:fillRef>
+              <a:effectRef idx="0">
+                <a:schemeClr val="accent1"/>
+              </a:effectRef>
+              <a:fontRef idx="minor">
+                <a:schemeClr val="lt1"/>
+              </a:fontRef>
+            </p:style>
+            <p:txBody>
+              <a:bodyPr rtlCol="0" anchor="ctr"/>
+              <a:lstStyle/>
+              <a:p>
+                <a:pPr algn="ctr"/>
+                <a:endParaRPr lang="en-US" sz="1400" dirty="0">
+                  <a:latin typeface="Oracle Sans" panose="020B0503020204020204" pitchFamily="34" charset="0"/>
+                  <a:cs typeface="Oracle Sans" panose="020B0503020204020204" pitchFamily="34" charset="0"/>
+                </a:endParaRPr>
+              </a:p>
+            </p:txBody>
+          </p:sp>
+          <p:sp>
+            <p:nvSpPr>
+              <p:cNvPr id="35" name="TextBox 34">
+                <a:extLst>
+                  <a:ext uri="{FF2B5EF4-FFF2-40B4-BE49-F238E27FC236}">
+                    <a16:creationId xmlns:a16="http://schemas.microsoft.com/office/drawing/2014/main" id="{F5F497F0-FD9F-2549-EFA2-C9153E094F5F}"/>
+                  </a:ext>
+                </a:extLst>
+              </p:cNvPr>
+              <p:cNvSpPr txBox="1"/>
+              <p:nvPr/>
+            </p:nvSpPr>
+            <p:spPr>
+              <a:xfrm>
+                <a:off x="7541136" y="3966788"/>
+                <a:ext cx="1004054" cy="403304"/>
+              </a:xfrm>
+              <a:prstGeom prst="rect">
+                <a:avLst/>
+              </a:prstGeom>
+              <a:noFill/>
+            </p:spPr>
+            <p:txBody>
+              <a:bodyPr wrap="square" rtlCol="0">
+                <a:spAutoFit/>
+              </a:bodyPr>
+              <a:lstStyle/>
+              <a:p>
+                <a:pPr algn="ctr"/>
+                <a:r>
+                  <a:rPr lang="en-US" sz="1400" dirty="0">
+                    <a:latin typeface="Oracle Sans" panose="020B0503020204020204" pitchFamily="34" charset="0"/>
+                    <a:cs typeface="Oracle Sans" panose="020B0503020204020204" pitchFamily="34" charset="0"/>
+                  </a:rPr>
+                  <a:t>AOT </a:t>
+                </a:r>
+              </a:p>
+              <a:p>
+                <a:pPr algn="ctr"/>
+                <a:r>
+                  <a:rPr lang="en-US" sz="1400" dirty="0">
+                    <a:latin typeface="Oracle Sans" panose="020B0503020204020204" pitchFamily="34" charset="0"/>
+                    <a:cs typeface="Oracle Sans" panose="020B0503020204020204" pitchFamily="34" charset="0"/>
+                  </a:rPr>
+                  <a:t>Cache</a:t>
+                </a:r>
+              </a:p>
+            </p:txBody>
+          </p:sp>
+        </p:grpSp>
+      </p:grpSp>
+      <p:sp>
+        <p:nvSpPr>
+          <p:cNvPr id="57" name="TextBox 56">
+            <a:extLst>
+              <a:ext uri="{FF2B5EF4-FFF2-40B4-BE49-F238E27FC236}">
+                <a16:creationId xmlns:a16="http://schemas.microsoft.com/office/drawing/2014/main" id="{43867CD8-9F5B-523D-DBAE-8496118849A9}"/>
+              </a:ext>
+            </a:extLst>
+          </p:cNvPr>
+          <p:cNvSpPr txBox="1"/>
+          <p:nvPr/>
+        </p:nvSpPr>
+        <p:spPr>
+          <a:xfrm>
+            <a:off x="8136780" y="4621171"/>
+            <a:ext cx="2879697" cy="646331"/>
+          </a:xfrm>
+          <a:prstGeom prst="rect">
+            <a:avLst/>
+          </a:prstGeom>
+          <a:noFill/>
+        </p:spPr>
+        <p:txBody>
+          <a:bodyPr wrap="square" rtlCol="0">
+            <a:spAutoFit/>
+          </a:bodyPr>
+          <a:lstStyle/>
+          <a:p>
+            <a:pPr algn="ctr"/>
+            <a:r>
+              <a:rPr lang="en-US" dirty="0">
+                <a:latin typeface="Oracle Sans" panose="020B0503020204020204" pitchFamily="34" charset="0"/>
+                <a:cs typeface="Oracle Sans" panose="020B0503020204020204" pitchFamily="34" charset="0"/>
+              </a:rPr>
+              <a:t>Build</a:t>
+            </a:r>
+            <a:br>
+              <a:rPr lang="en-US" dirty="0">
+                <a:latin typeface="Oracle Sans" panose="020B0503020204020204" pitchFamily="34" charset="0"/>
+                <a:cs typeface="Oracle Sans" panose="020B0503020204020204" pitchFamily="34" charset="0"/>
+              </a:rPr>
+            </a:br>
+            <a:r>
+              <a:rPr lang="en-US" dirty="0">
+                <a:latin typeface="Oracle Sans" panose="020B0503020204020204" pitchFamily="34" charset="0"/>
+                <a:cs typeface="Oracle Sans" panose="020B0503020204020204" pitchFamily="34" charset="0"/>
+              </a:rPr>
+              <a:t>Image</a:t>
+            </a:r>
+          </a:p>
+        </p:txBody>
+      </p:sp>
+      <p:grpSp>
+        <p:nvGrpSpPr>
+          <p:cNvPr id="60" name="Group 59">
+            <a:extLst>
+              <a:ext uri="{FF2B5EF4-FFF2-40B4-BE49-F238E27FC236}">
+                <a16:creationId xmlns:a16="http://schemas.microsoft.com/office/drawing/2014/main" id="{18A147C0-878B-B2D8-9CF2-A5F9FA0DC108}"/>
+              </a:ext>
+            </a:extLst>
+          </p:cNvPr>
+          <p:cNvGrpSpPr/>
+          <p:nvPr/>
+        </p:nvGrpSpPr>
+        <p:grpSpPr>
+          <a:xfrm>
+            <a:off x="5637753" y="4197055"/>
+            <a:ext cx="1558809" cy="977343"/>
+            <a:chOff x="7247965" y="4820771"/>
+            <a:chExt cx="1674159" cy="1049665"/>
+          </a:xfrm>
+        </p:grpSpPr>
+        <p:sp>
+          <p:nvSpPr>
+            <p:cNvPr id="61" name="Can 60">
+              <a:extLst>
+                <a:ext uri="{FF2B5EF4-FFF2-40B4-BE49-F238E27FC236}">
+                  <a16:creationId xmlns:a16="http://schemas.microsoft.com/office/drawing/2014/main" id="{D59D5C57-5384-CFE4-AF27-C0BA97191421}"/>
                 </a:ext>
               </a:extLst>
             </p:cNvPr>
@@ -4953,10 +6417,10 @@
         </p:sp>
         <p:sp>
           <p:nvSpPr>
-            <p:cNvPr id="11" name="TextBox 10">
+            <p:cNvPr id="62" name="TextBox 61">
               <a:extLst>
                 <a:ext uri="{FF2B5EF4-FFF2-40B4-BE49-F238E27FC236}">
-                  <a16:creationId xmlns:a16="http://schemas.microsoft.com/office/drawing/2014/main" id="{FE8E90B5-ECCF-BF71-5CD6-A1197A4720DC}"/>
+                  <a16:creationId xmlns:a16="http://schemas.microsoft.com/office/drawing/2014/main" id="{CFCF5CE1-B419-5EF1-BB42-0777320D7C40}"/>
                 </a:ext>
               </a:extLst>
             </p:cNvPr>
@@ -4966,7 +6430,7 @@
           <p:spPr>
             <a:xfrm>
               <a:off x="7247965" y="5501104"/>
-              <a:ext cx="1674159" cy="400110"/>
+              <a:ext cx="1674159" cy="369332"/>
             </a:xfrm>
             <a:prstGeom prst="rect">
               <a:avLst/>
@@ -4981,7 +6445,7 @@
             <a:p>
               <a:pPr algn="ctr"/>
               <a:r>
-                <a:rPr lang="en-US" sz="2000" dirty="0">
+                <a:rPr lang="en-US" dirty="0">
                   <a:latin typeface="Oracle Sans" panose="020B0503020204020204" pitchFamily="34" charset="0"/>
                   <a:cs typeface="Oracle Sans" panose="020B0503020204020204" pitchFamily="34" charset="0"/>
                 </a:rPr>
@@ -4991,12 +6455,455 @@
           </p:txBody>
         </p:sp>
       </p:grpSp>
+      <p:cxnSp>
+        <p:nvCxnSpPr>
+          <p:cNvPr id="66" name="Straight Arrow Connector 65">
+            <a:extLst>
+              <a:ext uri="{FF2B5EF4-FFF2-40B4-BE49-F238E27FC236}">
+                <a16:creationId xmlns:a16="http://schemas.microsoft.com/office/drawing/2014/main" id="{D03E1C3A-3D49-48E1-0B10-0802F21004AF}"/>
+              </a:ext>
+            </a:extLst>
+          </p:cNvPr>
+          <p:cNvCxnSpPr>
+            <a:cxnSpLocks/>
+          </p:cNvCxnSpPr>
+          <p:nvPr/>
+        </p:nvCxnSpPr>
+        <p:spPr>
+          <a:xfrm flipV="1">
+            <a:off x="6547451" y="3740346"/>
+            <a:ext cx="3229200" cy="744836"/>
+          </a:xfrm>
+          <a:prstGeom prst="straightConnector1">
+            <a:avLst/>
+          </a:prstGeom>
+          <a:ln w="50800">
+            <a:solidFill>
+              <a:schemeClr val="accent2">
+                <a:lumMod val="75000"/>
+              </a:schemeClr>
+            </a:solidFill>
+            <a:tailEnd type="triangle"/>
+          </a:ln>
+        </p:spPr>
+        <p:style>
+          <a:lnRef idx="2">
+            <a:schemeClr val="accent1"/>
+          </a:lnRef>
+          <a:fillRef idx="0">
+            <a:schemeClr val="accent1"/>
+          </a:fillRef>
+          <a:effectRef idx="1">
+            <a:schemeClr val="accent1"/>
+          </a:effectRef>
+          <a:fontRef idx="minor">
+            <a:schemeClr val="tx1"/>
+          </a:fontRef>
+        </p:style>
+      </p:cxnSp>
+      <p:sp>
+        <p:nvSpPr>
+          <p:cNvPr id="75" name="TextBox 74">
+            <a:extLst>
+              <a:ext uri="{FF2B5EF4-FFF2-40B4-BE49-F238E27FC236}">
+                <a16:creationId xmlns:a16="http://schemas.microsoft.com/office/drawing/2014/main" id="{A7BF616B-AA81-B145-27C6-ECF4CF1F6FD2}"/>
+              </a:ext>
+            </a:extLst>
+          </p:cNvPr>
+          <p:cNvSpPr txBox="1"/>
+          <p:nvPr/>
+        </p:nvSpPr>
+        <p:spPr>
+          <a:xfrm>
+            <a:off x="2354280" y="4621171"/>
+            <a:ext cx="2879697" cy="646331"/>
+          </a:xfrm>
+          <a:prstGeom prst="rect">
+            <a:avLst/>
+          </a:prstGeom>
+          <a:noFill/>
+        </p:spPr>
+        <p:txBody>
+          <a:bodyPr wrap="square" rtlCol="0">
+            <a:spAutoFit/>
+          </a:bodyPr>
+          <a:lstStyle/>
+          <a:p>
+            <a:pPr algn="ctr"/>
+            <a:r>
+              <a:rPr lang="en-US" dirty="0">
+                <a:latin typeface="Oracle Sans" panose="020B0503020204020204" pitchFamily="34" charset="0"/>
+                <a:cs typeface="Oracle Sans" panose="020B0503020204020204" pitchFamily="34" charset="0"/>
+              </a:rPr>
+              <a:t>Training</a:t>
+            </a:r>
+            <a:br>
+              <a:rPr lang="en-US" dirty="0">
+                <a:latin typeface="Oracle Sans" panose="020B0503020204020204" pitchFamily="34" charset="0"/>
+                <a:cs typeface="Oracle Sans" panose="020B0503020204020204" pitchFamily="34" charset="0"/>
+              </a:rPr>
+            </a:br>
+            <a:r>
+              <a:rPr lang="en-US" dirty="0">
+                <a:latin typeface="Oracle Sans" panose="020B0503020204020204" pitchFamily="34" charset="0"/>
+                <a:cs typeface="Oracle Sans" panose="020B0503020204020204" pitchFamily="34" charset="0"/>
+              </a:rPr>
+              <a:t>Run</a:t>
+            </a:r>
+          </a:p>
+        </p:txBody>
+      </p:sp>
+    </p:spTree>
+    <p:extLst>
+      <p:ext uri="{BB962C8B-B14F-4D97-AF65-F5344CB8AC3E}">
+        <p14:creationId xmlns:p14="http://schemas.microsoft.com/office/powerpoint/2010/main" val="3635156180"/>
+      </p:ext>
+    </p:extLst>
+  </p:cSld>
+  <p:clrMapOvr>
+    <a:masterClrMapping/>
+  </p:clrMapOvr>
+</p:sld>
+</file>
+
+<file path=ppt/slides/slide6.xml><?xml version="1.0" encoding="utf-8"?>
+<p:sld xmlns:a="http://schemas.openxmlformats.org/drawingml/2006/main" xmlns:r="http://schemas.openxmlformats.org/officeDocument/2006/relationships" xmlns:p="http://schemas.openxmlformats.org/presentationml/2006/main">
+  <p:cSld>
+    <p:spTree>
+      <p:nvGrpSpPr>
+        <p:cNvPr id="1" name="">
+          <a:extLst>
+            <a:ext uri="{FF2B5EF4-FFF2-40B4-BE49-F238E27FC236}">
+              <a16:creationId xmlns:a16="http://schemas.microsoft.com/office/drawing/2014/main" id="{21E443B7-5330-0443-E224-25CEF4018FB1}"/>
+            </a:ext>
+          </a:extLst>
+        </p:cNvPr>
+        <p:cNvGrpSpPr/>
+        <p:nvPr/>
+      </p:nvGrpSpPr>
+      <p:grpSpPr>
+        <a:xfrm>
+          <a:off x="0" y="0"/>
+          <a:ext cx="0" cy="0"/>
+          <a:chOff x="0" y="0"/>
+          <a:chExt cx="0" cy="0"/>
+        </a:xfrm>
+      </p:grpSpPr>
+      <p:sp>
+        <p:nvSpPr>
+          <p:cNvPr id="12" name="Can 11">
+            <a:extLst>
+              <a:ext uri="{FF2B5EF4-FFF2-40B4-BE49-F238E27FC236}">
+                <a16:creationId xmlns:a16="http://schemas.microsoft.com/office/drawing/2014/main" id="{CA684E6D-403E-DF75-66F6-4EF49BA915FE}"/>
+              </a:ext>
+            </a:extLst>
+          </p:cNvPr>
+          <p:cNvSpPr/>
+          <p:nvPr/>
+        </p:nvSpPr>
+        <p:spPr>
+          <a:xfrm rot="5400000">
+            <a:off x="-1443170" y="3031499"/>
+            <a:ext cx="4111681" cy="1051170"/>
+          </a:xfrm>
+          <a:prstGeom prst="can">
+            <a:avLst>
+              <a:gd name="adj" fmla="val 10174"/>
+            </a:avLst>
+          </a:prstGeom>
+          <a:solidFill>
+            <a:schemeClr val="accent6">
+              <a:lumMod val="40000"/>
+              <a:lumOff val="60000"/>
+              <a:alpha val="30980"/>
+            </a:schemeClr>
+          </a:solidFill>
+          <a:ln w="38100">
+            <a:solidFill>
+              <a:schemeClr val="accent6">
+                <a:lumMod val="75000"/>
+              </a:schemeClr>
+            </a:solidFill>
+          </a:ln>
+        </p:spPr>
+        <p:style>
+          <a:lnRef idx="2">
+            <a:schemeClr val="accent1">
+              <a:shade val="15000"/>
+            </a:schemeClr>
+          </a:lnRef>
+          <a:fillRef idx="1">
+            <a:schemeClr val="accent1"/>
+          </a:fillRef>
+          <a:effectRef idx="0">
+            <a:schemeClr val="accent1"/>
+          </a:effectRef>
+          <a:fontRef idx="minor">
+            <a:schemeClr val="lt1"/>
+          </a:fontRef>
+        </p:style>
+        <p:txBody>
+          <a:bodyPr rtlCol="0" anchor="b"/>
+          <a:lstStyle/>
+          <a:p>
+            <a:pPr algn="ctr"/>
+            <a:endParaRPr lang="en-US" dirty="0"/>
+          </a:p>
+        </p:txBody>
+      </p:sp>
+      <p:sp>
+        <p:nvSpPr>
+          <p:cNvPr id="23" name="TextBox 22">
+            <a:extLst>
+              <a:ext uri="{FF2B5EF4-FFF2-40B4-BE49-F238E27FC236}">
+                <a16:creationId xmlns:a16="http://schemas.microsoft.com/office/drawing/2014/main" id="{7CF39F92-106C-FB12-AD21-533AD4EEB380}"/>
+              </a:ext>
+            </a:extLst>
+          </p:cNvPr>
+          <p:cNvSpPr txBox="1"/>
+          <p:nvPr/>
+        </p:nvSpPr>
+        <p:spPr>
+          <a:xfrm>
+            <a:off x="-838024" y="4779431"/>
+            <a:ext cx="2879697" cy="646331"/>
+          </a:xfrm>
+          <a:prstGeom prst="rect">
+            <a:avLst/>
+          </a:prstGeom>
+          <a:noFill/>
+        </p:spPr>
+        <p:txBody>
+          <a:bodyPr wrap="square" rtlCol="0">
+            <a:spAutoFit/>
+          </a:bodyPr>
+          <a:lstStyle/>
+          <a:p>
+            <a:pPr algn="ctr"/>
+            <a:r>
+              <a:rPr lang="en-US" dirty="0">
+                <a:latin typeface="Oracle Sans" panose="020B0503020204020204" pitchFamily="34" charset="0"/>
+                <a:cs typeface="Oracle Sans" panose="020B0503020204020204" pitchFamily="34" charset="0"/>
+              </a:rPr>
+              <a:t>Build </a:t>
+            </a:r>
+          </a:p>
+          <a:p>
+            <a:pPr algn="ctr"/>
+            <a:r>
+              <a:rPr lang="en-US" dirty="0">
+                <a:latin typeface="Oracle Sans" panose="020B0503020204020204" pitchFamily="34" charset="0"/>
+                <a:cs typeface="Oracle Sans" panose="020B0503020204020204" pitchFamily="34" charset="0"/>
+              </a:rPr>
+              <a:t>Pipeline</a:t>
+            </a:r>
+          </a:p>
+        </p:txBody>
+      </p:sp>
+      <p:sp>
+        <p:nvSpPr>
+          <p:cNvPr id="31" name="Chevron 30">
+            <a:extLst>
+              <a:ext uri="{FF2B5EF4-FFF2-40B4-BE49-F238E27FC236}">
+                <a16:creationId xmlns:a16="http://schemas.microsoft.com/office/drawing/2014/main" id="{3206EB9D-9C04-8CFF-7BD8-BBE3E98346A8}"/>
+              </a:ext>
+            </a:extLst>
+          </p:cNvPr>
+          <p:cNvSpPr/>
+          <p:nvPr/>
+        </p:nvSpPr>
+        <p:spPr>
+          <a:xfrm>
+            <a:off x="1610805" y="2992427"/>
+            <a:ext cx="392279" cy="1129315"/>
+          </a:xfrm>
+          <a:prstGeom prst="chevron">
+            <a:avLst/>
+          </a:prstGeom>
+        </p:spPr>
+        <p:style>
+          <a:lnRef idx="2">
+            <a:schemeClr val="accent1">
+              <a:shade val="15000"/>
+            </a:schemeClr>
+          </a:lnRef>
+          <a:fillRef idx="1">
+            <a:schemeClr val="accent1"/>
+          </a:fillRef>
+          <a:effectRef idx="0">
+            <a:schemeClr val="accent1"/>
+          </a:effectRef>
+          <a:fontRef idx="minor">
+            <a:schemeClr val="lt1"/>
+          </a:fontRef>
+        </p:style>
+        <p:txBody>
+          <a:bodyPr rtlCol="0" anchor="ctr"/>
+          <a:lstStyle/>
+          <a:p>
+            <a:pPr algn="ctr"/>
+            <a:endParaRPr lang="en-US">
+              <a:solidFill>
+                <a:schemeClr val="tx1"/>
+              </a:solidFill>
+            </a:endParaRPr>
+          </a:p>
+        </p:txBody>
+      </p:sp>
+      <p:sp>
+        <p:nvSpPr>
+          <p:cNvPr id="32" name="Chevron 31">
+            <a:extLst>
+              <a:ext uri="{FF2B5EF4-FFF2-40B4-BE49-F238E27FC236}">
+                <a16:creationId xmlns:a16="http://schemas.microsoft.com/office/drawing/2014/main" id="{632CC1BC-8C1E-8C9C-FC13-003AE6B86E37}"/>
+              </a:ext>
+            </a:extLst>
+          </p:cNvPr>
+          <p:cNvSpPr/>
+          <p:nvPr/>
+        </p:nvSpPr>
+        <p:spPr>
+          <a:xfrm>
+            <a:off x="8372617" y="2992427"/>
+            <a:ext cx="392279" cy="1129315"/>
+          </a:xfrm>
+          <a:prstGeom prst="chevron">
+            <a:avLst/>
+          </a:prstGeom>
+        </p:spPr>
+        <p:style>
+          <a:lnRef idx="2">
+            <a:schemeClr val="accent1">
+              <a:shade val="15000"/>
+            </a:schemeClr>
+          </a:lnRef>
+          <a:fillRef idx="1">
+            <a:schemeClr val="accent1"/>
+          </a:fillRef>
+          <a:effectRef idx="0">
+            <a:schemeClr val="accent1"/>
+          </a:effectRef>
+          <a:fontRef idx="minor">
+            <a:schemeClr val="lt1"/>
+          </a:fontRef>
+        </p:style>
+        <p:txBody>
+          <a:bodyPr rtlCol="0" anchor="ctr"/>
+          <a:lstStyle/>
+          <a:p>
+            <a:pPr algn="ctr"/>
+            <a:endParaRPr lang="en-US">
+              <a:solidFill>
+                <a:schemeClr val="tx1"/>
+              </a:solidFill>
+            </a:endParaRPr>
+          </a:p>
+        </p:txBody>
+      </p:sp>
+      <p:sp>
+        <p:nvSpPr>
+          <p:cNvPr id="6" name="TextBox 5">
+            <a:extLst>
+              <a:ext uri="{FF2B5EF4-FFF2-40B4-BE49-F238E27FC236}">
+                <a16:creationId xmlns:a16="http://schemas.microsoft.com/office/drawing/2014/main" id="{6D36F1FC-7D9E-4A99-45CE-CD8AF6BC5A61}"/>
+              </a:ext>
+            </a:extLst>
+          </p:cNvPr>
+          <p:cNvSpPr txBox="1"/>
+          <p:nvPr/>
+        </p:nvSpPr>
+        <p:spPr>
+          <a:xfrm>
+            <a:off x="8979028" y="4955616"/>
+            <a:ext cx="2879697" cy="646331"/>
+          </a:xfrm>
+          <a:prstGeom prst="rect">
+            <a:avLst/>
+          </a:prstGeom>
+          <a:noFill/>
+        </p:spPr>
+        <p:txBody>
+          <a:bodyPr wrap="square" rtlCol="0">
+            <a:spAutoFit/>
+          </a:bodyPr>
+          <a:lstStyle/>
+          <a:p>
+            <a:pPr algn="ctr"/>
+            <a:r>
+              <a:rPr lang="en-US" dirty="0">
+                <a:latin typeface="Oracle Sans" panose="020B0503020204020204" pitchFamily="34" charset="0"/>
+                <a:cs typeface="Oracle Sans" panose="020B0503020204020204" pitchFamily="34" charset="0"/>
+              </a:rPr>
+              <a:t>Build</a:t>
+            </a:r>
+            <a:br>
+              <a:rPr lang="en-US" dirty="0">
+                <a:latin typeface="Oracle Sans" panose="020B0503020204020204" pitchFamily="34" charset="0"/>
+                <a:cs typeface="Oracle Sans" panose="020B0503020204020204" pitchFamily="34" charset="0"/>
+              </a:rPr>
+            </a:br>
+            <a:r>
+              <a:rPr lang="en-US" dirty="0">
+                <a:latin typeface="Oracle Sans" panose="020B0503020204020204" pitchFamily="34" charset="0"/>
+                <a:cs typeface="Oracle Sans" panose="020B0503020204020204" pitchFamily="34" charset="0"/>
+              </a:rPr>
+              <a:t>Image</a:t>
+            </a:r>
+          </a:p>
+        </p:txBody>
+      </p:sp>
+      <p:cxnSp>
+        <p:nvCxnSpPr>
+          <p:cNvPr id="9" name="Straight Arrow Connector 8">
+            <a:extLst>
+              <a:ext uri="{FF2B5EF4-FFF2-40B4-BE49-F238E27FC236}">
+                <a16:creationId xmlns:a16="http://schemas.microsoft.com/office/drawing/2014/main" id="{5AE63331-4590-AAF4-66E0-3C29AC7F1AF5}"/>
+              </a:ext>
+            </a:extLst>
+          </p:cNvPr>
+          <p:cNvCxnSpPr>
+            <a:cxnSpLocks/>
+          </p:cNvCxnSpPr>
+          <p:nvPr/>
+        </p:nvCxnSpPr>
+        <p:spPr>
+          <a:xfrm flipV="1">
+            <a:off x="8289035" y="3744686"/>
+            <a:ext cx="2548242" cy="1868239"/>
+          </a:xfrm>
+          <a:prstGeom prst="straightConnector1">
+            <a:avLst/>
+          </a:prstGeom>
+          <a:ln w="50800">
+            <a:solidFill>
+              <a:schemeClr val="accent2">
+                <a:lumMod val="75000"/>
+              </a:schemeClr>
+            </a:solidFill>
+            <a:tailEnd type="triangle"/>
+          </a:ln>
+        </p:spPr>
+        <p:style>
+          <a:lnRef idx="2">
+            <a:schemeClr val="accent1"/>
+          </a:lnRef>
+          <a:fillRef idx="0">
+            <a:schemeClr val="accent1"/>
+          </a:fillRef>
+          <a:effectRef idx="1">
+            <a:schemeClr val="accent1"/>
+          </a:effectRef>
+          <a:fontRef idx="minor">
+            <a:schemeClr val="tx1"/>
+          </a:fontRef>
+        </p:style>
+      </p:cxnSp>
       <p:grpSp>
         <p:nvGrpSpPr>
-          <p:cNvPr id="13" name="Group 12">
-            <a:extLst>
-              <a:ext uri="{FF2B5EF4-FFF2-40B4-BE49-F238E27FC236}">
-                <a16:creationId xmlns:a16="http://schemas.microsoft.com/office/drawing/2014/main" id="{EF4E51B8-4C0E-D0A6-BFEC-440022D3F1A5}"/>
+          <p:cNvPr id="57" name="Group 56">
+            <a:extLst>
+              <a:ext uri="{FF2B5EF4-FFF2-40B4-BE49-F238E27FC236}">
+                <a16:creationId xmlns:a16="http://schemas.microsoft.com/office/drawing/2014/main" id="{853ADCEA-E62C-6AAB-F5DC-7DA8277B49FC}"/>
               </a:ext>
             </a:extLst>
           </p:cNvPr>
@@ -5005,18 +6912,296 @@
         </p:nvGrpSpPr>
         <p:grpSpPr>
           <a:xfrm>
-            <a:off x="10556784" y="2906734"/>
-            <a:ext cx="1465727" cy="1098839"/>
-            <a:chOff x="7258051" y="4820771"/>
-            <a:chExt cx="1465727" cy="1098839"/>
+            <a:off x="2732344" y="1512222"/>
+            <a:ext cx="4911012" cy="4089725"/>
+            <a:chOff x="1847357" y="1508974"/>
+            <a:chExt cx="4911012" cy="4089725"/>
           </a:xfrm>
         </p:grpSpPr>
         <p:sp>
           <p:nvSpPr>
-            <p:cNvPr id="14" name="Can 13">
+            <p:cNvPr id="2" name="Rectangle 1">
               <a:extLst>
                 <a:ext uri="{FF2B5EF4-FFF2-40B4-BE49-F238E27FC236}">
-                  <a16:creationId xmlns:a16="http://schemas.microsoft.com/office/drawing/2014/main" id="{54D86243-E362-F9C3-6D90-794B3E50C447}"/>
+                  <a16:creationId xmlns:a16="http://schemas.microsoft.com/office/drawing/2014/main" id="{06EDDEB0-A56C-3C63-3962-ABF0E80E6A2E}"/>
+                </a:ext>
+              </a:extLst>
+            </p:cNvPr>
+            <p:cNvSpPr/>
+            <p:nvPr/>
+          </p:nvSpPr>
+          <p:spPr>
+            <a:xfrm>
+              <a:off x="1847357" y="1508974"/>
+              <a:ext cx="4911012" cy="4089725"/>
+            </a:xfrm>
+            <a:prstGeom prst="rect">
+              <a:avLst/>
+            </a:prstGeom>
+            <a:solidFill>
+              <a:schemeClr val="tx2">
+                <a:lumMod val="25000"/>
+                <a:lumOff val="75000"/>
+              </a:schemeClr>
+            </a:solidFill>
+            <a:ln w="38100">
+              <a:solidFill>
+                <a:schemeClr val="tx2">
+                  <a:lumMod val="90000"/>
+                  <a:lumOff val="10000"/>
+                </a:schemeClr>
+              </a:solidFill>
+            </a:ln>
+          </p:spPr>
+          <p:style>
+            <a:lnRef idx="2">
+              <a:schemeClr val="accent1">
+                <a:shade val="15000"/>
+              </a:schemeClr>
+            </a:lnRef>
+            <a:fillRef idx="1">
+              <a:schemeClr val="accent1"/>
+            </a:fillRef>
+            <a:effectRef idx="0">
+              <a:schemeClr val="accent1"/>
+            </a:effectRef>
+            <a:fontRef idx="minor">
+              <a:schemeClr val="lt1"/>
+            </a:fontRef>
+          </p:style>
+          <p:txBody>
+            <a:bodyPr rtlCol="0" anchor="ctr"/>
+            <a:lstStyle/>
+            <a:p>
+              <a:pPr algn="ctr"/>
+              <a:endParaRPr lang="en-US"/>
+            </a:p>
+          </p:txBody>
+        </p:sp>
+        <p:sp>
+          <p:nvSpPr>
+            <p:cNvPr id="5" name="TextBox 4">
+              <a:extLst>
+                <a:ext uri="{FF2B5EF4-FFF2-40B4-BE49-F238E27FC236}">
+                  <a16:creationId xmlns:a16="http://schemas.microsoft.com/office/drawing/2014/main" id="{6BF47196-D256-8B6C-BC03-3718AA98B1A4}"/>
+                </a:ext>
+              </a:extLst>
+            </p:cNvPr>
+            <p:cNvSpPr txBox="1"/>
+            <p:nvPr/>
+          </p:nvSpPr>
+          <p:spPr>
+            <a:xfrm>
+              <a:off x="2863015" y="4847421"/>
+              <a:ext cx="2879697" cy="646331"/>
+            </a:xfrm>
+            <a:prstGeom prst="rect">
+              <a:avLst/>
+            </a:prstGeom>
+            <a:noFill/>
+          </p:spPr>
+          <p:txBody>
+            <a:bodyPr wrap="square" rtlCol="0">
+              <a:spAutoFit/>
+            </a:bodyPr>
+            <a:lstStyle/>
+            <a:p>
+              <a:pPr algn="ctr"/>
+              <a:r>
+                <a:rPr lang="en-US" dirty="0">
+                  <a:latin typeface="Oracle Sans" panose="020B0503020204020204" pitchFamily="34" charset="0"/>
+                  <a:cs typeface="Oracle Sans" panose="020B0503020204020204" pitchFamily="34" charset="0"/>
+                </a:rPr>
+                <a:t>Canary </a:t>
+              </a:r>
+            </a:p>
+            <a:p>
+              <a:pPr algn="ctr"/>
+              <a:r>
+                <a:rPr lang="en-US" dirty="0">
+                  <a:latin typeface="Oracle Sans" panose="020B0503020204020204" pitchFamily="34" charset="0"/>
+                  <a:cs typeface="Oracle Sans" panose="020B0503020204020204" pitchFamily="34" charset="0"/>
+                </a:rPr>
+                <a:t>Deployment</a:t>
+              </a:r>
+            </a:p>
+          </p:txBody>
+        </p:sp>
+        <p:grpSp>
+          <p:nvGrpSpPr>
+            <p:cNvPr id="13" name="Group 12">
+              <a:extLst>
+                <a:ext uri="{FF2B5EF4-FFF2-40B4-BE49-F238E27FC236}">
+                  <a16:creationId xmlns:a16="http://schemas.microsoft.com/office/drawing/2014/main" id="{549FDC85-8F38-1F01-945A-C04469545AB0}"/>
+                </a:ext>
+              </a:extLst>
+            </p:cNvPr>
+            <p:cNvGrpSpPr/>
+            <p:nvPr/>
+          </p:nvGrpSpPr>
+          <p:grpSpPr>
+            <a:xfrm>
+              <a:off x="2756087" y="1786003"/>
+              <a:ext cx="3093553" cy="2888481"/>
+              <a:chOff x="6658964" y="2569899"/>
+              <a:chExt cx="1784081" cy="1665814"/>
+            </a:xfrm>
+          </p:grpSpPr>
+          <p:sp>
+            <p:nvSpPr>
+              <p:cNvPr id="14" name="Rounded Rectangle 13">
+                <a:extLst>
+                  <a:ext uri="{FF2B5EF4-FFF2-40B4-BE49-F238E27FC236}">
+                    <a16:creationId xmlns:a16="http://schemas.microsoft.com/office/drawing/2014/main" id="{62534A46-F30F-DF77-EF4F-CEB48E071B8B}"/>
+                  </a:ext>
+                </a:extLst>
+              </p:cNvPr>
+              <p:cNvSpPr/>
+              <p:nvPr/>
+            </p:nvSpPr>
+            <p:spPr>
+              <a:xfrm>
+                <a:off x="6658964" y="2569899"/>
+                <a:ext cx="1784081" cy="1665814"/>
+              </a:xfrm>
+              <a:prstGeom prst="roundRect">
+                <a:avLst/>
+              </a:prstGeom>
+              <a:solidFill>
+                <a:schemeClr val="accent5">
+                  <a:lumMod val="20000"/>
+                  <a:lumOff val="80000"/>
+                </a:schemeClr>
+              </a:solidFill>
+              <a:ln w="38100">
+                <a:solidFill>
+                  <a:schemeClr val="accent5">
+                    <a:lumMod val="75000"/>
+                  </a:schemeClr>
+                </a:solidFill>
+              </a:ln>
+            </p:spPr>
+            <p:style>
+              <a:lnRef idx="2">
+                <a:schemeClr val="accent1">
+                  <a:shade val="15000"/>
+                </a:schemeClr>
+              </a:lnRef>
+              <a:fillRef idx="1">
+                <a:schemeClr val="accent1"/>
+              </a:fillRef>
+              <a:effectRef idx="0">
+                <a:schemeClr val="accent1"/>
+              </a:effectRef>
+              <a:fontRef idx="minor">
+                <a:schemeClr val="lt1"/>
+              </a:fontRef>
+            </p:style>
+            <p:txBody>
+              <a:bodyPr rtlCol="0" anchor="ctr"/>
+              <a:lstStyle/>
+              <a:p>
+                <a:pPr algn="ctr"/>
+                <a:endParaRPr lang="en-US"/>
+              </a:p>
+            </p:txBody>
+          </p:sp>
+          <p:sp>
+            <p:nvSpPr>
+              <p:cNvPr id="16" name="Rectangle 15">
+                <a:extLst>
+                  <a:ext uri="{FF2B5EF4-FFF2-40B4-BE49-F238E27FC236}">
+                    <a16:creationId xmlns:a16="http://schemas.microsoft.com/office/drawing/2014/main" id="{AD44E262-7A6D-312D-43CB-3AA0F7AE22A6}"/>
+                  </a:ext>
+                </a:extLst>
+              </p:cNvPr>
+              <p:cNvSpPr/>
+              <p:nvPr/>
+            </p:nvSpPr>
+            <p:spPr>
+              <a:xfrm>
+                <a:off x="6871703" y="3114856"/>
+                <a:ext cx="1354003" cy="606354"/>
+              </a:xfrm>
+              <a:prstGeom prst="rect">
+                <a:avLst/>
+              </a:prstGeom>
+              <a:solidFill>
+                <a:schemeClr val="accent2">
+                  <a:lumMod val="40000"/>
+                  <a:lumOff val="60000"/>
+                </a:schemeClr>
+              </a:solidFill>
+              <a:ln w="38100">
+                <a:solidFill>
+                  <a:schemeClr val="accent2">
+                    <a:lumMod val="75000"/>
+                  </a:schemeClr>
+                </a:solidFill>
+              </a:ln>
+            </p:spPr>
+            <p:style>
+              <a:lnRef idx="2">
+                <a:schemeClr val="accent1">
+                  <a:shade val="15000"/>
+                </a:schemeClr>
+              </a:lnRef>
+              <a:fillRef idx="1">
+                <a:schemeClr val="accent1"/>
+              </a:fillRef>
+              <a:effectRef idx="0">
+                <a:schemeClr val="accent1"/>
+              </a:effectRef>
+              <a:fontRef idx="minor">
+                <a:schemeClr val="lt1"/>
+              </a:fontRef>
+            </p:style>
+            <p:txBody>
+              <a:bodyPr rtlCol="0" anchor="ctr"/>
+              <a:lstStyle/>
+              <a:p>
+                <a:pPr algn="ctr"/>
+                <a:r>
+                  <a:rPr lang="en-US" sz="1400" dirty="0">
+                    <a:solidFill>
+                      <a:schemeClr val="tx1"/>
+                    </a:solidFill>
+                    <a:latin typeface="Oracle Sans" panose="020B0503020204020204" pitchFamily="34" charset="0"/>
+                    <a:cs typeface="Oracle Sans" panose="020B0503020204020204" pitchFamily="34" charset="0"/>
+                  </a:rPr>
+                  <a:t>Application</a:t>
+                </a:r>
+              </a:p>
+            </p:txBody>
+          </p:sp>
+        </p:grpSp>
+      </p:grpSp>
+      <p:grpSp>
+        <p:nvGrpSpPr>
+          <p:cNvPr id="59" name="Group 58">
+            <a:extLst>
+              <a:ext uri="{FF2B5EF4-FFF2-40B4-BE49-F238E27FC236}">
+                <a16:creationId xmlns:a16="http://schemas.microsoft.com/office/drawing/2014/main" id="{1DE23137-3D03-BE59-C9A3-217F539C1004}"/>
+              </a:ext>
+            </a:extLst>
+          </p:cNvPr>
+          <p:cNvGrpSpPr/>
+          <p:nvPr/>
+        </p:nvGrpSpPr>
+        <p:grpSpPr>
+          <a:xfrm>
+            <a:off x="7370182" y="5425762"/>
+            <a:ext cx="1558809" cy="977343"/>
+            <a:chOff x="7247965" y="4820771"/>
+            <a:chExt cx="1674159" cy="1049665"/>
+          </a:xfrm>
+        </p:grpSpPr>
+        <p:sp>
+          <p:nvSpPr>
+            <p:cNvPr id="60" name="Can 59">
+              <a:extLst>
+                <a:ext uri="{FF2B5EF4-FFF2-40B4-BE49-F238E27FC236}">
+                  <a16:creationId xmlns:a16="http://schemas.microsoft.com/office/drawing/2014/main" id="{CE6DA244-EBF0-E1AD-A7C9-32AF4B7E844C}"/>
                 </a:ext>
               </a:extLst>
             </p:cNvPr>
@@ -5062,10 +7247,10 @@
         </p:sp>
         <p:sp>
           <p:nvSpPr>
-            <p:cNvPr id="15" name="TextBox 14">
+            <p:cNvPr id="61" name="TextBox 60">
               <a:extLst>
                 <a:ext uri="{FF2B5EF4-FFF2-40B4-BE49-F238E27FC236}">
-                  <a16:creationId xmlns:a16="http://schemas.microsoft.com/office/drawing/2014/main" id="{4374DD72-5B65-8691-A969-F649999CB9DC}"/>
+                  <a16:creationId xmlns:a16="http://schemas.microsoft.com/office/drawing/2014/main" id="{5CC43E4B-0D84-DEF0-33E6-F6B8A4225C4A}"/>
                 </a:ext>
               </a:extLst>
             </p:cNvPr>
@@ -5074,8 +7259,8 @@
           </p:nvSpPr>
           <p:spPr>
             <a:xfrm>
-              <a:off x="7258051" y="5519500"/>
-              <a:ext cx="1465727" cy="400110"/>
+              <a:off x="7247965" y="5501104"/>
+              <a:ext cx="1674159" cy="369332"/>
             </a:xfrm>
             <a:prstGeom prst="rect">
               <a:avLst/>
@@ -5090,7 +7275,7 @@
             <a:p>
               <a:pPr algn="ctr"/>
               <a:r>
-                <a:rPr lang="en-US" sz="2000" dirty="0">
+                <a:rPr lang="en-US" dirty="0">
                   <a:latin typeface="Oracle Sans" panose="020B0503020204020204" pitchFamily="34" charset="0"/>
                   <a:cs typeface="Oracle Sans" panose="020B0503020204020204" pitchFamily="34" charset="0"/>
                 </a:rPr>
@@ -5100,192 +7285,25 @@
           </p:txBody>
         </p:sp>
       </p:grpSp>
-      <p:sp>
-        <p:nvSpPr>
-          <p:cNvPr id="17" name="TextBox 16">
-            <a:extLst>
-              <a:ext uri="{FF2B5EF4-FFF2-40B4-BE49-F238E27FC236}">
-                <a16:creationId xmlns:a16="http://schemas.microsoft.com/office/drawing/2014/main" id="{9548491A-4E8C-A451-DFCC-6AFC314EF361}"/>
-              </a:ext>
-            </a:extLst>
-          </p:cNvPr>
-          <p:cNvSpPr txBox="1"/>
-          <p:nvPr/>
-        </p:nvSpPr>
-        <p:spPr>
-          <a:xfrm>
-            <a:off x="250171" y="3436102"/>
-            <a:ext cx="3735482" cy="400110"/>
-          </a:xfrm>
-          <a:prstGeom prst="rect">
-            <a:avLst/>
-          </a:prstGeom>
-          <a:noFill/>
-        </p:spPr>
-        <p:txBody>
-          <a:bodyPr wrap="square">
-            <a:spAutoFit/>
-          </a:bodyPr>
-          <a:lstStyle/>
-          <a:p>
-            <a:pPr algn="ctr"/>
-            <a:r>
-              <a:rPr lang="en-US" sz="2000" dirty="0">
-                <a:latin typeface="Oracle Sans" panose="020B0503020204020204" pitchFamily="34" charset="0"/>
-                <a:cs typeface="Oracle Sans" panose="020B0503020204020204" pitchFamily="34" charset="0"/>
-              </a:rPr>
-              <a:t>$java -</a:t>
-            </a:r>
-            <a:r>
-              <a:rPr lang="en-US" sz="2000" dirty="0" err="1">
-                <a:latin typeface="Oracle Sans" panose="020B0503020204020204" pitchFamily="34" charset="0"/>
-                <a:cs typeface="Oracle Sans" panose="020B0503020204020204" pitchFamily="34" charset="0"/>
-              </a:rPr>
-              <a:t>XX:AOTMode</a:t>
-            </a:r>
-            <a:r>
-              <a:rPr lang="en-US" sz="2000" dirty="0">
-                <a:latin typeface="Oracle Sans" panose="020B0503020204020204" pitchFamily="34" charset="0"/>
-                <a:cs typeface="Oracle Sans" panose="020B0503020204020204" pitchFamily="34" charset="0"/>
-              </a:rPr>
-              <a:t>=record</a:t>
-            </a:r>
-          </a:p>
-        </p:txBody>
-      </p:sp>
-      <p:sp>
-        <p:nvSpPr>
-          <p:cNvPr id="20" name="TextBox 19">
-            <a:extLst>
-              <a:ext uri="{FF2B5EF4-FFF2-40B4-BE49-F238E27FC236}">
-                <a16:creationId xmlns:a16="http://schemas.microsoft.com/office/drawing/2014/main" id="{6ED45848-FD9D-7BC5-1506-D48F19138655}"/>
-              </a:ext>
-            </a:extLst>
-          </p:cNvPr>
-          <p:cNvSpPr txBox="1"/>
-          <p:nvPr/>
-        </p:nvSpPr>
-        <p:spPr>
-          <a:xfrm>
-            <a:off x="1339675" y="4417179"/>
-            <a:ext cx="6098240" cy="400110"/>
-          </a:xfrm>
-          <a:prstGeom prst="rect">
-            <a:avLst/>
-          </a:prstGeom>
-          <a:noFill/>
-        </p:spPr>
-        <p:txBody>
-          <a:bodyPr wrap="square">
-            <a:spAutoFit/>
-          </a:bodyPr>
-          <a:lstStyle/>
-          <a:p>
-            <a:pPr algn="ctr"/>
-            <a:r>
-              <a:rPr lang="en-US" sz="2000" dirty="0">
-                <a:latin typeface="Oracle Sans" panose="020B0503020204020204" pitchFamily="34" charset="0"/>
-                <a:cs typeface="Oracle Sans" panose="020B0503020204020204" pitchFamily="34" charset="0"/>
-              </a:rPr>
-              <a:t>$ java -</a:t>
-            </a:r>
-            <a:r>
-              <a:rPr lang="en-US" sz="2000" dirty="0" err="1">
-                <a:latin typeface="Oracle Sans" panose="020B0503020204020204" pitchFamily="34" charset="0"/>
-                <a:cs typeface="Oracle Sans" panose="020B0503020204020204" pitchFamily="34" charset="0"/>
-              </a:rPr>
-              <a:t>XX:AOTCacheOutput</a:t>
-            </a:r>
-            <a:r>
-              <a:rPr lang="en-US" sz="2000" dirty="0">
-                <a:latin typeface="Oracle Sans" panose="020B0503020204020204" pitchFamily="34" charset="0"/>
-                <a:cs typeface="Oracle Sans" panose="020B0503020204020204" pitchFamily="34" charset="0"/>
-              </a:rPr>
-              <a:t>=</a:t>
-            </a:r>
-            <a:r>
-              <a:rPr lang="en-US" sz="2000" dirty="0" err="1">
-                <a:latin typeface="Oracle Sans" panose="020B0503020204020204" pitchFamily="34" charset="0"/>
-                <a:cs typeface="Oracle Sans" panose="020B0503020204020204" pitchFamily="34" charset="0"/>
-              </a:rPr>
-              <a:t>app.aot</a:t>
-            </a:r>
-            <a:endParaRPr lang="en-US" sz="2000" dirty="0">
-              <a:latin typeface="Oracle Sans" panose="020B0503020204020204" pitchFamily="34" charset="0"/>
-              <a:cs typeface="Oracle Sans" panose="020B0503020204020204" pitchFamily="34" charset="0"/>
-            </a:endParaRPr>
-          </a:p>
-        </p:txBody>
-      </p:sp>
-      <p:sp>
-        <p:nvSpPr>
-          <p:cNvPr id="21" name="Left Brace 20">
-            <a:extLst>
-              <a:ext uri="{FF2B5EF4-FFF2-40B4-BE49-F238E27FC236}">
-                <a16:creationId xmlns:a16="http://schemas.microsoft.com/office/drawing/2014/main" id="{F8D3CFB6-70F5-6C25-45B0-A2BE2148A882}"/>
-              </a:ext>
-            </a:extLst>
-          </p:cNvPr>
-          <p:cNvSpPr/>
-          <p:nvPr/>
-        </p:nvSpPr>
-        <p:spPr>
-          <a:xfrm rot="16200000">
-            <a:off x="4012828" y="332654"/>
-            <a:ext cx="443753" cy="7734294"/>
-          </a:xfrm>
-          <a:prstGeom prst="leftBrace">
-            <a:avLst/>
-          </a:prstGeom>
-          <a:ln w="76200">
-            <a:solidFill>
-              <a:schemeClr val="accent2">
-                <a:lumMod val="75000"/>
-              </a:schemeClr>
-            </a:solidFill>
-          </a:ln>
-        </p:spPr>
-        <p:style>
-          <a:lnRef idx="2">
-            <a:schemeClr val="accent1"/>
-          </a:lnRef>
-          <a:fillRef idx="0">
-            <a:schemeClr val="accent1"/>
-          </a:fillRef>
-          <a:effectRef idx="1">
-            <a:schemeClr val="accent1"/>
-          </a:effectRef>
-          <a:fontRef idx="minor">
-            <a:schemeClr val="tx1"/>
-          </a:fontRef>
-        </p:style>
-        <p:txBody>
-          <a:bodyPr rtlCol="0" anchor="ctr"/>
-          <a:lstStyle/>
-          <a:p>
-            <a:pPr algn="ctr"/>
-            <a:endParaRPr lang="en-US"/>
-          </a:p>
-        </p:txBody>
-      </p:sp>
       <p:cxnSp>
         <p:nvCxnSpPr>
-          <p:cNvPr id="23" name="Straight Arrow Connector 22">
-            <a:extLst>
-              <a:ext uri="{FF2B5EF4-FFF2-40B4-BE49-F238E27FC236}">
-                <a16:creationId xmlns:a16="http://schemas.microsoft.com/office/drawing/2014/main" id="{8726491E-2EFB-BC11-31CD-4C8C6E2297D5}"/>
+          <p:cNvPr id="62" name="Straight Arrow Connector 61">
+            <a:extLst>
+              <a:ext uri="{FF2B5EF4-FFF2-40B4-BE49-F238E27FC236}">
+                <a16:creationId xmlns:a16="http://schemas.microsoft.com/office/drawing/2014/main" id="{A3301822-27E9-9663-B382-8F5415BB3342}"/>
               </a:ext>
             </a:extLst>
           </p:cNvPr>
           <p:cNvCxnSpPr>
             <a:cxnSpLocks/>
+            <a:endCxn id="60" idx="2"/>
           </p:cNvCxnSpPr>
           <p:nvPr/>
         </p:nvCxnSpPr>
         <p:spPr>
           <a:xfrm>
-            <a:off x="6929863" y="3252537"/>
-            <a:ext cx="567111" cy="1543325"/>
+            <a:off x="5523868" y="4281858"/>
+            <a:ext cx="2331486" cy="1450658"/>
           </a:xfrm>
           <a:prstGeom prst="straightConnector1">
             <a:avLst/>
@@ -5314,444 +7332,12 @@
           </a:fontRef>
         </p:style>
       </p:cxnSp>
-      <p:sp>
-        <p:nvSpPr>
-          <p:cNvPr id="18" name="TextBox 17">
-            <a:extLst>
-              <a:ext uri="{FF2B5EF4-FFF2-40B4-BE49-F238E27FC236}">
-                <a16:creationId xmlns:a16="http://schemas.microsoft.com/office/drawing/2014/main" id="{1B64023B-FAC5-C517-0228-05D5686E2D34}"/>
-              </a:ext>
-            </a:extLst>
-          </p:cNvPr>
-          <p:cNvSpPr txBox="1"/>
-          <p:nvPr/>
-        </p:nvSpPr>
-        <p:spPr>
-          <a:xfrm>
-            <a:off x="4388795" y="3436102"/>
-            <a:ext cx="3732657" cy="400110"/>
-          </a:xfrm>
-          <a:prstGeom prst="rect">
-            <a:avLst/>
-          </a:prstGeom>
-          <a:noFill/>
-        </p:spPr>
-        <p:txBody>
-          <a:bodyPr wrap="square">
-            <a:spAutoFit/>
-          </a:bodyPr>
-          <a:lstStyle/>
-          <a:p>
-            <a:pPr algn="ctr"/>
-            <a:r>
-              <a:rPr lang="en-US" sz="2000" dirty="0">
-                <a:latin typeface="Oracle Sans" panose="020B0503020204020204" pitchFamily="34" charset="0"/>
-                <a:cs typeface="Oracle Sans" panose="020B0503020204020204" pitchFamily="34" charset="0"/>
-              </a:rPr>
-              <a:t>$java -</a:t>
-            </a:r>
-            <a:r>
-              <a:rPr lang="en-US" sz="2000" dirty="0" err="1">
-                <a:latin typeface="Oracle Sans" panose="020B0503020204020204" pitchFamily="34" charset="0"/>
-                <a:cs typeface="Oracle Sans" panose="020B0503020204020204" pitchFamily="34" charset="0"/>
-              </a:rPr>
-              <a:t>XX:AOTMode</a:t>
-            </a:r>
-            <a:r>
-              <a:rPr lang="en-US" sz="2000" dirty="0">
-                <a:latin typeface="Oracle Sans" panose="020B0503020204020204" pitchFamily="34" charset="0"/>
-                <a:cs typeface="Oracle Sans" panose="020B0503020204020204" pitchFamily="34" charset="0"/>
-              </a:rPr>
-              <a:t>=create</a:t>
-            </a:r>
-          </a:p>
-        </p:txBody>
-      </p:sp>
-      <p:cxnSp>
-        <p:nvCxnSpPr>
-          <p:cNvPr id="26" name="Straight Arrow Connector 25">
-            <a:extLst>
-              <a:ext uri="{FF2B5EF4-FFF2-40B4-BE49-F238E27FC236}">
-                <a16:creationId xmlns:a16="http://schemas.microsoft.com/office/drawing/2014/main" id="{6994423C-08E0-282D-8285-6E65B0FC8B23}"/>
-              </a:ext>
-            </a:extLst>
-          </p:cNvPr>
-          <p:cNvCxnSpPr>
-            <a:cxnSpLocks/>
-          </p:cNvCxnSpPr>
-          <p:nvPr/>
-        </p:nvCxnSpPr>
-        <p:spPr>
-          <a:xfrm flipV="1">
-            <a:off x="8141052" y="3252537"/>
-            <a:ext cx="2818301" cy="1884239"/>
-          </a:xfrm>
-          <a:prstGeom prst="straightConnector1">
-            <a:avLst/>
-          </a:prstGeom>
-          <a:ln w="50800">
-            <a:solidFill>
-              <a:schemeClr val="accent2">
-                <a:lumMod val="75000"/>
-              </a:schemeClr>
-            </a:solidFill>
-            <a:prstDash val="dash"/>
-            <a:tailEnd type="triangle"/>
-          </a:ln>
-        </p:spPr>
-        <p:style>
-          <a:lnRef idx="2">
-            <a:schemeClr val="accent1"/>
-          </a:lnRef>
-          <a:fillRef idx="0">
-            <a:schemeClr val="accent1"/>
-          </a:fillRef>
-          <a:effectRef idx="1">
-            <a:schemeClr val="accent1"/>
-          </a:effectRef>
-          <a:fontRef idx="minor">
-            <a:schemeClr val="tx1"/>
-          </a:fontRef>
-        </p:style>
-      </p:cxnSp>
-    </p:spTree>
-    <p:extLst>
-      <p:ext uri="{BB962C8B-B14F-4D97-AF65-F5344CB8AC3E}">
-        <p14:creationId xmlns:p14="http://schemas.microsoft.com/office/powerpoint/2010/main" val="2080457629"/>
-      </p:ext>
-    </p:extLst>
-  </p:cSld>
-  <p:clrMapOvr>
-    <a:masterClrMapping/>
-  </p:clrMapOvr>
-</p:sld>
-</file>
-
-<file path=ppt/slides/slide5.xml><?xml version="1.0" encoding="utf-8"?>
-<p:sld xmlns:a="http://schemas.openxmlformats.org/drawingml/2006/main" xmlns:r="http://schemas.openxmlformats.org/officeDocument/2006/relationships" xmlns:p="http://schemas.openxmlformats.org/presentationml/2006/main">
-  <p:cSld>
-    <p:spTree>
-      <p:nvGrpSpPr>
-        <p:cNvPr id="1" name="">
-          <a:extLst>
-            <a:ext uri="{FF2B5EF4-FFF2-40B4-BE49-F238E27FC236}">
-              <a16:creationId xmlns:a16="http://schemas.microsoft.com/office/drawing/2014/main" id="{6798CB27-5A30-7FE1-A153-D90BB9561E36}"/>
-            </a:ext>
-          </a:extLst>
-        </p:cNvPr>
-        <p:cNvGrpSpPr/>
-        <p:nvPr/>
-      </p:nvGrpSpPr>
-      <p:grpSpPr>
-        <a:xfrm>
-          <a:off x="0" y="0"/>
-          <a:ext cx="0" cy="0"/>
-          <a:chOff x="0" y="0"/>
-          <a:chExt cx="0" cy="0"/>
-        </a:xfrm>
-      </p:grpSpPr>
-      <p:sp>
-        <p:nvSpPr>
-          <p:cNvPr id="3" name="Rectangle 2">
-            <a:extLst>
-              <a:ext uri="{FF2B5EF4-FFF2-40B4-BE49-F238E27FC236}">
-                <a16:creationId xmlns:a16="http://schemas.microsoft.com/office/drawing/2014/main" id="{D2D45508-6647-7527-5CCE-E1A2EB1BB0B4}"/>
-              </a:ext>
-            </a:extLst>
-          </p:cNvPr>
-          <p:cNvSpPr/>
-          <p:nvPr/>
-        </p:nvSpPr>
-        <p:spPr>
-          <a:xfrm>
-            <a:off x="367555" y="2373404"/>
-            <a:ext cx="3415552" cy="739589"/>
-          </a:xfrm>
-          <a:prstGeom prst="rect">
-            <a:avLst/>
-          </a:prstGeom>
-          <a:solidFill>
-            <a:schemeClr val="accent2">
-              <a:lumMod val="40000"/>
-              <a:lumOff val="60000"/>
-            </a:schemeClr>
-          </a:solidFill>
-          <a:ln w="38100">
-            <a:solidFill>
-              <a:schemeClr val="accent2">
-                <a:lumMod val="75000"/>
-              </a:schemeClr>
-            </a:solidFill>
-          </a:ln>
-        </p:spPr>
-        <p:style>
-          <a:lnRef idx="2">
-            <a:schemeClr val="accent1">
-              <a:shade val="15000"/>
-            </a:schemeClr>
-          </a:lnRef>
-          <a:fillRef idx="1">
-            <a:schemeClr val="accent1"/>
-          </a:fillRef>
-          <a:effectRef idx="0">
-            <a:schemeClr val="accent1"/>
-          </a:effectRef>
-          <a:fontRef idx="minor">
-            <a:schemeClr val="lt1"/>
-          </a:fontRef>
-        </p:style>
-        <p:txBody>
-          <a:bodyPr rtlCol="0" anchor="ctr"/>
-          <a:lstStyle/>
-          <a:p>
-            <a:pPr algn="ctr"/>
-            <a:r>
-              <a:rPr lang="en-US" sz="2000" dirty="0">
-                <a:solidFill>
-                  <a:schemeClr val="tx1"/>
-                </a:solidFill>
-                <a:latin typeface="Oracle Sans" panose="020B0503020204020204" pitchFamily="34" charset="0"/>
-                <a:cs typeface="Oracle Sans" panose="020B0503020204020204" pitchFamily="34" charset="0"/>
-              </a:rPr>
-              <a:t>Training Run</a:t>
-            </a:r>
-          </a:p>
-        </p:txBody>
-      </p:sp>
-      <p:sp>
-        <p:nvSpPr>
-          <p:cNvPr id="4" name="Rectangle 3">
-            <a:extLst>
-              <a:ext uri="{FF2B5EF4-FFF2-40B4-BE49-F238E27FC236}">
-                <a16:creationId xmlns:a16="http://schemas.microsoft.com/office/drawing/2014/main" id="{F0B6E5BE-C43D-354B-3F16-B07D029EA009}"/>
-              </a:ext>
-            </a:extLst>
-          </p:cNvPr>
-          <p:cNvSpPr/>
-          <p:nvPr/>
-        </p:nvSpPr>
-        <p:spPr>
-          <a:xfrm>
-            <a:off x="5033683" y="2373404"/>
-            <a:ext cx="2442883" cy="739589"/>
-          </a:xfrm>
-          <a:prstGeom prst="rect">
-            <a:avLst/>
-          </a:prstGeom>
-          <a:solidFill>
-            <a:schemeClr val="accent2">
-              <a:lumMod val="40000"/>
-              <a:lumOff val="60000"/>
-            </a:schemeClr>
-          </a:solidFill>
-          <a:ln w="38100">
-            <a:solidFill>
-              <a:schemeClr val="accent2">
-                <a:lumMod val="75000"/>
-              </a:schemeClr>
-            </a:solidFill>
-            <a:prstDash val="dash"/>
-          </a:ln>
-        </p:spPr>
-        <p:style>
-          <a:lnRef idx="2">
-            <a:schemeClr val="accent1">
-              <a:shade val="15000"/>
-            </a:schemeClr>
-          </a:lnRef>
-          <a:fillRef idx="1">
-            <a:schemeClr val="accent1"/>
-          </a:fillRef>
-          <a:effectRef idx="0">
-            <a:schemeClr val="accent1"/>
-          </a:effectRef>
-          <a:fontRef idx="minor">
-            <a:schemeClr val="lt1"/>
-          </a:fontRef>
-        </p:style>
-        <p:txBody>
-          <a:bodyPr rtlCol="0" anchor="ctr"/>
-          <a:lstStyle/>
-          <a:p>
-            <a:pPr algn="ctr"/>
-            <a:r>
-              <a:rPr lang="en-US" sz="2000" dirty="0">
-                <a:solidFill>
-                  <a:schemeClr val="tx1"/>
-                </a:solidFill>
-                <a:latin typeface="Oracle Sans" panose="020B0503020204020204" pitchFamily="34" charset="0"/>
-                <a:cs typeface="Oracle Sans" panose="020B0503020204020204" pitchFamily="34" charset="0"/>
-              </a:rPr>
-              <a:t>Assembly Phase</a:t>
-            </a:r>
-          </a:p>
-        </p:txBody>
-      </p:sp>
-      <p:sp>
-        <p:nvSpPr>
-          <p:cNvPr id="5" name="Rectangle 4">
-            <a:extLst>
-              <a:ext uri="{FF2B5EF4-FFF2-40B4-BE49-F238E27FC236}">
-                <a16:creationId xmlns:a16="http://schemas.microsoft.com/office/drawing/2014/main" id="{384FC499-2C48-9562-6CA5-EED491FCF11F}"/>
-              </a:ext>
-            </a:extLst>
-          </p:cNvPr>
-          <p:cNvSpPr/>
-          <p:nvPr/>
-        </p:nvSpPr>
-        <p:spPr>
-          <a:xfrm>
-            <a:off x="8727141" y="2373404"/>
-            <a:ext cx="2958353" cy="739589"/>
-          </a:xfrm>
-          <a:prstGeom prst="rect">
-            <a:avLst/>
-          </a:prstGeom>
-          <a:solidFill>
-            <a:schemeClr val="accent2">
-              <a:lumMod val="40000"/>
-              <a:lumOff val="60000"/>
-            </a:schemeClr>
-          </a:solidFill>
-          <a:ln w="38100">
-            <a:solidFill>
-              <a:schemeClr val="accent2">
-                <a:lumMod val="75000"/>
-              </a:schemeClr>
-            </a:solidFill>
-          </a:ln>
-        </p:spPr>
-        <p:style>
-          <a:lnRef idx="2">
-            <a:schemeClr val="accent1">
-              <a:shade val="15000"/>
-            </a:schemeClr>
-          </a:lnRef>
-          <a:fillRef idx="1">
-            <a:schemeClr val="accent1"/>
-          </a:fillRef>
-          <a:effectRef idx="0">
-            <a:schemeClr val="accent1"/>
-          </a:effectRef>
-          <a:fontRef idx="minor">
-            <a:schemeClr val="lt1"/>
-          </a:fontRef>
-        </p:style>
-        <p:txBody>
-          <a:bodyPr rtlCol="0" anchor="ctr"/>
-          <a:lstStyle/>
-          <a:p>
-            <a:pPr algn="ctr"/>
-            <a:r>
-              <a:rPr lang="en-US" sz="2000" dirty="0">
-                <a:solidFill>
-                  <a:schemeClr val="tx1"/>
-                </a:solidFill>
-                <a:latin typeface="Oracle Sans" panose="020B0503020204020204" pitchFamily="34" charset="0"/>
-                <a:cs typeface="Oracle Sans" panose="020B0503020204020204" pitchFamily="34" charset="0"/>
-              </a:rPr>
-              <a:t>Production deployment</a:t>
-            </a:r>
-          </a:p>
-        </p:txBody>
-      </p:sp>
-      <p:cxnSp>
-        <p:nvCxnSpPr>
-          <p:cNvPr id="7" name="Straight Connector 6">
-            <a:extLst>
-              <a:ext uri="{FF2B5EF4-FFF2-40B4-BE49-F238E27FC236}">
-                <a16:creationId xmlns:a16="http://schemas.microsoft.com/office/drawing/2014/main" id="{9130C1ED-30EC-4D1B-AD2B-35A6D81B9613}"/>
-              </a:ext>
-            </a:extLst>
-          </p:cNvPr>
-          <p:cNvCxnSpPr>
-            <a:cxnSpLocks/>
-          </p:cNvCxnSpPr>
-          <p:nvPr/>
-        </p:nvCxnSpPr>
-        <p:spPr>
-          <a:xfrm>
-            <a:off x="8101854" y="1600200"/>
-            <a:ext cx="0" cy="2205318"/>
-          </a:xfrm>
-          <a:prstGeom prst="line">
-            <a:avLst/>
-          </a:prstGeom>
-          <a:ln w="76200">
-            <a:solidFill>
-              <a:schemeClr val="accent2">
-                <a:lumMod val="75000"/>
-              </a:schemeClr>
-            </a:solidFill>
-          </a:ln>
-        </p:spPr>
-        <p:style>
-          <a:lnRef idx="2">
-            <a:schemeClr val="accent1"/>
-          </a:lnRef>
-          <a:fillRef idx="0">
-            <a:schemeClr val="accent1"/>
-          </a:fillRef>
-          <a:effectRef idx="1">
-            <a:schemeClr val="accent1"/>
-          </a:effectRef>
-          <a:fontRef idx="minor">
-            <a:schemeClr val="tx1"/>
-          </a:fontRef>
-        </p:style>
-      </p:cxnSp>
-      <p:cxnSp>
-        <p:nvCxnSpPr>
-          <p:cNvPr id="8" name="Straight Connector 7">
-            <a:extLst>
-              <a:ext uri="{FF2B5EF4-FFF2-40B4-BE49-F238E27FC236}">
-                <a16:creationId xmlns:a16="http://schemas.microsoft.com/office/drawing/2014/main" id="{7E11D840-A6DB-4948-91FE-723016E82F94}"/>
-              </a:ext>
-            </a:extLst>
-          </p:cNvPr>
-          <p:cNvCxnSpPr>
-            <a:cxnSpLocks/>
-          </p:cNvCxnSpPr>
-          <p:nvPr/>
-        </p:nvCxnSpPr>
-        <p:spPr>
-          <a:xfrm>
-            <a:off x="4408395" y="1640539"/>
-            <a:ext cx="0" cy="2205318"/>
-          </a:xfrm>
-          <a:prstGeom prst="line">
-            <a:avLst/>
-          </a:prstGeom>
-          <a:ln w="76200">
-            <a:solidFill>
-              <a:schemeClr val="accent2">
-                <a:lumMod val="75000"/>
-              </a:schemeClr>
-            </a:solidFill>
-            <a:prstDash val="dash"/>
-          </a:ln>
-        </p:spPr>
-        <p:style>
-          <a:lnRef idx="2">
-            <a:schemeClr val="accent1"/>
-          </a:lnRef>
-          <a:fillRef idx="0">
-            <a:schemeClr val="accent1"/>
-          </a:fillRef>
-          <a:effectRef idx="1">
-            <a:schemeClr val="accent1"/>
-          </a:effectRef>
-          <a:fontRef idx="minor">
-            <a:schemeClr val="tx1"/>
-          </a:fontRef>
-        </p:style>
-      </p:cxnSp>
       <p:grpSp>
         <p:nvGrpSpPr>
-          <p:cNvPr id="13" name="Group 12">
-            <a:extLst>
-              <a:ext uri="{FF2B5EF4-FFF2-40B4-BE49-F238E27FC236}">
-                <a16:creationId xmlns:a16="http://schemas.microsoft.com/office/drawing/2014/main" id="{04C67357-4831-E8D0-E403-45E3DD1CAA60}"/>
+          <p:cNvPr id="65" name="Group 64">
+            <a:extLst>
+              <a:ext uri="{FF2B5EF4-FFF2-40B4-BE49-F238E27FC236}">
+                <a16:creationId xmlns:a16="http://schemas.microsoft.com/office/drawing/2014/main" id="{F5D711EB-D0D4-1A46-C96E-80C7C62F8C44}"/>
               </a:ext>
             </a:extLst>
           </p:cNvPr>
@@ -5760,18 +7346,18 @@
         </p:nvGrpSpPr>
         <p:grpSpPr>
           <a:xfrm>
-            <a:off x="10556784" y="2906734"/>
-            <a:ext cx="1465727" cy="1098839"/>
-            <a:chOff x="7258051" y="4820771"/>
-            <a:chExt cx="1465727" cy="1098839"/>
+            <a:off x="9237443" y="2476526"/>
+            <a:ext cx="2484028" cy="2161117"/>
+            <a:chOff x="6658964" y="2569899"/>
+            <a:chExt cx="1914717" cy="1665814"/>
           </a:xfrm>
         </p:grpSpPr>
         <p:sp>
           <p:nvSpPr>
-            <p:cNvPr id="14" name="Can 13">
+            <p:cNvPr id="66" name="Rounded Rectangle 65">
               <a:extLst>
                 <a:ext uri="{FF2B5EF4-FFF2-40B4-BE49-F238E27FC236}">
-                  <a16:creationId xmlns:a16="http://schemas.microsoft.com/office/drawing/2014/main" id="{45C04EA2-1E94-6CB5-92A0-D7D18FB09E8B}"/>
+                  <a16:creationId xmlns:a16="http://schemas.microsoft.com/office/drawing/2014/main" id="{2105F706-1AD3-8A4F-28EB-CB4434EA2CC4}"/>
                 </a:ext>
               </a:extLst>
             </p:cNvPr>
@@ -5780,12 +7366,25 @@
           </p:nvSpPr>
           <p:spPr>
             <a:xfrm>
-              <a:off x="7769039" y="4820771"/>
-              <a:ext cx="443753" cy="658906"/>
+              <a:off x="6658964" y="2569899"/>
+              <a:ext cx="1784081" cy="1665814"/>
             </a:xfrm>
-            <a:prstGeom prst="can">
+            <a:prstGeom prst="roundRect">
               <a:avLst/>
             </a:prstGeom>
+            <a:solidFill>
+              <a:schemeClr val="accent5">
+                <a:lumMod val="20000"/>
+                <a:lumOff val="80000"/>
+              </a:schemeClr>
+            </a:solidFill>
+            <a:ln w="38100">
+              <a:solidFill>
+                <a:schemeClr val="accent5">
+                  <a:lumMod val="75000"/>
+                </a:schemeClr>
+              </a:solidFill>
+            </a:ln>
           </p:spPr>
           <p:style>
             <a:lnRef idx="2">
@@ -5808,348 +7407,240 @@
             <a:lstStyle/>
             <a:p>
               <a:pPr algn="ctr"/>
-              <a:endParaRPr lang="en-US" sz="2000" dirty="0">
-                <a:latin typeface="Oracle Sans" panose="020B0503020204020204" pitchFamily="34" charset="0"/>
-                <a:cs typeface="Oracle Sans" panose="020B0503020204020204" pitchFamily="34" charset="0"/>
-              </a:endParaRPr>
+              <a:endParaRPr lang="en-US"/>
             </a:p>
           </p:txBody>
         </p:sp>
-        <p:sp>
-          <p:nvSpPr>
-            <p:cNvPr id="15" name="TextBox 14">
+        <p:grpSp>
+          <p:nvGrpSpPr>
+            <p:cNvPr id="67" name="Group 66">
               <a:extLst>
                 <a:ext uri="{FF2B5EF4-FFF2-40B4-BE49-F238E27FC236}">
-                  <a16:creationId xmlns:a16="http://schemas.microsoft.com/office/drawing/2014/main" id="{D6D0D892-2F9E-48E2-B80B-A1D737F97847}"/>
+                  <a16:creationId xmlns:a16="http://schemas.microsoft.com/office/drawing/2014/main" id="{25BBA2A1-463C-2DD2-F788-D3F645FE05E8}"/>
                 </a:ext>
               </a:extLst>
             </p:cNvPr>
-            <p:cNvSpPr txBox="1"/>
+            <p:cNvGrpSpPr/>
             <p:nvPr/>
-          </p:nvSpPr>
-          <p:spPr>
+          </p:nvGrpSpPr>
+          <p:grpSpPr>
             <a:xfrm>
-              <a:off x="7258051" y="5519500"/>
-              <a:ext cx="1465727" cy="400110"/>
+              <a:off x="6817532" y="2860908"/>
+              <a:ext cx="1756149" cy="1226667"/>
+              <a:chOff x="6789041" y="3143425"/>
+              <a:chExt cx="1756149" cy="1226667"/>
             </a:xfrm>
-            <a:prstGeom prst="rect">
-              <a:avLst/>
-            </a:prstGeom>
-            <a:noFill/>
-          </p:spPr>
-          <p:txBody>
-            <a:bodyPr wrap="square" rtlCol="0">
-              <a:spAutoFit/>
-            </a:bodyPr>
-            <a:lstStyle/>
-            <a:p>
-              <a:pPr algn="ctr"/>
-              <a:r>
-                <a:rPr lang="en-US" sz="2000" dirty="0">
+          </p:grpSpPr>
+          <p:sp>
+            <p:nvSpPr>
+              <p:cNvPr id="68" name="Rectangle 67">
+                <a:extLst>
+                  <a:ext uri="{FF2B5EF4-FFF2-40B4-BE49-F238E27FC236}">
+                    <a16:creationId xmlns:a16="http://schemas.microsoft.com/office/drawing/2014/main" id="{B20C84FC-A724-EA1E-1AB6-90FA3FD5AE6E}"/>
+                  </a:ext>
+                </a:extLst>
+              </p:cNvPr>
+              <p:cNvSpPr/>
+              <p:nvPr/>
+            </p:nvSpPr>
+            <p:spPr>
+              <a:xfrm>
+                <a:off x="6789041" y="3143425"/>
+                <a:ext cx="1354003" cy="606354"/>
+              </a:xfrm>
+              <a:prstGeom prst="rect">
+                <a:avLst/>
+              </a:prstGeom>
+              <a:solidFill>
+                <a:schemeClr val="accent2">
+                  <a:lumMod val="40000"/>
+                  <a:lumOff val="60000"/>
+                </a:schemeClr>
+              </a:solidFill>
+              <a:ln w="38100">
+                <a:solidFill>
+                  <a:schemeClr val="accent2">
+                    <a:lumMod val="75000"/>
+                  </a:schemeClr>
+                </a:solidFill>
+              </a:ln>
+            </p:spPr>
+            <p:style>
+              <a:lnRef idx="2">
+                <a:schemeClr val="accent1">
+                  <a:shade val="15000"/>
+                </a:schemeClr>
+              </a:lnRef>
+              <a:fillRef idx="1">
+                <a:schemeClr val="accent1"/>
+              </a:fillRef>
+              <a:effectRef idx="0">
+                <a:schemeClr val="accent1"/>
+              </a:effectRef>
+              <a:fontRef idx="minor">
+                <a:schemeClr val="lt1"/>
+              </a:fontRef>
+            </p:style>
+            <p:txBody>
+              <a:bodyPr rtlCol="0" anchor="ctr"/>
+              <a:lstStyle/>
+              <a:p>
+                <a:pPr algn="ctr"/>
+                <a:r>
+                  <a:rPr lang="en-US" sz="1400" dirty="0">
+                    <a:solidFill>
+                      <a:schemeClr val="tx1"/>
+                    </a:solidFill>
+                    <a:latin typeface="Oracle Sans" panose="020B0503020204020204" pitchFamily="34" charset="0"/>
+                    <a:cs typeface="Oracle Sans" panose="020B0503020204020204" pitchFamily="34" charset="0"/>
+                  </a:rPr>
+                  <a:t>Application</a:t>
+                </a:r>
+              </a:p>
+            </p:txBody>
+          </p:sp>
+          <p:sp>
+            <p:nvSpPr>
+              <p:cNvPr id="69" name="Can 68">
+                <a:extLst>
+                  <a:ext uri="{FF2B5EF4-FFF2-40B4-BE49-F238E27FC236}">
+                    <a16:creationId xmlns:a16="http://schemas.microsoft.com/office/drawing/2014/main" id="{A7B0290D-9C8A-1951-9705-413473F9D427}"/>
+                  </a:ext>
+                </a:extLst>
+              </p:cNvPr>
+              <p:cNvSpPr/>
+              <p:nvPr/>
+            </p:nvSpPr>
+            <p:spPr>
+              <a:xfrm>
+                <a:off x="7863643" y="3456246"/>
+                <a:ext cx="389603" cy="510542"/>
+              </a:xfrm>
+              <a:prstGeom prst="can">
+                <a:avLst/>
+              </a:prstGeom>
+            </p:spPr>
+            <p:style>
+              <a:lnRef idx="2">
+                <a:schemeClr val="accent1">
+                  <a:shade val="15000"/>
+                </a:schemeClr>
+              </a:lnRef>
+              <a:fillRef idx="1">
+                <a:schemeClr val="accent1"/>
+              </a:fillRef>
+              <a:effectRef idx="0">
+                <a:schemeClr val="accent1"/>
+              </a:effectRef>
+              <a:fontRef idx="minor">
+                <a:schemeClr val="lt1"/>
+              </a:fontRef>
+            </p:style>
+            <p:txBody>
+              <a:bodyPr rtlCol="0" anchor="ctr"/>
+              <a:lstStyle/>
+              <a:p>
+                <a:pPr algn="ctr"/>
+                <a:endParaRPr lang="en-US" sz="1400" dirty="0">
                   <a:latin typeface="Oracle Sans" panose="020B0503020204020204" pitchFamily="34" charset="0"/>
                   <a:cs typeface="Oracle Sans" panose="020B0503020204020204" pitchFamily="34" charset="0"/>
-                </a:rPr>
-                <a:t>AOT Cache</a:t>
-              </a:r>
-            </a:p>
-          </p:txBody>
-        </p:sp>
+                </a:endParaRPr>
+              </a:p>
+            </p:txBody>
+          </p:sp>
+          <p:sp>
+            <p:nvSpPr>
+              <p:cNvPr id="70" name="TextBox 69">
+                <a:extLst>
+                  <a:ext uri="{FF2B5EF4-FFF2-40B4-BE49-F238E27FC236}">
+                    <a16:creationId xmlns:a16="http://schemas.microsoft.com/office/drawing/2014/main" id="{9CBD65EB-339F-7061-98F4-656990D977F1}"/>
+                  </a:ext>
+                </a:extLst>
+              </p:cNvPr>
+              <p:cNvSpPr txBox="1"/>
+              <p:nvPr/>
+            </p:nvSpPr>
+            <p:spPr>
+              <a:xfrm>
+                <a:off x="7541136" y="3966788"/>
+                <a:ext cx="1004054" cy="403304"/>
+              </a:xfrm>
+              <a:prstGeom prst="rect">
+                <a:avLst/>
+              </a:prstGeom>
+              <a:noFill/>
+            </p:spPr>
+            <p:txBody>
+              <a:bodyPr wrap="square" rtlCol="0">
+                <a:spAutoFit/>
+              </a:bodyPr>
+              <a:lstStyle/>
+              <a:p>
+                <a:pPr algn="ctr"/>
+                <a:r>
+                  <a:rPr lang="en-US" sz="1400" dirty="0">
+                    <a:latin typeface="Oracle Sans" panose="020B0503020204020204" pitchFamily="34" charset="0"/>
+                    <a:cs typeface="Oracle Sans" panose="020B0503020204020204" pitchFamily="34" charset="0"/>
+                  </a:rPr>
+                  <a:t>AOT </a:t>
+                </a:r>
+              </a:p>
+              <a:p>
+                <a:pPr algn="ctr"/>
+                <a:r>
+                  <a:rPr lang="en-US" sz="1400" dirty="0">
+                    <a:latin typeface="Oracle Sans" panose="020B0503020204020204" pitchFamily="34" charset="0"/>
+                    <a:cs typeface="Oracle Sans" panose="020B0503020204020204" pitchFamily="34" charset="0"/>
+                  </a:rPr>
+                  <a:t>Cache</a:t>
+                </a:r>
+              </a:p>
+            </p:txBody>
+          </p:sp>
+        </p:grpSp>
       </p:grpSp>
-      <p:sp>
-        <p:nvSpPr>
-          <p:cNvPr id="17" name="TextBox 16">
-            <a:extLst>
-              <a:ext uri="{FF2B5EF4-FFF2-40B4-BE49-F238E27FC236}">
-                <a16:creationId xmlns:a16="http://schemas.microsoft.com/office/drawing/2014/main" id="{13D0C4A7-E490-FB24-78B3-2B4C92A34AE2}"/>
-              </a:ext>
-            </a:extLst>
-          </p:cNvPr>
-          <p:cNvSpPr txBox="1"/>
-          <p:nvPr/>
-        </p:nvSpPr>
-        <p:spPr>
-          <a:xfrm>
-            <a:off x="250171" y="3436102"/>
-            <a:ext cx="3735482" cy="400110"/>
-          </a:xfrm>
-          <a:prstGeom prst="rect">
-            <a:avLst/>
-          </a:prstGeom>
-          <a:noFill/>
-        </p:spPr>
-        <p:txBody>
-          <a:bodyPr wrap="square">
-            <a:spAutoFit/>
-          </a:bodyPr>
-          <a:lstStyle/>
-          <a:p>
-            <a:pPr algn="ctr"/>
-            <a:r>
-              <a:rPr lang="en-US" sz="2000" dirty="0">
-                <a:latin typeface="Oracle Sans" panose="020B0503020204020204" pitchFamily="34" charset="0"/>
-                <a:cs typeface="Oracle Sans" panose="020B0503020204020204" pitchFamily="34" charset="0"/>
-              </a:rPr>
-              <a:t>$java -</a:t>
-            </a:r>
-            <a:r>
-              <a:rPr lang="en-US" sz="2000" dirty="0" err="1">
-                <a:latin typeface="Oracle Sans" panose="020B0503020204020204" pitchFamily="34" charset="0"/>
-                <a:cs typeface="Oracle Sans" panose="020B0503020204020204" pitchFamily="34" charset="0"/>
-              </a:rPr>
-              <a:t>XX:AOTMode</a:t>
-            </a:r>
-            <a:r>
-              <a:rPr lang="en-US" sz="2000" dirty="0">
-                <a:latin typeface="Oracle Sans" panose="020B0503020204020204" pitchFamily="34" charset="0"/>
-                <a:cs typeface="Oracle Sans" panose="020B0503020204020204" pitchFamily="34" charset="0"/>
-              </a:rPr>
-              <a:t>=record</a:t>
-            </a:r>
-          </a:p>
-        </p:txBody>
-      </p:sp>
-      <p:sp>
-        <p:nvSpPr>
-          <p:cNvPr id="20" name="TextBox 19">
-            <a:extLst>
-              <a:ext uri="{FF2B5EF4-FFF2-40B4-BE49-F238E27FC236}">
-                <a16:creationId xmlns:a16="http://schemas.microsoft.com/office/drawing/2014/main" id="{044107FD-C851-7D6B-F551-DB400FCA4932}"/>
-              </a:ext>
-            </a:extLst>
-          </p:cNvPr>
-          <p:cNvSpPr txBox="1"/>
-          <p:nvPr/>
-        </p:nvSpPr>
-        <p:spPr>
-          <a:xfrm>
-            <a:off x="1339675" y="4417179"/>
-            <a:ext cx="6098240" cy="400110"/>
-          </a:xfrm>
-          <a:prstGeom prst="rect">
-            <a:avLst/>
-          </a:prstGeom>
-          <a:noFill/>
-        </p:spPr>
-        <p:txBody>
-          <a:bodyPr wrap="square">
-            <a:spAutoFit/>
-          </a:bodyPr>
-          <a:lstStyle/>
-          <a:p>
-            <a:pPr algn="ctr"/>
-            <a:r>
-              <a:rPr lang="en-US" sz="2000" dirty="0">
-                <a:latin typeface="Oracle Sans" panose="020B0503020204020204" pitchFamily="34" charset="0"/>
-                <a:cs typeface="Oracle Sans" panose="020B0503020204020204" pitchFamily="34" charset="0"/>
-              </a:rPr>
-              <a:t>$ java -</a:t>
-            </a:r>
-            <a:r>
-              <a:rPr lang="en-US" sz="2000" dirty="0" err="1">
-                <a:latin typeface="Oracle Sans" panose="020B0503020204020204" pitchFamily="34" charset="0"/>
-                <a:cs typeface="Oracle Sans" panose="020B0503020204020204" pitchFamily="34" charset="0"/>
-              </a:rPr>
-              <a:t>XX:AOTCacheOutput</a:t>
-            </a:r>
-            <a:r>
-              <a:rPr lang="en-US" sz="2000" dirty="0">
-                <a:latin typeface="Oracle Sans" panose="020B0503020204020204" pitchFamily="34" charset="0"/>
-                <a:cs typeface="Oracle Sans" panose="020B0503020204020204" pitchFamily="34" charset="0"/>
-              </a:rPr>
-              <a:t>=</a:t>
-            </a:r>
-            <a:r>
-              <a:rPr lang="en-US" sz="2000" dirty="0" err="1">
-                <a:latin typeface="Oracle Sans" panose="020B0503020204020204" pitchFamily="34" charset="0"/>
-                <a:cs typeface="Oracle Sans" panose="020B0503020204020204" pitchFamily="34" charset="0"/>
-              </a:rPr>
-              <a:t>app.aot</a:t>
-            </a:r>
-            <a:endParaRPr lang="en-US" sz="2000" dirty="0">
-              <a:latin typeface="Oracle Sans" panose="020B0503020204020204" pitchFamily="34" charset="0"/>
-              <a:cs typeface="Oracle Sans" panose="020B0503020204020204" pitchFamily="34" charset="0"/>
-            </a:endParaRPr>
-          </a:p>
-        </p:txBody>
-      </p:sp>
-      <p:sp>
-        <p:nvSpPr>
-          <p:cNvPr id="21" name="Left Brace 20">
-            <a:extLst>
-              <a:ext uri="{FF2B5EF4-FFF2-40B4-BE49-F238E27FC236}">
-                <a16:creationId xmlns:a16="http://schemas.microsoft.com/office/drawing/2014/main" id="{66F62217-0C95-A64C-1F6C-E1151F31F68E}"/>
-              </a:ext>
-            </a:extLst>
-          </p:cNvPr>
-          <p:cNvSpPr/>
-          <p:nvPr/>
-        </p:nvSpPr>
-        <p:spPr>
-          <a:xfrm rot="16200000">
-            <a:off x="4012828" y="332654"/>
-            <a:ext cx="443753" cy="7734294"/>
-          </a:xfrm>
-          <a:prstGeom prst="leftBrace">
-            <a:avLst/>
-          </a:prstGeom>
-          <a:ln w="76200">
-            <a:solidFill>
-              <a:schemeClr val="accent2">
-                <a:lumMod val="75000"/>
-              </a:schemeClr>
-            </a:solidFill>
-          </a:ln>
-        </p:spPr>
-        <p:style>
-          <a:lnRef idx="2">
-            <a:schemeClr val="accent1"/>
-          </a:lnRef>
-          <a:fillRef idx="0">
-            <a:schemeClr val="accent1"/>
-          </a:fillRef>
-          <a:effectRef idx="1">
-            <a:schemeClr val="accent1"/>
-          </a:effectRef>
-          <a:fontRef idx="minor">
-            <a:schemeClr val="tx1"/>
-          </a:fontRef>
-        </p:style>
-        <p:txBody>
-          <a:bodyPr rtlCol="0" anchor="ctr"/>
-          <a:lstStyle/>
-          <a:p>
-            <a:pPr algn="ctr"/>
-            <a:endParaRPr lang="en-US"/>
-          </a:p>
-        </p:txBody>
-      </p:sp>
-      <p:sp>
-        <p:nvSpPr>
-          <p:cNvPr id="18" name="TextBox 17">
-            <a:extLst>
-              <a:ext uri="{FF2B5EF4-FFF2-40B4-BE49-F238E27FC236}">
-                <a16:creationId xmlns:a16="http://schemas.microsoft.com/office/drawing/2014/main" id="{BBD5EF49-1823-89AD-7911-A53C4C8384AC}"/>
-              </a:ext>
-            </a:extLst>
-          </p:cNvPr>
-          <p:cNvSpPr txBox="1"/>
-          <p:nvPr/>
-        </p:nvSpPr>
-        <p:spPr>
-          <a:xfrm>
-            <a:off x="4388795" y="3436102"/>
-            <a:ext cx="3732657" cy="400110"/>
-          </a:xfrm>
-          <a:prstGeom prst="rect">
-            <a:avLst/>
-          </a:prstGeom>
-          <a:noFill/>
-        </p:spPr>
-        <p:txBody>
-          <a:bodyPr wrap="square">
-            <a:spAutoFit/>
-          </a:bodyPr>
-          <a:lstStyle/>
-          <a:p>
-            <a:pPr algn="ctr"/>
-            <a:r>
-              <a:rPr lang="en-US" sz="2000" dirty="0">
-                <a:latin typeface="Oracle Sans" panose="020B0503020204020204" pitchFamily="34" charset="0"/>
-                <a:cs typeface="Oracle Sans" panose="020B0503020204020204" pitchFamily="34" charset="0"/>
-              </a:rPr>
-              <a:t>$java -</a:t>
-            </a:r>
-            <a:r>
-              <a:rPr lang="en-US" sz="2000" dirty="0" err="1">
-                <a:latin typeface="Oracle Sans" panose="020B0503020204020204" pitchFamily="34" charset="0"/>
-                <a:cs typeface="Oracle Sans" panose="020B0503020204020204" pitchFamily="34" charset="0"/>
-              </a:rPr>
-              <a:t>XX:AOTMode</a:t>
-            </a:r>
-            <a:r>
-              <a:rPr lang="en-US" sz="2000" dirty="0">
-                <a:latin typeface="Oracle Sans" panose="020B0503020204020204" pitchFamily="34" charset="0"/>
-                <a:cs typeface="Oracle Sans" panose="020B0503020204020204" pitchFamily="34" charset="0"/>
-              </a:rPr>
-              <a:t>=create</a:t>
-            </a:r>
-          </a:p>
-        </p:txBody>
-      </p:sp>
-      <p:sp>
-        <p:nvSpPr>
-          <p:cNvPr id="2" name="Rectangle 1">
-            <a:extLst>
-              <a:ext uri="{FF2B5EF4-FFF2-40B4-BE49-F238E27FC236}">
-                <a16:creationId xmlns:a16="http://schemas.microsoft.com/office/drawing/2014/main" id="{77D53A6A-3E9E-20D5-B658-897C594FDCD0}"/>
-              </a:ext>
-            </a:extLst>
-          </p:cNvPr>
-          <p:cNvSpPr/>
-          <p:nvPr/>
-        </p:nvSpPr>
-        <p:spPr>
-          <a:xfrm>
-            <a:off x="8726040" y="4128248"/>
-            <a:ext cx="2958353" cy="739589"/>
-          </a:xfrm>
-          <a:prstGeom prst="rect">
-            <a:avLst/>
-          </a:prstGeom>
-          <a:solidFill>
-            <a:schemeClr val="accent2">
-              <a:lumMod val="40000"/>
-              <a:lumOff val="60000"/>
-            </a:schemeClr>
-          </a:solidFill>
-          <a:ln w="38100">
-            <a:solidFill>
-              <a:schemeClr val="accent2">
-                <a:lumMod val="75000"/>
-              </a:schemeClr>
-            </a:solidFill>
-          </a:ln>
-        </p:spPr>
-        <p:style>
-          <a:lnRef idx="2">
-            <a:schemeClr val="accent1">
-              <a:shade val="15000"/>
-            </a:schemeClr>
-          </a:lnRef>
-          <a:fillRef idx="1">
-            <a:schemeClr val="accent1"/>
-          </a:fillRef>
-          <a:effectRef idx="0">
-            <a:schemeClr val="accent1"/>
-          </a:effectRef>
-          <a:fontRef idx="minor">
-            <a:schemeClr val="lt1"/>
-          </a:fontRef>
-        </p:style>
-        <p:txBody>
-          <a:bodyPr rtlCol="0" anchor="ctr"/>
-          <a:lstStyle/>
-          <a:p>
-            <a:pPr algn="ctr"/>
-            <a:r>
-              <a:rPr lang="en-US" sz="2000" dirty="0">
-                <a:solidFill>
-                  <a:schemeClr val="tx1"/>
-                </a:solidFill>
-                <a:latin typeface="Oracle Sans" panose="020B0503020204020204" pitchFamily="34" charset="0"/>
-                <a:cs typeface="Oracle Sans" panose="020B0503020204020204" pitchFamily="34" charset="0"/>
-              </a:rPr>
-              <a:t>Production deployment</a:t>
-            </a:r>
-          </a:p>
-        </p:txBody>
-      </p:sp>
+    </p:spTree>
+    <p:extLst>
+      <p:ext uri="{BB962C8B-B14F-4D97-AF65-F5344CB8AC3E}">
+        <p14:creationId xmlns:p14="http://schemas.microsoft.com/office/powerpoint/2010/main" val="2625343589"/>
+      </p:ext>
+    </p:extLst>
+  </p:cSld>
+  <p:clrMapOvr>
+    <a:masterClrMapping/>
+  </p:clrMapOvr>
+</p:sld>
+</file>
+
+<file path=ppt/slides/slide7.xml><?xml version="1.0" encoding="utf-8"?>
+<p:sld xmlns:a="http://schemas.openxmlformats.org/drawingml/2006/main" xmlns:r="http://schemas.openxmlformats.org/officeDocument/2006/relationships" xmlns:p="http://schemas.openxmlformats.org/presentationml/2006/main">
+  <p:cSld>
+    <p:spTree>
+      <p:nvGrpSpPr>
+        <p:cNvPr id="1" name="">
+          <a:extLst>
+            <a:ext uri="{FF2B5EF4-FFF2-40B4-BE49-F238E27FC236}">
+              <a16:creationId xmlns:a16="http://schemas.microsoft.com/office/drawing/2014/main" id="{2D11D657-744C-B1A6-0761-BFC75BDE09B6}"/>
+            </a:ext>
+          </a:extLst>
+        </p:cNvPr>
+        <p:cNvGrpSpPr/>
+        <p:nvPr/>
+      </p:nvGrpSpPr>
+      <p:grpSpPr>
+        <a:xfrm>
+          <a:off x="0" y="0"/>
+          <a:ext cx="0" cy="0"/>
+          <a:chOff x="0" y="0"/>
+          <a:chExt cx="0" cy="0"/>
+        </a:xfrm>
+      </p:grpSpPr>
       <p:grpSp>
         <p:nvGrpSpPr>
-          <p:cNvPr id="6" name="Group 5">
-            <a:extLst>
-              <a:ext uri="{FF2B5EF4-FFF2-40B4-BE49-F238E27FC236}">
-                <a16:creationId xmlns:a16="http://schemas.microsoft.com/office/drawing/2014/main" id="{9AD74E29-16FE-6EB3-51F1-6E100CDD6111}"/>
+          <p:cNvPr id="2" name="Group 1">
+            <a:extLst>
+              <a:ext uri="{FF2B5EF4-FFF2-40B4-BE49-F238E27FC236}">
+                <a16:creationId xmlns:a16="http://schemas.microsoft.com/office/drawing/2014/main" id="{14AF63B3-6184-6538-FFF6-7F4787E3E076}"/>
               </a:ext>
             </a:extLst>
           </p:cNvPr>
@@ -6158,18 +7649,18 @@
         </p:nvGrpSpPr>
         <p:grpSpPr>
           <a:xfrm>
-            <a:off x="10555683" y="4661578"/>
-            <a:ext cx="1465727" cy="1098839"/>
-            <a:chOff x="7258051" y="4820771"/>
-            <a:chExt cx="1465727" cy="1098839"/>
+            <a:off x="1519471" y="2237041"/>
+            <a:ext cx="2484028" cy="2161117"/>
+            <a:chOff x="6658964" y="2569899"/>
+            <a:chExt cx="1914717" cy="1665814"/>
           </a:xfrm>
         </p:grpSpPr>
         <p:sp>
           <p:nvSpPr>
-            <p:cNvPr id="10" name="Can 9">
+            <p:cNvPr id="4" name="Rounded Rectangle 3">
               <a:extLst>
                 <a:ext uri="{FF2B5EF4-FFF2-40B4-BE49-F238E27FC236}">
-                  <a16:creationId xmlns:a16="http://schemas.microsoft.com/office/drawing/2014/main" id="{7895AA93-0300-899C-5A0D-CA22CB63AA1E}"/>
+                  <a16:creationId xmlns:a16="http://schemas.microsoft.com/office/drawing/2014/main" id="{FFDFDE79-BB7B-4762-0E5C-8F7AD280F30F}"/>
                 </a:ext>
               </a:extLst>
             </p:cNvPr>
@@ -6178,12 +7669,25 @@
           </p:nvSpPr>
           <p:spPr>
             <a:xfrm>
-              <a:off x="7769039" y="4820771"/>
-              <a:ext cx="443753" cy="658906"/>
+              <a:off x="6658964" y="2569899"/>
+              <a:ext cx="1784081" cy="1665814"/>
             </a:xfrm>
-            <a:prstGeom prst="can">
+            <a:prstGeom prst="roundRect">
               <a:avLst/>
             </a:prstGeom>
+            <a:solidFill>
+              <a:schemeClr val="accent5">
+                <a:lumMod val="20000"/>
+                <a:lumOff val="80000"/>
+              </a:schemeClr>
+            </a:solidFill>
+            <a:ln w="38100">
+              <a:solidFill>
+                <a:schemeClr val="accent5">
+                  <a:lumMod val="75000"/>
+                </a:schemeClr>
+              </a:solidFill>
+            </a:ln>
           </p:spPr>
           <p:style>
             <a:lnRef idx="2">
@@ -6206,127 +7710,204 @@
             <a:lstStyle/>
             <a:p>
               <a:pPr algn="ctr"/>
-              <a:endParaRPr lang="en-US" sz="2000" dirty="0">
-                <a:latin typeface="Oracle Sans" panose="020B0503020204020204" pitchFamily="34" charset="0"/>
-                <a:cs typeface="Oracle Sans" panose="020B0503020204020204" pitchFamily="34" charset="0"/>
-              </a:endParaRPr>
+              <a:endParaRPr lang="en-US"/>
             </a:p>
           </p:txBody>
         </p:sp>
-        <p:sp>
-          <p:nvSpPr>
-            <p:cNvPr id="16" name="TextBox 15">
+        <p:grpSp>
+          <p:nvGrpSpPr>
+            <p:cNvPr id="5" name="Group 4">
               <a:extLst>
                 <a:ext uri="{FF2B5EF4-FFF2-40B4-BE49-F238E27FC236}">
-                  <a16:creationId xmlns:a16="http://schemas.microsoft.com/office/drawing/2014/main" id="{A3ED0195-21C0-F14D-6A76-6D2C49CDB1CB}"/>
+                  <a16:creationId xmlns:a16="http://schemas.microsoft.com/office/drawing/2014/main" id="{942277BD-61B0-C246-A7BC-7C352AC8E943}"/>
                 </a:ext>
               </a:extLst>
             </p:cNvPr>
-            <p:cNvSpPr txBox="1"/>
+            <p:cNvGrpSpPr/>
             <p:nvPr/>
-          </p:nvSpPr>
-          <p:spPr>
+          </p:nvGrpSpPr>
+          <p:grpSpPr>
             <a:xfrm>
-              <a:off x="7258051" y="5519500"/>
-              <a:ext cx="1465727" cy="400110"/>
+              <a:off x="6817532" y="2860908"/>
+              <a:ext cx="1756149" cy="1226667"/>
+              <a:chOff x="6789041" y="3143425"/>
+              <a:chExt cx="1756149" cy="1226667"/>
             </a:xfrm>
-            <a:prstGeom prst="rect">
-              <a:avLst/>
-            </a:prstGeom>
-            <a:noFill/>
-          </p:spPr>
-          <p:txBody>
-            <a:bodyPr wrap="square" rtlCol="0">
-              <a:spAutoFit/>
-            </a:bodyPr>
-            <a:lstStyle/>
-            <a:p>
-              <a:pPr algn="ctr"/>
-              <a:r>
-                <a:rPr lang="en-US" sz="2000" dirty="0">
+          </p:grpSpPr>
+          <p:sp>
+            <p:nvSpPr>
+              <p:cNvPr id="6" name="Rectangle 5">
+                <a:extLst>
+                  <a:ext uri="{FF2B5EF4-FFF2-40B4-BE49-F238E27FC236}">
+                    <a16:creationId xmlns:a16="http://schemas.microsoft.com/office/drawing/2014/main" id="{3E4AF097-FE87-3120-E5C8-2BAB3E2FA9F8}"/>
+                  </a:ext>
+                </a:extLst>
+              </p:cNvPr>
+              <p:cNvSpPr/>
+              <p:nvPr/>
+            </p:nvSpPr>
+            <p:spPr>
+              <a:xfrm>
+                <a:off x="6789041" y="3143425"/>
+                <a:ext cx="1354003" cy="606354"/>
+              </a:xfrm>
+              <a:prstGeom prst="rect">
+                <a:avLst/>
+              </a:prstGeom>
+              <a:solidFill>
+                <a:schemeClr val="accent2">
+                  <a:lumMod val="40000"/>
+                  <a:lumOff val="60000"/>
+                </a:schemeClr>
+              </a:solidFill>
+              <a:ln w="38100">
+                <a:solidFill>
+                  <a:schemeClr val="accent2">
+                    <a:lumMod val="75000"/>
+                  </a:schemeClr>
+                </a:solidFill>
+              </a:ln>
+            </p:spPr>
+            <p:style>
+              <a:lnRef idx="2">
+                <a:schemeClr val="accent1">
+                  <a:shade val="15000"/>
+                </a:schemeClr>
+              </a:lnRef>
+              <a:fillRef idx="1">
+                <a:schemeClr val="accent1"/>
+              </a:fillRef>
+              <a:effectRef idx="0">
+                <a:schemeClr val="accent1"/>
+              </a:effectRef>
+              <a:fontRef idx="minor">
+                <a:schemeClr val="lt1"/>
+              </a:fontRef>
+            </p:style>
+            <p:txBody>
+              <a:bodyPr rtlCol="0" anchor="ctr"/>
+              <a:lstStyle/>
+              <a:p>
+                <a:pPr algn="ctr"/>
+                <a:r>
+                  <a:rPr lang="en-US" sz="1400" dirty="0">
+                    <a:solidFill>
+                      <a:schemeClr val="tx1"/>
+                    </a:solidFill>
+                    <a:latin typeface="Oracle Sans" panose="020B0503020204020204" pitchFamily="34" charset="0"/>
+                    <a:cs typeface="Oracle Sans" panose="020B0503020204020204" pitchFamily="34" charset="0"/>
+                  </a:rPr>
+                  <a:t>Application</a:t>
+                </a:r>
+              </a:p>
+            </p:txBody>
+          </p:sp>
+          <p:sp>
+            <p:nvSpPr>
+              <p:cNvPr id="7" name="Can 6">
+                <a:extLst>
+                  <a:ext uri="{FF2B5EF4-FFF2-40B4-BE49-F238E27FC236}">
+                    <a16:creationId xmlns:a16="http://schemas.microsoft.com/office/drawing/2014/main" id="{2D2BF36A-3E0B-320B-277C-6259480367DC}"/>
+                  </a:ext>
+                </a:extLst>
+              </p:cNvPr>
+              <p:cNvSpPr/>
+              <p:nvPr/>
+            </p:nvSpPr>
+            <p:spPr>
+              <a:xfrm>
+                <a:off x="7863643" y="3456246"/>
+                <a:ext cx="389603" cy="510542"/>
+              </a:xfrm>
+              <a:prstGeom prst="can">
+                <a:avLst/>
+              </a:prstGeom>
+            </p:spPr>
+            <p:style>
+              <a:lnRef idx="2">
+                <a:schemeClr val="accent1">
+                  <a:shade val="15000"/>
+                </a:schemeClr>
+              </a:lnRef>
+              <a:fillRef idx="1">
+                <a:schemeClr val="accent1"/>
+              </a:fillRef>
+              <a:effectRef idx="0">
+                <a:schemeClr val="accent1"/>
+              </a:effectRef>
+              <a:fontRef idx="minor">
+                <a:schemeClr val="lt1"/>
+              </a:fontRef>
+            </p:style>
+            <p:txBody>
+              <a:bodyPr rtlCol="0" anchor="ctr"/>
+              <a:lstStyle/>
+              <a:p>
+                <a:pPr algn="ctr"/>
+                <a:endParaRPr lang="en-US" sz="1400" dirty="0">
                   <a:latin typeface="Oracle Sans" panose="020B0503020204020204" pitchFamily="34" charset="0"/>
                   <a:cs typeface="Oracle Sans" panose="020B0503020204020204" pitchFamily="34" charset="0"/>
-                </a:rPr>
-                <a:t>AOT Cache</a:t>
-              </a:r>
-            </a:p>
-          </p:txBody>
-        </p:sp>
+                </a:endParaRPr>
+              </a:p>
+            </p:txBody>
+          </p:sp>
+          <p:sp>
+            <p:nvSpPr>
+              <p:cNvPr id="8" name="TextBox 7">
+                <a:extLst>
+                  <a:ext uri="{FF2B5EF4-FFF2-40B4-BE49-F238E27FC236}">
+                    <a16:creationId xmlns:a16="http://schemas.microsoft.com/office/drawing/2014/main" id="{1673535F-09B7-3B21-E3E2-3CB4D2756D56}"/>
+                  </a:ext>
+                </a:extLst>
+              </p:cNvPr>
+              <p:cNvSpPr txBox="1"/>
+              <p:nvPr/>
+            </p:nvSpPr>
+            <p:spPr>
+              <a:xfrm>
+                <a:off x="7541136" y="3966788"/>
+                <a:ext cx="1004054" cy="403304"/>
+              </a:xfrm>
+              <a:prstGeom prst="rect">
+                <a:avLst/>
+              </a:prstGeom>
+              <a:noFill/>
+            </p:spPr>
+            <p:txBody>
+              <a:bodyPr wrap="square" rtlCol="0">
+                <a:spAutoFit/>
+              </a:bodyPr>
+              <a:lstStyle/>
+              <a:p>
+                <a:pPr algn="ctr"/>
+                <a:r>
+                  <a:rPr lang="en-US" sz="1400" dirty="0">
+                    <a:latin typeface="Oracle Sans" panose="020B0503020204020204" pitchFamily="34" charset="0"/>
+                    <a:cs typeface="Oracle Sans" panose="020B0503020204020204" pitchFamily="34" charset="0"/>
+                  </a:rPr>
+                  <a:t>AOT </a:t>
+                </a:r>
+              </a:p>
+              <a:p>
+                <a:pPr algn="ctr"/>
+                <a:r>
+                  <a:rPr lang="en-US" sz="1400" dirty="0">
+                    <a:latin typeface="Oracle Sans" panose="020B0503020204020204" pitchFamily="34" charset="0"/>
+                    <a:cs typeface="Oracle Sans" panose="020B0503020204020204" pitchFamily="34" charset="0"/>
+                  </a:rPr>
+                  <a:t>Cache</a:t>
+                </a:r>
+              </a:p>
+            </p:txBody>
+          </p:sp>
+        </p:grpSp>
       </p:grpSp>
-      <p:sp>
-        <p:nvSpPr>
-          <p:cNvPr id="19" name="Rectangle 18">
-            <a:extLst>
-              <a:ext uri="{FF2B5EF4-FFF2-40B4-BE49-F238E27FC236}">
-                <a16:creationId xmlns:a16="http://schemas.microsoft.com/office/drawing/2014/main" id="{27183118-E291-D25B-810D-27E78ED63C4A}"/>
-              </a:ext>
-            </a:extLst>
-          </p:cNvPr>
-          <p:cNvSpPr/>
-          <p:nvPr/>
-        </p:nvSpPr>
-        <p:spPr>
-          <a:xfrm>
-            <a:off x="8726040" y="608355"/>
-            <a:ext cx="2958353" cy="739589"/>
-          </a:xfrm>
-          <a:prstGeom prst="rect">
-            <a:avLst/>
-          </a:prstGeom>
-          <a:solidFill>
-            <a:schemeClr val="accent2">
-              <a:lumMod val="40000"/>
-              <a:lumOff val="60000"/>
-            </a:schemeClr>
-          </a:solidFill>
-          <a:ln w="38100">
-            <a:solidFill>
-              <a:schemeClr val="accent2">
-                <a:lumMod val="75000"/>
-              </a:schemeClr>
-            </a:solidFill>
-          </a:ln>
-        </p:spPr>
-        <p:style>
-          <a:lnRef idx="2">
-            <a:schemeClr val="accent1">
-              <a:shade val="15000"/>
-            </a:schemeClr>
-          </a:lnRef>
-          <a:fillRef idx="1">
-            <a:schemeClr val="accent1"/>
-          </a:fillRef>
-          <a:effectRef idx="0">
-            <a:schemeClr val="accent1"/>
-          </a:effectRef>
-          <a:fontRef idx="minor">
-            <a:schemeClr val="lt1"/>
-          </a:fontRef>
-        </p:style>
-        <p:txBody>
-          <a:bodyPr rtlCol="0" anchor="ctr"/>
-          <a:lstStyle/>
-          <a:p>
-            <a:pPr algn="ctr"/>
-            <a:r>
-              <a:rPr lang="en-US" sz="2000" dirty="0">
-                <a:solidFill>
-                  <a:schemeClr val="tx1"/>
-                </a:solidFill>
-                <a:latin typeface="Oracle Sans" panose="020B0503020204020204" pitchFamily="34" charset="0"/>
-                <a:cs typeface="Oracle Sans" panose="020B0503020204020204" pitchFamily="34" charset="0"/>
-              </a:rPr>
-              <a:t>Production deployment</a:t>
-            </a:r>
-          </a:p>
-        </p:txBody>
-      </p:sp>
       <p:grpSp>
         <p:nvGrpSpPr>
-          <p:cNvPr id="22" name="Group 21">
-            <a:extLst>
-              <a:ext uri="{FF2B5EF4-FFF2-40B4-BE49-F238E27FC236}">
-                <a16:creationId xmlns:a16="http://schemas.microsoft.com/office/drawing/2014/main" id="{5BF4724D-8003-F9A9-4FAD-9749B94A522A}"/>
+          <p:cNvPr id="9" name="Group 8">
+            <a:extLst>
+              <a:ext uri="{FF2B5EF4-FFF2-40B4-BE49-F238E27FC236}">
+                <a16:creationId xmlns:a16="http://schemas.microsoft.com/office/drawing/2014/main" id="{05EA746D-9E9B-F474-6FFE-6FE1A2918D77}"/>
               </a:ext>
             </a:extLst>
           </p:cNvPr>
@@ -6335,18 +7916,18 @@
         </p:nvGrpSpPr>
         <p:grpSpPr>
           <a:xfrm>
-            <a:off x="10555683" y="1141685"/>
-            <a:ext cx="1465727" cy="1098839"/>
-            <a:chOff x="7258051" y="4820771"/>
-            <a:chExt cx="1465727" cy="1098839"/>
+            <a:off x="8328677" y="2237040"/>
+            <a:ext cx="2484028" cy="2161117"/>
+            <a:chOff x="6658964" y="2569899"/>
+            <a:chExt cx="1914717" cy="1665814"/>
           </a:xfrm>
         </p:grpSpPr>
         <p:sp>
           <p:nvSpPr>
-            <p:cNvPr id="24" name="Can 23">
+            <p:cNvPr id="10" name="Rounded Rectangle 9">
               <a:extLst>
                 <a:ext uri="{FF2B5EF4-FFF2-40B4-BE49-F238E27FC236}">
-                  <a16:creationId xmlns:a16="http://schemas.microsoft.com/office/drawing/2014/main" id="{A0E07591-48B0-15A8-2F46-DAC08A7DAEEB}"/>
+                  <a16:creationId xmlns:a16="http://schemas.microsoft.com/office/drawing/2014/main" id="{150C9ECD-D232-0016-751D-07D921E4A2A7}"/>
                 </a:ext>
               </a:extLst>
             </p:cNvPr>
@@ -6355,12 +7936,25 @@
           </p:nvSpPr>
           <p:spPr>
             <a:xfrm>
-              <a:off x="7769039" y="4820771"/>
-              <a:ext cx="443753" cy="658906"/>
+              <a:off x="6658964" y="2569899"/>
+              <a:ext cx="1784081" cy="1665814"/>
             </a:xfrm>
-            <a:prstGeom prst="can">
+            <a:prstGeom prst="roundRect">
               <a:avLst/>
             </a:prstGeom>
+            <a:solidFill>
+              <a:schemeClr val="accent5">
+                <a:lumMod val="20000"/>
+                <a:lumOff val="80000"/>
+              </a:schemeClr>
+            </a:solidFill>
+            <a:ln w="38100">
+              <a:solidFill>
+                <a:schemeClr val="accent5">
+                  <a:lumMod val="75000"/>
+                </a:schemeClr>
+              </a:solidFill>
+            </a:ln>
           </p:spPr>
           <p:style>
             <a:lnRef idx="2">
@@ -6383,59 +7977,204 @@
             <a:lstStyle/>
             <a:p>
               <a:pPr algn="ctr"/>
-              <a:endParaRPr lang="en-US" sz="2000" dirty="0">
-                <a:latin typeface="Oracle Sans" panose="020B0503020204020204" pitchFamily="34" charset="0"/>
-                <a:cs typeface="Oracle Sans" panose="020B0503020204020204" pitchFamily="34" charset="0"/>
-              </a:endParaRPr>
+              <a:endParaRPr lang="en-US"/>
             </a:p>
           </p:txBody>
         </p:sp>
-        <p:sp>
-          <p:nvSpPr>
-            <p:cNvPr id="25" name="TextBox 24">
+        <p:grpSp>
+          <p:nvGrpSpPr>
+            <p:cNvPr id="13" name="Group 12">
               <a:extLst>
                 <a:ext uri="{FF2B5EF4-FFF2-40B4-BE49-F238E27FC236}">
-                  <a16:creationId xmlns:a16="http://schemas.microsoft.com/office/drawing/2014/main" id="{6A138114-4923-21B0-F608-2B3A7526EA82}"/>
+                  <a16:creationId xmlns:a16="http://schemas.microsoft.com/office/drawing/2014/main" id="{8DB3711A-58B1-B79F-6821-DE32E07BE415}"/>
                 </a:ext>
               </a:extLst>
             </p:cNvPr>
-            <p:cNvSpPr txBox="1"/>
+            <p:cNvGrpSpPr/>
             <p:nvPr/>
-          </p:nvSpPr>
-          <p:spPr>
+          </p:nvGrpSpPr>
+          <p:grpSpPr>
             <a:xfrm>
-              <a:off x="7258051" y="5519500"/>
-              <a:ext cx="1465727" cy="400110"/>
+              <a:off x="6817532" y="2860908"/>
+              <a:ext cx="1756149" cy="1226667"/>
+              <a:chOff x="6789041" y="3143425"/>
+              <a:chExt cx="1756149" cy="1226667"/>
             </a:xfrm>
-            <a:prstGeom prst="rect">
-              <a:avLst/>
-            </a:prstGeom>
-            <a:noFill/>
-          </p:spPr>
-          <p:txBody>
-            <a:bodyPr wrap="square" rtlCol="0">
-              <a:spAutoFit/>
-            </a:bodyPr>
-            <a:lstStyle/>
-            <a:p>
-              <a:pPr algn="ctr"/>
-              <a:r>
-                <a:rPr lang="en-US" sz="2000" dirty="0">
+          </p:grpSpPr>
+          <p:sp>
+            <p:nvSpPr>
+              <p:cNvPr id="14" name="Rectangle 13">
+                <a:extLst>
+                  <a:ext uri="{FF2B5EF4-FFF2-40B4-BE49-F238E27FC236}">
+                    <a16:creationId xmlns:a16="http://schemas.microsoft.com/office/drawing/2014/main" id="{5DFC048C-8234-9B11-4370-99F064C7AEE2}"/>
+                  </a:ext>
+                </a:extLst>
+              </p:cNvPr>
+              <p:cNvSpPr/>
+              <p:nvPr/>
+            </p:nvSpPr>
+            <p:spPr>
+              <a:xfrm>
+                <a:off x="6789041" y="3143425"/>
+                <a:ext cx="1354003" cy="606354"/>
+              </a:xfrm>
+              <a:prstGeom prst="rect">
+                <a:avLst/>
+              </a:prstGeom>
+              <a:solidFill>
+                <a:schemeClr val="accent2">
+                  <a:lumMod val="40000"/>
+                  <a:lumOff val="60000"/>
+                </a:schemeClr>
+              </a:solidFill>
+              <a:ln w="38100">
+                <a:solidFill>
+                  <a:schemeClr val="accent2">
+                    <a:lumMod val="75000"/>
+                  </a:schemeClr>
+                </a:solidFill>
+              </a:ln>
+            </p:spPr>
+            <p:style>
+              <a:lnRef idx="2">
+                <a:schemeClr val="accent1">
+                  <a:shade val="15000"/>
+                </a:schemeClr>
+              </a:lnRef>
+              <a:fillRef idx="1">
+                <a:schemeClr val="accent1"/>
+              </a:fillRef>
+              <a:effectRef idx="0">
+                <a:schemeClr val="accent1"/>
+              </a:effectRef>
+              <a:fontRef idx="minor">
+                <a:schemeClr val="lt1"/>
+              </a:fontRef>
+            </p:style>
+            <p:txBody>
+              <a:bodyPr rtlCol="0" anchor="ctr"/>
+              <a:lstStyle/>
+              <a:p>
+                <a:pPr algn="ctr"/>
+                <a:r>
+                  <a:rPr lang="en-US" sz="1400" dirty="0">
+                    <a:solidFill>
+                      <a:schemeClr val="tx1"/>
+                    </a:solidFill>
+                    <a:latin typeface="Oracle Sans" panose="020B0503020204020204" pitchFamily="34" charset="0"/>
+                    <a:cs typeface="Oracle Sans" panose="020B0503020204020204" pitchFamily="34" charset="0"/>
+                  </a:rPr>
+                  <a:t>Application</a:t>
+                </a:r>
+              </a:p>
+            </p:txBody>
+          </p:sp>
+          <p:sp>
+            <p:nvSpPr>
+              <p:cNvPr id="15" name="Can 14">
+                <a:extLst>
+                  <a:ext uri="{FF2B5EF4-FFF2-40B4-BE49-F238E27FC236}">
+                    <a16:creationId xmlns:a16="http://schemas.microsoft.com/office/drawing/2014/main" id="{FCBB6577-E8E9-C710-DA13-EB2EF8761C6F}"/>
+                  </a:ext>
+                </a:extLst>
+              </p:cNvPr>
+              <p:cNvSpPr/>
+              <p:nvPr/>
+            </p:nvSpPr>
+            <p:spPr>
+              <a:xfrm>
+                <a:off x="7863643" y="3456246"/>
+                <a:ext cx="389603" cy="510542"/>
+              </a:xfrm>
+              <a:prstGeom prst="can">
+                <a:avLst/>
+              </a:prstGeom>
+            </p:spPr>
+            <p:style>
+              <a:lnRef idx="2">
+                <a:schemeClr val="accent1">
+                  <a:shade val="15000"/>
+                </a:schemeClr>
+              </a:lnRef>
+              <a:fillRef idx="1">
+                <a:schemeClr val="accent1"/>
+              </a:fillRef>
+              <a:effectRef idx="0">
+                <a:schemeClr val="accent1"/>
+              </a:effectRef>
+              <a:fontRef idx="minor">
+                <a:schemeClr val="lt1"/>
+              </a:fontRef>
+            </p:style>
+            <p:txBody>
+              <a:bodyPr rtlCol="0" anchor="ctr"/>
+              <a:lstStyle/>
+              <a:p>
+                <a:pPr algn="ctr"/>
+                <a:endParaRPr lang="en-US" sz="1400" dirty="0">
                   <a:latin typeface="Oracle Sans" panose="020B0503020204020204" pitchFamily="34" charset="0"/>
                   <a:cs typeface="Oracle Sans" panose="020B0503020204020204" pitchFamily="34" charset="0"/>
-                </a:rPr>
-                <a:t>AOT Cache</a:t>
-              </a:r>
-            </a:p>
-          </p:txBody>
-        </p:sp>
+                </a:endParaRPr>
+              </a:p>
+            </p:txBody>
+          </p:sp>
+          <p:sp>
+            <p:nvSpPr>
+              <p:cNvPr id="16" name="TextBox 15">
+                <a:extLst>
+                  <a:ext uri="{FF2B5EF4-FFF2-40B4-BE49-F238E27FC236}">
+                    <a16:creationId xmlns:a16="http://schemas.microsoft.com/office/drawing/2014/main" id="{F24821BC-7AB5-08F9-8CCA-63ED184AC8B4}"/>
+                  </a:ext>
+                </a:extLst>
+              </p:cNvPr>
+              <p:cNvSpPr txBox="1"/>
+              <p:nvPr/>
+            </p:nvSpPr>
+            <p:spPr>
+              <a:xfrm>
+                <a:off x="7541136" y="3966788"/>
+                <a:ext cx="1004054" cy="403304"/>
+              </a:xfrm>
+              <a:prstGeom prst="rect">
+                <a:avLst/>
+              </a:prstGeom>
+              <a:noFill/>
+            </p:spPr>
+            <p:txBody>
+              <a:bodyPr wrap="square" rtlCol="0">
+                <a:spAutoFit/>
+              </a:bodyPr>
+              <a:lstStyle/>
+              <a:p>
+                <a:pPr algn="ctr"/>
+                <a:r>
+                  <a:rPr lang="en-US" sz="1400" dirty="0">
+                    <a:latin typeface="Oracle Sans" panose="020B0503020204020204" pitchFamily="34" charset="0"/>
+                    <a:cs typeface="Oracle Sans" panose="020B0503020204020204" pitchFamily="34" charset="0"/>
+                  </a:rPr>
+                  <a:t>AOT </a:t>
+                </a:r>
+              </a:p>
+              <a:p>
+                <a:pPr algn="ctr"/>
+                <a:r>
+                  <a:rPr lang="en-US" sz="1400" dirty="0">
+                    <a:latin typeface="Oracle Sans" panose="020B0503020204020204" pitchFamily="34" charset="0"/>
+                    <a:cs typeface="Oracle Sans" panose="020B0503020204020204" pitchFamily="34" charset="0"/>
+                  </a:rPr>
+                  <a:t>Cache</a:t>
+                </a:r>
+              </a:p>
+            </p:txBody>
+          </p:sp>
+        </p:grpSp>
       </p:grpSp>
       <p:grpSp>
         <p:nvGrpSpPr>
-          <p:cNvPr id="27" name="Group 26">
-            <a:extLst>
-              <a:ext uri="{FF2B5EF4-FFF2-40B4-BE49-F238E27FC236}">
-                <a16:creationId xmlns:a16="http://schemas.microsoft.com/office/drawing/2014/main" id="{AF82AF0B-3969-2948-CEEC-66058FE4A5D7}"/>
+          <p:cNvPr id="17" name="Group 16">
+            <a:extLst>
+              <a:ext uri="{FF2B5EF4-FFF2-40B4-BE49-F238E27FC236}">
+                <a16:creationId xmlns:a16="http://schemas.microsoft.com/office/drawing/2014/main" id="{F578462A-6FB0-8544-2C40-5C5016B5316E}"/>
               </a:ext>
             </a:extLst>
           </p:cNvPr>
@@ -6444,18 +8183,18 @@
         </p:nvGrpSpPr>
         <p:grpSpPr>
           <a:xfrm>
-            <a:off x="7098902" y="4817289"/>
-            <a:ext cx="1674159" cy="1080443"/>
-            <a:chOff x="7247965" y="4820771"/>
-            <a:chExt cx="1674159" cy="1080443"/>
+            <a:off x="4924074" y="2237041"/>
+            <a:ext cx="2484028" cy="2161117"/>
+            <a:chOff x="6658964" y="2569899"/>
+            <a:chExt cx="1914717" cy="1665814"/>
           </a:xfrm>
         </p:grpSpPr>
         <p:sp>
           <p:nvSpPr>
-            <p:cNvPr id="28" name="Can 27">
+            <p:cNvPr id="18" name="Rounded Rectangle 17">
               <a:extLst>
                 <a:ext uri="{FF2B5EF4-FFF2-40B4-BE49-F238E27FC236}">
-                  <a16:creationId xmlns:a16="http://schemas.microsoft.com/office/drawing/2014/main" id="{268A270C-1EDD-53C0-01B3-D854B1806004}"/>
+                  <a16:creationId xmlns:a16="http://schemas.microsoft.com/office/drawing/2014/main" id="{13827D76-8AD5-F448-CFF5-5C2939404705}"/>
                 </a:ext>
               </a:extLst>
             </p:cNvPr>
@@ -6464,12 +8203,25 @@
           </p:nvSpPr>
           <p:spPr>
             <a:xfrm>
-              <a:off x="7769039" y="4820771"/>
-              <a:ext cx="443753" cy="658906"/>
+              <a:off x="6658964" y="2569899"/>
+              <a:ext cx="1784081" cy="1665814"/>
             </a:xfrm>
-            <a:prstGeom prst="can">
+            <a:prstGeom prst="roundRect">
               <a:avLst/>
             </a:prstGeom>
+            <a:solidFill>
+              <a:schemeClr val="accent5">
+                <a:lumMod val="20000"/>
+                <a:lumOff val="80000"/>
+              </a:schemeClr>
+            </a:solidFill>
+            <a:ln w="38100">
+              <a:solidFill>
+                <a:schemeClr val="accent5">
+                  <a:lumMod val="75000"/>
+                </a:schemeClr>
+              </a:solidFill>
+            </a:ln>
           </p:spPr>
           <p:style>
             <a:lnRef idx="2">
@@ -6492,103 +8244,202 @@
             <a:lstStyle/>
             <a:p>
               <a:pPr algn="ctr"/>
-              <a:endParaRPr lang="en-US" sz="2000" dirty="0">
-                <a:latin typeface="Oracle Sans" panose="020B0503020204020204" pitchFamily="34" charset="0"/>
-                <a:cs typeface="Oracle Sans" panose="020B0503020204020204" pitchFamily="34" charset="0"/>
-              </a:endParaRPr>
+              <a:endParaRPr lang="en-US"/>
             </a:p>
           </p:txBody>
         </p:sp>
-        <p:sp>
-          <p:nvSpPr>
-            <p:cNvPr id="29" name="TextBox 28">
+        <p:grpSp>
+          <p:nvGrpSpPr>
+            <p:cNvPr id="19" name="Group 18">
               <a:extLst>
                 <a:ext uri="{FF2B5EF4-FFF2-40B4-BE49-F238E27FC236}">
-                  <a16:creationId xmlns:a16="http://schemas.microsoft.com/office/drawing/2014/main" id="{80C6B716-80D0-889C-B3CC-3E9D7DCD60F8}"/>
+                  <a16:creationId xmlns:a16="http://schemas.microsoft.com/office/drawing/2014/main" id="{31E69285-93FD-5A70-7F8F-AF69F3A9CE29}"/>
                 </a:ext>
               </a:extLst>
             </p:cNvPr>
-            <p:cNvSpPr txBox="1"/>
+            <p:cNvGrpSpPr/>
             <p:nvPr/>
-          </p:nvSpPr>
-          <p:spPr>
+          </p:nvGrpSpPr>
+          <p:grpSpPr>
             <a:xfrm>
-              <a:off x="7247965" y="5501104"/>
-              <a:ext cx="1674159" cy="400110"/>
+              <a:off x="6817532" y="2860908"/>
+              <a:ext cx="1756149" cy="1226667"/>
+              <a:chOff x="6789041" y="3143425"/>
+              <a:chExt cx="1756149" cy="1226667"/>
             </a:xfrm>
-            <a:prstGeom prst="rect">
-              <a:avLst/>
-            </a:prstGeom>
-            <a:noFill/>
-          </p:spPr>
-          <p:txBody>
-            <a:bodyPr wrap="square" rtlCol="0">
-              <a:spAutoFit/>
-            </a:bodyPr>
-            <a:lstStyle/>
-            <a:p>
-              <a:pPr algn="ctr"/>
-              <a:r>
-                <a:rPr lang="en-US" sz="2000" dirty="0">
+          </p:grpSpPr>
+          <p:sp>
+            <p:nvSpPr>
+              <p:cNvPr id="20" name="Rectangle 19">
+                <a:extLst>
+                  <a:ext uri="{FF2B5EF4-FFF2-40B4-BE49-F238E27FC236}">
+                    <a16:creationId xmlns:a16="http://schemas.microsoft.com/office/drawing/2014/main" id="{AFA5FAE9-4FDC-DAA8-3AE5-17A2AF4E45C9}"/>
+                  </a:ext>
+                </a:extLst>
+              </p:cNvPr>
+              <p:cNvSpPr/>
+              <p:nvPr/>
+            </p:nvSpPr>
+            <p:spPr>
+              <a:xfrm>
+                <a:off x="6789041" y="3143425"/>
+                <a:ext cx="1354003" cy="606354"/>
+              </a:xfrm>
+              <a:prstGeom prst="rect">
+                <a:avLst/>
+              </a:prstGeom>
+              <a:solidFill>
+                <a:schemeClr val="accent2">
+                  <a:lumMod val="40000"/>
+                  <a:lumOff val="60000"/>
+                </a:schemeClr>
+              </a:solidFill>
+              <a:ln w="38100">
+                <a:solidFill>
+                  <a:schemeClr val="accent2">
+                    <a:lumMod val="75000"/>
+                  </a:schemeClr>
+                </a:solidFill>
+              </a:ln>
+            </p:spPr>
+            <p:style>
+              <a:lnRef idx="2">
+                <a:schemeClr val="accent1">
+                  <a:shade val="15000"/>
+                </a:schemeClr>
+              </a:lnRef>
+              <a:fillRef idx="1">
+                <a:schemeClr val="accent1"/>
+              </a:fillRef>
+              <a:effectRef idx="0">
+                <a:schemeClr val="accent1"/>
+              </a:effectRef>
+              <a:fontRef idx="minor">
+                <a:schemeClr val="lt1"/>
+              </a:fontRef>
+            </p:style>
+            <p:txBody>
+              <a:bodyPr rtlCol="0" anchor="ctr"/>
+              <a:lstStyle/>
+              <a:p>
+                <a:pPr algn="ctr"/>
+                <a:r>
+                  <a:rPr lang="en-US" sz="1400" dirty="0">
+                    <a:solidFill>
+                      <a:schemeClr val="tx1"/>
+                    </a:solidFill>
+                    <a:latin typeface="Oracle Sans" panose="020B0503020204020204" pitchFamily="34" charset="0"/>
+                    <a:cs typeface="Oracle Sans" panose="020B0503020204020204" pitchFamily="34" charset="0"/>
+                  </a:rPr>
+                  <a:t>Application</a:t>
+                </a:r>
+              </a:p>
+            </p:txBody>
+          </p:sp>
+          <p:sp>
+            <p:nvSpPr>
+              <p:cNvPr id="21" name="Can 20">
+                <a:extLst>
+                  <a:ext uri="{FF2B5EF4-FFF2-40B4-BE49-F238E27FC236}">
+                    <a16:creationId xmlns:a16="http://schemas.microsoft.com/office/drawing/2014/main" id="{9545A5E3-5060-5399-F6CC-7FC03916C410}"/>
+                  </a:ext>
+                </a:extLst>
+              </p:cNvPr>
+              <p:cNvSpPr/>
+              <p:nvPr/>
+            </p:nvSpPr>
+            <p:spPr>
+              <a:xfrm>
+                <a:off x="7863643" y="3456246"/>
+                <a:ext cx="389603" cy="510542"/>
+              </a:xfrm>
+              <a:prstGeom prst="can">
+                <a:avLst/>
+              </a:prstGeom>
+            </p:spPr>
+            <p:style>
+              <a:lnRef idx="2">
+                <a:schemeClr val="accent1">
+                  <a:shade val="15000"/>
+                </a:schemeClr>
+              </a:lnRef>
+              <a:fillRef idx="1">
+                <a:schemeClr val="accent1"/>
+              </a:fillRef>
+              <a:effectRef idx="0">
+                <a:schemeClr val="accent1"/>
+              </a:effectRef>
+              <a:fontRef idx="minor">
+                <a:schemeClr val="lt1"/>
+              </a:fontRef>
+            </p:style>
+            <p:txBody>
+              <a:bodyPr rtlCol="0" anchor="ctr"/>
+              <a:lstStyle/>
+              <a:p>
+                <a:pPr algn="ctr"/>
+                <a:endParaRPr lang="en-US" sz="1400" dirty="0">
                   <a:latin typeface="Oracle Sans" panose="020B0503020204020204" pitchFamily="34" charset="0"/>
                   <a:cs typeface="Oracle Sans" panose="020B0503020204020204" pitchFamily="34" charset="0"/>
-                </a:rPr>
-                <a:t>AOT Cache</a:t>
-              </a:r>
-            </a:p>
-          </p:txBody>
-        </p:sp>
+                </a:endParaRPr>
+              </a:p>
+            </p:txBody>
+          </p:sp>
+          <p:sp>
+            <p:nvSpPr>
+              <p:cNvPr id="22" name="TextBox 21">
+                <a:extLst>
+                  <a:ext uri="{FF2B5EF4-FFF2-40B4-BE49-F238E27FC236}">
+                    <a16:creationId xmlns:a16="http://schemas.microsoft.com/office/drawing/2014/main" id="{D219D894-C62A-0E62-041F-A2DE3E3185A4}"/>
+                  </a:ext>
+                </a:extLst>
+              </p:cNvPr>
+              <p:cNvSpPr txBox="1"/>
+              <p:nvPr/>
+            </p:nvSpPr>
+            <p:spPr>
+              <a:xfrm>
+                <a:off x="7541136" y="3966788"/>
+                <a:ext cx="1004054" cy="403304"/>
+              </a:xfrm>
+              <a:prstGeom prst="rect">
+                <a:avLst/>
+              </a:prstGeom>
+              <a:noFill/>
+            </p:spPr>
+            <p:txBody>
+              <a:bodyPr wrap="square" rtlCol="0">
+                <a:spAutoFit/>
+              </a:bodyPr>
+              <a:lstStyle/>
+              <a:p>
+                <a:pPr algn="ctr"/>
+                <a:r>
+                  <a:rPr lang="en-US" sz="1400" dirty="0">
+                    <a:latin typeface="Oracle Sans" panose="020B0503020204020204" pitchFamily="34" charset="0"/>
+                    <a:cs typeface="Oracle Sans" panose="020B0503020204020204" pitchFamily="34" charset="0"/>
+                  </a:rPr>
+                  <a:t>AOT </a:t>
+                </a:r>
+              </a:p>
+              <a:p>
+                <a:pPr algn="ctr"/>
+                <a:r>
+                  <a:rPr lang="en-US" sz="1400" dirty="0">
+                    <a:latin typeface="Oracle Sans" panose="020B0503020204020204" pitchFamily="34" charset="0"/>
+                    <a:cs typeface="Oracle Sans" panose="020B0503020204020204" pitchFamily="34" charset="0"/>
+                  </a:rPr>
+                  <a:t>Cache</a:t>
+                </a:r>
+              </a:p>
+            </p:txBody>
+          </p:sp>
+        </p:grpSp>
       </p:grpSp>
-      <p:cxnSp>
-        <p:nvCxnSpPr>
-          <p:cNvPr id="30" name="Straight Arrow Connector 29">
-            <a:extLst>
-              <a:ext uri="{FF2B5EF4-FFF2-40B4-BE49-F238E27FC236}">
-                <a16:creationId xmlns:a16="http://schemas.microsoft.com/office/drawing/2014/main" id="{F36D7420-282A-BDE8-1109-945911F2F6B4}"/>
-              </a:ext>
-            </a:extLst>
-          </p:cNvPr>
-          <p:cNvCxnSpPr>
-            <a:cxnSpLocks/>
-          </p:cNvCxnSpPr>
-          <p:nvPr/>
-        </p:nvCxnSpPr>
-        <p:spPr>
-          <a:xfrm>
-            <a:off x="6929863" y="3252537"/>
-            <a:ext cx="567111" cy="1543325"/>
-          </a:xfrm>
-          <a:prstGeom prst="straightConnector1">
-            <a:avLst/>
-          </a:prstGeom>
-          <a:ln w="50800">
-            <a:solidFill>
-              <a:schemeClr val="accent2">
-                <a:lumMod val="75000"/>
-              </a:schemeClr>
-            </a:solidFill>
-            <a:tailEnd type="triangle"/>
-          </a:ln>
-        </p:spPr>
-        <p:style>
-          <a:lnRef idx="2">
-            <a:schemeClr val="accent1"/>
-          </a:lnRef>
-          <a:fillRef idx="0">
-            <a:schemeClr val="accent1"/>
-          </a:fillRef>
-          <a:effectRef idx="1">
-            <a:schemeClr val="accent1"/>
-          </a:effectRef>
-          <a:fontRef idx="minor">
-            <a:schemeClr val="tx1"/>
-          </a:fontRef>
-        </p:style>
-      </p:cxnSp>
     </p:spTree>
     <p:extLst>
       <p:ext uri="{BB962C8B-B14F-4D97-AF65-F5344CB8AC3E}">
-        <p14:creationId xmlns:p14="http://schemas.microsoft.com/office/powerpoint/2010/main" val="3635156180"/>
+        <p14:creationId xmlns:p14="http://schemas.microsoft.com/office/powerpoint/2010/main" val="1456214690"/>
       </p:ext>
     </p:extLst>
   </p:cSld>
@@ -6598,7 +8449,7 @@
 </p:sld>
 </file>
 
-<file path=ppt/slides/slide6.xml><?xml version="1.0" encoding="utf-8"?>
+<file path=ppt/slides/slide8.xml><?xml version="1.0" encoding="utf-8"?>
 <p:sld xmlns:a="http://schemas.openxmlformats.org/drawingml/2006/main" xmlns:r="http://schemas.openxmlformats.org/officeDocument/2006/relationships" xmlns:p="http://schemas.openxmlformats.org/presentationml/2006/main">
   <p:cSld>
     <p:spTree>
@@ -6621,76 +8472,6 @@
           <a:chExt cx="0" cy="0"/>
         </a:xfrm>
       </p:grpSpPr>
-      <p:sp>
-        <p:nvSpPr>
-          <p:cNvPr id="35" name="Rectangle 34">
-            <a:extLst>
-              <a:ext uri="{FF2B5EF4-FFF2-40B4-BE49-F238E27FC236}">
-                <a16:creationId xmlns:a16="http://schemas.microsoft.com/office/drawing/2014/main" id="{97D8FD0A-2DAD-33CA-5AAE-295E022A9E81}"/>
-              </a:ext>
-            </a:extLst>
-          </p:cNvPr>
-          <p:cNvSpPr/>
-          <p:nvPr/>
-        </p:nvSpPr>
-        <p:spPr>
-          <a:xfrm>
-            <a:off x="250171" y="874314"/>
-            <a:ext cx="8248922" cy="3942975"/>
-          </a:xfrm>
-          <a:prstGeom prst="rect">
-            <a:avLst/>
-          </a:prstGeom>
-          <a:solidFill>
-            <a:schemeClr val="accent2">
-              <a:lumMod val="40000"/>
-              <a:lumOff val="60000"/>
-              <a:alpha val="50000"/>
-            </a:schemeClr>
-          </a:solidFill>
-          <a:ln w="38100">
-            <a:solidFill>
-              <a:schemeClr val="accent2">
-                <a:lumMod val="75000"/>
-                <a:alpha val="50000"/>
-              </a:schemeClr>
-            </a:solidFill>
-          </a:ln>
-        </p:spPr>
-        <p:style>
-          <a:lnRef idx="2">
-            <a:schemeClr val="accent1">
-              <a:shade val="15000"/>
-            </a:schemeClr>
-          </a:lnRef>
-          <a:fillRef idx="1">
-            <a:schemeClr val="accent1"/>
-          </a:fillRef>
-          <a:effectRef idx="0">
-            <a:schemeClr val="accent1"/>
-          </a:effectRef>
-          <a:fontRef idx="minor">
-            <a:schemeClr val="lt1"/>
-          </a:fontRef>
-        </p:style>
-        <p:txBody>
-          <a:bodyPr rtlCol="0" anchor="t"/>
-          <a:lstStyle/>
-          <a:p>
-            <a:pPr algn="ctr"/>
-            <a:r>
-              <a:rPr lang="en-US" sz="2000" dirty="0">
-                <a:solidFill>
-                  <a:schemeClr val="tx1"/>
-                </a:solidFill>
-                <a:latin typeface="Oracle Sans" panose="020B0503020204020204" pitchFamily="34" charset="0"/>
-                <a:cs typeface="Oracle Sans" panose="020B0503020204020204" pitchFamily="34" charset="0"/>
-              </a:rPr>
-              <a:t>Canary Deployment?</a:t>
-            </a:r>
-          </a:p>
-        </p:txBody>
-      </p:sp>
       <p:sp>
         <p:nvSpPr>
           <p:cNvPr id="9" name="Rounded Rectangle 8">
@@ -6764,402 +8545,6 @@
               <a:latin typeface="Oracle Sans" panose="020B0503020204020204" pitchFamily="34" charset="0"/>
               <a:cs typeface="Oracle Sans" panose="020B0503020204020204" pitchFamily="34" charset="0"/>
             </a:endParaRPr>
-          </a:p>
-        </p:txBody>
-      </p:sp>
-      <p:sp>
-        <p:nvSpPr>
-          <p:cNvPr id="3" name="Rectangle 2">
-            <a:extLst>
-              <a:ext uri="{FF2B5EF4-FFF2-40B4-BE49-F238E27FC236}">
-                <a16:creationId xmlns:a16="http://schemas.microsoft.com/office/drawing/2014/main" id="{07FF0675-23BE-7CE1-FEFB-423317CABC30}"/>
-              </a:ext>
-            </a:extLst>
-          </p:cNvPr>
-          <p:cNvSpPr/>
-          <p:nvPr/>
-        </p:nvSpPr>
-        <p:spPr>
-          <a:xfrm>
-            <a:off x="367555" y="2373404"/>
-            <a:ext cx="3415552" cy="739589"/>
-          </a:xfrm>
-          <a:prstGeom prst="rect">
-            <a:avLst/>
-          </a:prstGeom>
-          <a:solidFill>
-            <a:schemeClr val="accent2">
-              <a:lumMod val="40000"/>
-              <a:lumOff val="60000"/>
-            </a:schemeClr>
-          </a:solidFill>
-          <a:ln w="38100">
-            <a:solidFill>
-              <a:schemeClr val="accent2">
-                <a:lumMod val="75000"/>
-              </a:schemeClr>
-            </a:solidFill>
-          </a:ln>
-        </p:spPr>
-        <p:style>
-          <a:lnRef idx="2">
-            <a:schemeClr val="accent1">
-              <a:shade val="15000"/>
-            </a:schemeClr>
-          </a:lnRef>
-          <a:fillRef idx="1">
-            <a:schemeClr val="accent1"/>
-          </a:fillRef>
-          <a:effectRef idx="0">
-            <a:schemeClr val="accent1"/>
-          </a:effectRef>
-          <a:fontRef idx="minor">
-            <a:schemeClr val="lt1"/>
-          </a:fontRef>
-        </p:style>
-        <p:txBody>
-          <a:bodyPr rtlCol="0" anchor="ctr"/>
-          <a:lstStyle/>
-          <a:p>
-            <a:pPr algn="ctr"/>
-            <a:r>
-              <a:rPr lang="en-US" sz="2000" dirty="0">
-                <a:solidFill>
-                  <a:schemeClr val="tx1"/>
-                </a:solidFill>
-                <a:latin typeface="Oracle Sans" panose="020B0503020204020204" pitchFamily="34" charset="0"/>
-                <a:cs typeface="Oracle Sans" panose="020B0503020204020204" pitchFamily="34" charset="0"/>
-              </a:rPr>
-              <a:t>Training Run</a:t>
-            </a:r>
-          </a:p>
-        </p:txBody>
-      </p:sp>
-      <p:sp>
-        <p:nvSpPr>
-          <p:cNvPr id="4" name="Rectangle 3">
-            <a:extLst>
-              <a:ext uri="{FF2B5EF4-FFF2-40B4-BE49-F238E27FC236}">
-                <a16:creationId xmlns:a16="http://schemas.microsoft.com/office/drawing/2014/main" id="{51FC83B0-BB75-2367-B361-E64A149D0378}"/>
-              </a:ext>
-            </a:extLst>
-          </p:cNvPr>
-          <p:cNvSpPr/>
-          <p:nvPr/>
-        </p:nvSpPr>
-        <p:spPr>
-          <a:xfrm>
-            <a:off x="5033683" y="2373404"/>
-            <a:ext cx="2442883" cy="739589"/>
-          </a:xfrm>
-          <a:prstGeom prst="rect">
-            <a:avLst/>
-          </a:prstGeom>
-          <a:solidFill>
-            <a:schemeClr val="accent2">
-              <a:lumMod val="40000"/>
-              <a:lumOff val="60000"/>
-            </a:schemeClr>
-          </a:solidFill>
-          <a:ln w="38100">
-            <a:solidFill>
-              <a:schemeClr val="accent2">
-                <a:lumMod val="75000"/>
-              </a:schemeClr>
-            </a:solidFill>
-            <a:prstDash val="dash"/>
-          </a:ln>
-        </p:spPr>
-        <p:style>
-          <a:lnRef idx="2">
-            <a:schemeClr val="accent1">
-              <a:shade val="15000"/>
-            </a:schemeClr>
-          </a:lnRef>
-          <a:fillRef idx="1">
-            <a:schemeClr val="accent1"/>
-          </a:fillRef>
-          <a:effectRef idx="0">
-            <a:schemeClr val="accent1"/>
-          </a:effectRef>
-          <a:fontRef idx="minor">
-            <a:schemeClr val="lt1"/>
-          </a:fontRef>
-        </p:style>
-        <p:txBody>
-          <a:bodyPr rtlCol="0" anchor="ctr"/>
-          <a:lstStyle/>
-          <a:p>
-            <a:pPr algn="ctr"/>
-            <a:r>
-              <a:rPr lang="en-US" sz="2000" dirty="0">
-                <a:solidFill>
-                  <a:schemeClr val="tx1"/>
-                </a:solidFill>
-                <a:latin typeface="Oracle Sans" panose="020B0503020204020204" pitchFamily="34" charset="0"/>
-                <a:cs typeface="Oracle Sans" panose="020B0503020204020204" pitchFamily="34" charset="0"/>
-              </a:rPr>
-              <a:t>Assembly Phase</a:t>
-            </a:r>
-          </a:p>
-        </p:txBody>
-      </p:sp>
-      <p:cxnSp>
-        <p:nvCxnSpPr>
-          <p:cNvPr id="7" name="Straight Connector 6">
-            <a:extLst>
-              <a:ext uri="{FF2B5EF4-FFF2-40B4-BE49-F238E27FC236}">
-                <a16:creationId xmlns:a16="http://schemas.microsoft.com/office/drawing/2014/main" id="{9078D6A0-0F8F-FA4F-89DC-FFD8A320E826}"/>
-              </a:ext>
-            </a:extLst>
-          </p:cNvPr>
-          <p:cNvCxnSpPr>
-            <a:cxnSpLocks/>
-          </p:cNvCxnSpPr>
-          <p:nvPr/>
-        </p:nvCxnSpPr>
-        <p:spPr>
-          <a:xfrm>
-            <a:off x="8101854" y="1600200"/>
-            <a:ext cx="0" cy="2205318"/>
-          </a:xfrm>
-          <a:prstGeom prst="line">
-            <a:avLst/>
-          </a:prstGeom>
-          <a:ln w="76200">
-            <a:solidFill>
-              <a:schemeClr val="accent2">
-                <a:lumMod val="75000"/>
-              </a:schemeClr>
-            </a:solidFill>
-          </a:ln>
-        </p:spPr>
-        <p:style>
-          <a:lnRef idx="2">
-            <a:schemeClr val="accent1"/>
-          </a:lnRef>
-          <a:fillRef idx="0">
-            <a:schemeClr val="accent1"/>
-          </a:fillRef>
-          <a:effectRef idx="1">
-            <a:schemeClr val="accent1"/>
-          </a:effectRef>
-          <a:fontRef idx="minor">
-            <a:schemeClr val="tx1"/>
-          </a:fontRef>
-        </p:style>
-      </p:cxnSp>
-      <p:cxnSp>
-        <p:nvCxnSpPr>
-          <p:cNvPr id="8" name="Straight Connector 7">
-            <a:extLst>
-              <a:ext uri="{FF2B5EF4-FFF2-40B4-BE49-F238E27FC236}">
-                <a16:creationId xmlns:a16="http://schemas.microsoft.com/office/drawing/2014/main" id="{45028C17-C863-CA52-ADEE-9C1722E26B47}"/>
-              </a:ext>
-            </a:extLst>
-          </p:cNvPr>
-          <p:cNvCxnSpPr>
-            <a:cxnSpLocks/>
-          </p:cNvCxnSpPr>
-          <p:nvPr/>
-        </p:nvCxnSpPr>
-        <p:spPr>
-          <a:xfrm>
-            <a:off x="4408395" y="1640539"/>
-            <a:ext cx="0" cy="2205318"/>
-          </a:xfrm>
-          <a:prstGeom prst="line">
-            <a:avLst/>
-          </a:prstGeom>
-          <a:ln w="76200">
-            <a:solidFill>
-              <a:schemeClr val="accent2">
-                <a:lumMod val="75000"/>
-              </a:schemeClr>
-            </a:solidFill>
-            <a:prstDash val="dash"/>
-          </a:ln>
-        </p:spPr>
-        <p:style>
-          <a:lnRef idx="2">
-            <a:schemeClr val="accent1"/>
-          </a:lnRef>
-          <a:fillRef idx="0">
-            <a:schemeClr val="accent1"/>
-          </a:fillRef>
-          <a:effectRef idx="1">
-            <a:schemeClr val="accent1"/>
-          </a:effectRef>
-          <a:fontRef idx="minor">
-            <a:schemeClr val="tx1"/>
-          </a:fontRef>
-        </p:style>
-      </p:cxnSp>
-      <p:sp>
-        <p:nvSpPr>
-          <p:cNvPr id="17" name="TextBox 16">
-            <a:extLst>
-              <a:ext uri="{FF2B5EF4-FFF2-40B4-BE49-F238E27FC236}">
-                <a16:creationId xmlns:a16="http://schemas.microsoft.com/office/drawing/2014/main" id="{5F0BEDA4-E520-80AB-B710-6034ED5CCB7E}"/>
-              </a:ext>
-            </a:extLst>
-          </p:cNvPr>
-          <p:cNvSpPr txBox="1"/>
-          <p:nvPr/>
-        </p:nvSpPr>
-        <p:spPr>
-          <a:xfrm>
-            <a:off x="250171" y="3436102"/>
-            <a:ext cx="3735482" cy="400110"/>
-          </a:xfrm>
-          <a:prstGeom prst="rect">
-            <a:avLst/>
-          </a:prstGeom>
-          <a:noFill/>
-        </p:spPr>
-        <p:txBody>
-          <a:bodyPr wrap="square">
-            <a:spAutoFit/>
-          </a:bodyPr>
-          <a:lstStyle/>
-          <a:p>
-            <a:pPr algn="ctr"/>
-            <a:r>
-              <a:rPr lang="en-US" sz="2000" dirty="0">
-                <a:latin typeface="Oracle Sans" panose="020B0503020204020204" pitchFamily="34" charset="0"/>
-                <a:cs typeface="Oracle Sans" panose="020B0503020204020204" pitchFamily="34" charset="0"/>
-              </a:rPr>
-              <a:t>$java -</a:t>
-            </a:r>
-            <a:r>
-              <a:rPr lang="en-US" sz="2000" dirty="0" err="1">
-                <a:latin typeface="Oracle Sans" panose="020B0503020204020204" pitchFamily="34" charset="0"/>
-                <a:cs typeface="Oracle Sans" panose="020B0503020204020204" pitchFamily="34" charset="0"/>
-              </a:rPr>
-              <a:t>XX:AOTMode</a:t>
-            </a:r>
-            <a:r>
-              <a:rPr lang="en-US" sz="2000" dirty="0">
-                <a:latin typeface="Oracle Sans" panose="020B0503020204020204" pitchFamily="34" charset="0"/>
-                <a:cs typeface="Oracle Sans" panose="020B0503020204020204" pitchFamily="34" charset="0"/>
-              </a:rPr>
-              <a:t>=record</a:t>
-            </a:r>
-          </a:p>
-        </p:txBody>
-      </p:sp>
-      <p:sp>
-        <p:nvSpPr>
-          <p:cNvPr id="20" name="TextBox 19">
-            <a:extLst>
-              <a:ext uri="{FF2B5EF4-FFF2-40B4-BE49-F238E27FC236}">
-                <a16:creationId xmlns:a16="http://schemas.microsoft.com/office/drawing/2014/main" id="{96C69E5B-BDC7-D213-9CC8-FCEE151F518E}"/>
-              </a:ext>
-            </a:extLst>
-          </p:cNvPr>
-          <p:cNvSpPr txBox="1"/>
-          <p:nvPr/>
-        </p:nvSpPr>
-        <p:spPr>
-          <a:xfrm>
-            <a:off x="1339675" y="4417179"/>
-            <a:ext cx="6098240" cy="400110"/>
-          </a:xfrm>
-          <a:prstGeom prst="rect">
-            <a:avLst/>
-          </a:prstGeom>
-          <a:noFill/>
-        </p:spPr>
-        <p:txBody>
-          <a:bodyPr wrap="square">
-            <a:spAutoFit/>
-          </a:bodyPr>
-          <a:lstStyle/>
-          <a:p>
-            <a:pPr algn="ctr"/>
-            <a:r>
-              <a:rPr lang="en-US" sz="2000" dirty="0">
-                <a:latin typeface="Oracle Sans" panose="020B0503020204020204" pitchFamily="34" charset="0"/>
-                <a:cs typeface="Oracle Sans" panose="020B0503020204020204" pitchFamily="34" charset="0"/>
-              </a:rPr>
-              <a:t>$ java -</a:t>
-            </a:r>
-            <a:r>
-              <a:rPr lang="en-US" sz="2000" dirty="0" err="1">
-                <a:latin typeface="Oracle Sans" panose="020B0503020204020204" pitchFamily="34" charset="0"/>
-                <a:cs typeface="Oracle Sans" panose="020B0503020204020204" pitchFamily="34" charset="0"/>
-              </a:rPr>
-              <a:t>XX:AOTCacheOutput</a:t>
-            </a:r>
-            <a:r>
-              <a:rPr lang="en-US" sz="2000" dirty="0">
-                <a:latin typeface="Oracle Sans" panose="020B0503020204020204" pitchFamily="34" charset="0"/>
-                <a:cs typeface="Oracle Sans" panose="020B0503020204020204" pitchFamily="34" charset="0"/>
-              </a:rPr>
-              <a:t>=</a:t>
-            </a:r>
-            <a:r>
-              <a:rPr lang="en-US" sz="2000" dirty="0" err="1">
-                <a:latin typeface="Oracle Sans" panose="020B0503020204020204" pitchFamily="34" charset="0"/>
-                <a:cs typeface="Oracle Sans" panose="020B0503020204020204" pitchFamily="34" charset="0"/>
-              </a:rPr>
-              <a:t>app.aot</a:t>
-            </a:r>
-            <a:endParaRPr lang="en-US" sz="2000" dirty="0">
-              <a:latin typeface="Oracle Sans" panose="020B0503020204020204" pitchFamily="34" charset="0"/>
-              <a:cs typeface="Oracle Sans" panose="020B0503020204020204" pitchFamily="34" charset="0"/>
-            </a:endParaRPr>
-          </a:p>
-        </p:txBody>
-      </p:sp>
-      <p:sp>
-        <p:nvSpPr>
-          <p:cNvPr id="21" name="Left Brace 20">
-            <a:extLst>
-              <a:ext uri="{FF2B5EF4-FFF2-40B4-BE49-F238E27FC236}">
-                <a16:creationId xmlns:a16="http://schemas.microsoft.com/office/drawing/2014/main" id="{830F2DAB-D08F-C256-EC15-89D4B63F04EA}"/>
-              </a:ext>
-            </a:extLst>
-          </p:cNvPr>
-          <p:cNvSpPr/>
-          <p:nvPr/>
-        </p:nvSpPr>
-        <p:spPr>
-          <a:xfrm rot="16200000">
-            <a:off x="4012828" y="332654"/>
-            <a:ext cx="443753" cy="7734294"/>
-          </a:xfrm>
-          <a:prstGeom prst="leftBrace">
-            <a:avLst/>
-          </a:prstGeom>
-          <a:ln w="76200">
-            <a:solidFill>
-              <a:schemeClr val="accent2">
-                <a:lumMod val="75000"/>
-              </a:schemeClr>
-            </a:solidFill>
-          </a:ln>
-        </p:spPr>
-        <p:style>
-          <a:lnRef idx="2">
-            <a:schemeClr val="accent1"/>
-          </a:lnRef>
-          <a:fillRef idx="0">
-            <a:schemeClr val="accent1"/>
-          </a:fillRef>
-          <a:effectRef idx="1">
-            <a:schemeClr val="accent1"/>
-          </a:effectRef>
-          <a:fontRef idx="minor">
-            <a:schemeClr val="tx1"/>
-          </a:fontRef>
-        </p:style>
-        <p:txBody>
-          <a:bodyPr rtlCol="0" anchor="ctr"/>
-          <a:lstStyle/>
-          <a:p>
-            <a:pPr algn="ctr"/>
-            <a:endParaRPr lang="en-US"/>
           </a:p>
         </p:txBody>
       </p:sp>
@@ -7274,67 +8659,23 @@
       </p:grpSp>
       <p:cxnSp>
         <p:nvCxnSpPr>
-          <p:cNvPr id="30" name="Straight Arrow Connector 29">
-            <a:extLst>
-              <a:ext uri="{FF2B5EF4-FFF2-40B4-BE49-F238E27FC236}">
-                <a16:creationId xmlns:a16="http://schemas.microsoft.com/office/drawing/2014/main" id="{CD42F9DB-3EFA-47C4-B367-03E59713DF68}"/>
+          <p:cNvPr id="12" name="Straight Arrow Connector 11">
+            <a:extLst>
+              <a:ext uri="{FF2B5EF4-FFF2-40B4-BE49-F238E27FC236}">
+                <a16:creationId xmlns:a16="http://schemas.microsoft.com/office/drawing/2014/main" id="{0956B326-C757-DAE1-922F-A5CA36E38EDA}"/>
               </a:ext>
             </a:extLst>
           </p:cNvPr>
           <p:cNvCxnSpPr>
             <a:cxnSpLocks/>
-            <a:endCxn id="10" idx="2"/>
+            <a:stCxn id="85" idx="2"/>
           </p:cNvCxnSpPr>
           <p:nvPr/>
         </p:nvCxnSpPr>
         <p:spPr>
           <a:xfrm>
-            <a:off x="6929863" y="3252537"/>
-            <a:ext cx="3786339" cy="2227722"/>
-          </a:xfrm>
-          <a:prstGeom prst="straightConnector1">
-            <a:avLst/>
-          </a:prstGeom>
-          <a:ln w="50800">
-            <a:solidFill>
-              <a:schemeClr val="accent2">
-                <a:lumMod val="75000"/>
-              </a:schemeClr>
-            </a:solidFill>
-            <a:tailEnd type="triangle"/>
-          </a:ln>
-        </p:spPr>
-        <p:style>
-          <a:lnRef idx="2">
-            <a:schemeClr val="accent1"/>
-          </a:lnRef>
-          <a:fillRef idx="0">
-            <a:schemeClr val="accent1"/>
-          </a:fillRef>
-          <a:effectRef idx="1">
-            <a:schemeClr val="accent1"/>
-          </a:effectRef>
-          <a:fontRef idx="minor">
-            <a:schemeClr val="tx1"/>
-          </a:fontRef>
-        </p:style>
-      </p:cxnSp>
-      <p:cxnSp>
-        <p:nvCxnSpPr>
-          <p:cNvPr id="12" name="Straight Arrow Connector 11">
-            <a:extLst>
-              <a:ext uri="{FF2B5EF4-FFF2-40B4-BE49-F238E27FC236}">
-                <a16:creationId xmlns:a16="http://schemas.microsoft.com/office/drawing/2014/main" id="{0956B326-C757-DAE1-922F-A5CA36E38EDA}"/>
-              </a:ext>
-            </a:extLst>
-          </p:cNvPr>
-          <p:cNvCxnSpPr/>
-          <p:nvPr/>
-        </p:nvCxnSpPr>
-        <p:spPr>
-          <a:xfrm>
-            <a:off x="8969188" y="1983698"/>
-            <a:ext cx="1236026" cy="3045506"/>
+            <a:off x="2673966" y="3928734"/>
+            <a:ext cx="7531248" cy="1100470"/>
           </a:xfrm>
           <a:prstGeom prst="straightConnector1">
             <a:avLst/>
@@ -7379,8 +8720,8 @@
         </p:nvCxnSpPr>
         <p:spPr>
           <a:xfrm>
-            <a:off x="9925790" y="3182426"/>
-            <a:ext cx="749519" cy="1846778"/>
+            <a:off x="6170040" y="3928734"/>
+            <a:ext cx="4584773" cy="1100470"/>
           </a:xfrm>
           <a:prstGeom prst="straightConnector1">
             <a:avLst/>
@@ -7420,13 +8761,14 @@
           </p:cNvPr>
           <p:cNvCxnSpPr>
             <a:cxnSpLocks/>
+            <a:stCxn id="94" idx="2"/>
           </p:cNvCxnSpPr>
           <p:nvPr/>
         </p:nvCxnSpPr>
         <p:spPr>
           <a:xfrm>
-            <a:off x="10869079" y="4382925"/>
-            <a:ext cx="262294" cy="646279"/>
+            <a:off x="9484023" y="3928734"/>
+            <a:ext cx="1647350" cy="1100470"/>
           </a:xfrm>
           <a:prstGeom prst="straightConnector1">
             <a:avLst/>
@@ -7455,12 +8797,539 @@
           </a:fontRef>
         </p:style>
       </p:cxnSp>
+      <p:grpSp>
+        <p:nvGrpSpPr>
+          <p:cNvPr id="84" name="Group 83">
+            <a:extLst>
+              <a:ext uri="{FF2B5EF4-FFF2-40B4-BE49-F238E27FC236}">
+                <a16:creationId xmlns:a16="http://schemas.microsoft.com/office/drawing/2014/main" id="{547CAB35-E024-C0AF-3EBE-B78E2D3D3916}"/>
+              </a:ext>
+            </a:extLst>
+          </p:cNvPr>
+          <p:cNvGrpSpPr/>
+          <p:nvPr/>
+        </p:nvGrpSpPr>
+        <p:grpSpPr>
+          <a:xfrm>
+            <a:off x="1516691" y="1767617"/>
+            <a:ext cx="2314549" cy="2161117"/>
+            <a:chOff x="6656823" y="2704426"/>
+            <a:chExt cx="1784081" cy="1665814"/>
+          </a:xfrm>
+        </p:grpSpPr>
+        <p:sp>
+          <p:nvSpPr>
+            <p:cNvPr id="85" name="Rounded Rectangle 84">
+              <a:extLst>
+                <a:ext uri="{FF2B5EF4-FFF2-40B4-BE49-F238E27FC236}">
+                  <a16:creationId xmlns:a16="http://schemas.microsoft.com/office/drawing/2014/main" id="{FAA1D18F-0388-B326-8A93-673ACB616045}"/>
+                </a:ext>
+              </a:extLst>
+            </p:cNvPr>
+            <p:cNvSpPr/>
+            <p:nvPr/>
+          </p:nvSpPr>
+          <p:spPr>
+            <a:xfrm>
+              <a:off x="6656823" y="2704426"/>
+              <a:ext cx="1784081" cy="1665814"/>
+            </a:xfrm>
+            <a:prstGeom prst="roundRect">
+              <a:avLst/>
+            </a:prstGeom>
+            <a:solidFill>
+              <a:schemeClr val="accent5">
+                <a:lumMod val="20000"/>
+                <a:lumOff val="80000"/>
+              </a:schemeClr>
+            </a:solidFill>
+            <a:ln w="38100">
+              <a:solidFill>
+                <a:schemeClr val="accent5">
+                  <a:lumMod val="75000"/>
+                </a:schemeClr>
+              </a:solidFill>
+            </a:ln>
+          </p:spPr>
+          <p:style>
+            <a:lnRef idx="2">
+              <a:schemeClr val="accent1">
+                <a:shade val="15000"/>
+              </a:schemeClr>
+            </a:lnRef>
+            <a:fillRef idx="1">
+              <a:schemeClr val="accent1"/>
+            </a:fillRef>
+            <a:effectRef idx="0">
+              <a:schemeClr val="accent1"/>
+            </a:effectRef>
+            <a:fontRef idx="minor">
+              <a:schemeClr val="lt1"/>
+            </a:fontRef>
+          </p:style>
+          <p:txBody>
+            <a:bodyPr rtlCol="0" anchor="ctr"/>
+            <a:lstStyle/>
+            <a:p>
+              <a:pPr algn="ctr"/>
+              <a:endParaRPr lang="en-US"/>
+            </a:p>
+          </p:txBody>
+        </p:sp>
+        <p:sp>
+          <p:nvSpPr>
+            <p:cNvPr id="87" name="Rectangle 86">
+              <a:extLst>
+                <a:ext uri="{FF2B5EF4-FFF2-40B4-BE49-F238E27FC236}">
+                  <a16:creationId xmlns:a16="http://schemas.microsoft.com/office/drawing/2014/main" id="{DBCBC0D1-0423-1F51-85DA-68A03E6D228D}"/>
+                </a:ext>
+              </a:extLst>
+            </p:cNvPr>
+            <p:cNvSpPr/>
+            <p:nvPr/>
+          </p:nvSpPr>
+          <p:spPr>
+            <a:xfrm>
+              <a:off x="6871861" y="3234155"/>
+              <a:ext cx="1354003" cy="606354"/>
+            </a:xfrm>
+            <a:prstGeom prst="rect">
+              <a:avLst/>
+            </a:prstGeom>
+            <a:solidFill>
+              <a:schemeClr val="accent2">
+                <a:lumMod val="40000"/>
+                <a:lumOff val="60000"/>
+              </a:schemeClr>
+            </a:solidFill>
+            <a:ln w="38100">
+              <a:solidFill>
+                <a:schemeClr val="accent2">
+                  <a:lumMod val="75000"/>
+                </a:schemeClr>
+              </a:solidFill>
+            </a:ln>
+          </p:spPr>
+          <p:style>
+            <a:lnRef idx="2">
+              <a:schemeClr val="accent1">
+                <a:shade val="15000"/>
+              </a:schemeClr>
+            </a:lnRef>
+            <a:fillRef idx="1">
+              <a:schemeClr val="accent1"/>
+            </a:fillRef>
+            <a:effectRef idx="0">
+              <a:schemeClr val="accent1"/>
+            </a:effectRef>
+            <a:fontRef idx="minor">
+              <a:schemeClr val="lt1"/>
+            </a:fontRef>
+          </p:style>
+          <p:txBody>
+            <a:bodyPr rtlCol="0" anchor="ctr"/>
+            <a:lstStyle/>
+            <a:p>
+              <a:pPr algn="ctr"/>
+              <a:r>
+                <a:rPr lang="en-US" sz="1400" dirty="0">
+                  <a:solidFill>
+                    <a:schemeClr val="tx1"/>
+                  </a:solidFill>
+                  <a:latin typeface="Oracle Sans" panose="020B0503020204020204" pitchFamily="34" charset="0"/>
+                  <a:cs typeface="Oracle Sans" panose="020B0503020204020204" pitchFamily="34" charset="0"/>
+                </a:rPr>
+                <a:t>Application</a:t>
+              </a:r>
+            </a:p>
+          </p:txBody>
+        </p:sp>
+      </p:grpSp>
+      <p:grpSp>
+        <p:nvGrpSpPr>
+          <p:cNvPr id="90" name="Group 89">
+            <a:extLst>
+              <a:ext uri="{FF2B5EF4-FFF2-40B4-BE49-F238E27FC236}">
+                <a16:creationId xmlns:a16="http://schemas.microsoft.com/office/drawing/2014/main" id="{349576A7-D60A-2D85-076A-CA3347F600CD}"/>
+              </a:ext>
+            </a:extLst>
+          </p:cNvPr>
+          <p:cNvGrpSpPr/>
+          <p:nvPr/>
+        </p:nvGrpSpPr>
+        <p:grpSpPr>
+          <a:xfrm>
+            <a:off x="4933261" y="1767617"/>
+            <a:ext cx="2314549" cy="2161117"/>
+            <a:chOff x="6656823" y="2704426"/>
+            <a:chExt cx="1784081" cy="1665814"/>
+          </a:xfrm>
+        </p:grpSpPr>
+        <p:sp>
+          <p:nvSpPr>
+            <p:cNvPr id="91" name="Rounded Rectangle 90">
+              <a:extLst>
+                <a:ext uri="{FF2B5EF4-FFF2-40B4-BE49-F238E27FC236}">
+                  <a16:creationId xmlns:a16="http://schemas.microsoft.com/office/drawing/2014/main" id="{3D0C82F9-AF53-1EE0-20A9-8620C28FF97E}"/>
+                </a:ext>
+              </a:extLst>
+            </p:cNvPr>
+            <p:cNvSpPr/>
+            <p:nvPr/>
+          </p:nvSpPr>
+          <p:spPr>
+            <a:xfrm>
+              <a:off x="6656823" y="2704426"/>
+              <a:ext cx="1784081" cy="1665814"/>
+            </a:xfrm>
+            <a:prstGeom prst="roundRect">
+              <a:avLst/>
+            </a:prstGeom>
+            <a:solidFill>
+              <a:schemeClr val="accent5">
+                <a:lumMod val="20000"/>
+                <a:lumOff val="80000"/>
+              </a:schemeClr>
+            </a:solidFill>
+            <a:ln w="38100">
+              <a:solidFill>
+                <a:schemeClr val="accent5">
+                  <a:lumMod val="75000"/>
+                </a:schemeClr>
+              </a:solidFill>
+            </a:ln>
+          </p:spPr>
+          <p:style>
+            <a:lnRef idx="2">
+              <a:schemeClr val="accent1">
+                <a:shade val="15000"/>
+              </a:schemeClr>
+            </a:lnRef>
+            <a:fillRef idx="1">
+              <a:schemeClr val="accent1"/>
+            </a:fillRef>
+            <a:effectRef idx="0">
+              <a:schemeClr val="accent1"/>
+            </a:effectRef>
+            <a:fontRef idx="minor">
+              <a:schemeClr val="lt1"/>
+            </a:fontRef>
+          </p:style>
+          <p:txBody>
+            <a:bodyPr rtlCol="0" anchor="ctr"/>
+            <a:lstStyle/>
+            <a:p>
+              <a:pPr algn="ctr"/>
+              <a:endParaRPr lang="en-US"/>
+            </a:p>
+          </p:txBody>
+        </p:sp>
+        <p:sp>
+          <p:nvSpPr>
+            <p:cNvPr id="92" name="Rectangle 91">
+              <a:extLst>
+                <a:ext uri="{FF2B5EF4-FFF2-40B4-BE49-F238E27FC236}">
+                  <a16:creationId xmlns:a16="http://schemas.microsoft.com/office/drawing/2014/main" id="{884E36AB-3297-6A6A-D71F-AC4E9E2BFB88}"/>
+                </a:ext>
+              </a:extLst>
+            </p:cNvPr>
+            <p:cNvSpPr/>
+            <p:nvPr/>
+          </p:nvSpPr>
+          <p:spPr>
+            <a:xfrm>
+              <a:off x="6871861" y="3234155"/>
+              <a:ext cx="1354003" cy="606354"/>
+            </a:xfrm>
+            <a:prstGeom prst="rect">
+              <a:avLst/>
+            </a:prstGeom>
+            <a:solidFill>
+              <a:schemeClr val="accent2">
+                <a:lumMod val="40000"/>
+                <a:lumOff val="60000"/>
+              </a:schemeClr>
+            </a:solidFill>
+            <a:ln w="38100">
+              <a:solidFill>
+                <a:schemeClr val="accent2">
+                  <a:lumMod val="75000"/>
+                </a:schemeClr>
+              </a:solidFill>
+            </a:ln>
+          </p:spPr>
+          <p:style>
+            <a:lnRef idx="2">
+              <a:schemeClr val="accent1">
+                <a:shade val="15000"/>
+              </a:schemeClr>
+            </a:lnRef>
+            <a:fillRef idx="1">
+              <a:schemeClr val="accent1"/>
+            </a:fillRef>
+            <a:effectRef idx="0">
+              <a:schemeClr val="accent1"/>
+            </a:effectRef>
+            <a:fontRef idx="minor">
+              <a:schemeClr val="lt1"/>
+            </a:fontRef>
+          </p:style>
+          <p:txBody>
+            <a:bodyPr rtlCol="0" anchor="ctr"/>
+            <a:lstStyle/>
+            <a:p>
+              <a:pPr algn="ctr"/>
+              <a:r>
+                <a:rPr lang="en-US" sz="1400" dirty="0">
+                  <a:solidFill>
+                    <a:schemeClr val="tx1"/>
+                  </a:solidFill>
+                  <a:latin typeface="Oracle Sans" panose="020B0503020204020204" pitchFamily="34" charset="0"/>
+                  <a:cs typeface="Oracle Sans" panose="020B0503020204020204" pitchFamily="34" charset="0"/>
+                </a:rPr>
+                <a:t>Application</a:t>
+              </a:r>
+            </a:p>
+          </p:txBody>
+        </p:sp>
+      </p:grpSp>
+      <p:grpSp>
+        <p:nvGrpSpPr>
+          <p:cNvPr id="93" name="Group 92">
+            <a:extLst>
+              <a:ext uri="{FF2B5EF4-FFF2-40B4-BE49-F238E27FC236}">
+                <a16:creationId xmlns:a16="http://schemas.microsoft.com/office/drawing/2014/main" id="{4BD98E3A-F046-9975-42BB-37404DCD3C21}"/>
+              </a:ext>
+            </a:extLst>
+          </p:cNvPr>
+          <p:cNvGrpSpPr/>
+          <p:nvPr/>
+        </p:nvGrpSpPr>
+        <p:grpSpPr>
+          <a:xfrm>
+            <a:off x="8326748" y="1767617"/>
+            <a:ext cx="2314549" cy="2161117"/>
+            <a:chOff x="6656823" y="2704426"/>
+            <a:chExt cx="1784081" cy="1665814"/>
+          </a:xfrm>
+        </p:grpSpPr>
+        <p:sp>
+          <p:nvSpPr>
+            <p:cNvPr id="94" name="Rounded Rectangle 93">
+              <a:extLst>
+                <a:ext uri="{FF2B5EF4-FFF2-40B4-BE49-F238E27FC236}">
+                  <a16:creationId xmlns:a16="http://schemas.microsoft.com/office/drawing/2014/main" id="{ECB41873-B0ED-7669-5578-62D41B5CB1D4}"/>
+                </a:ext>
+              </a:extLst>
+            </p:cNvPr>
+            <p:cNvSpPr/>
+            <p:nvPr/>
+          </p:nvSpPr>
+          <p:spPr>
+            <a:xfrm>
+              <a:off x="6656823" y="2704426"/>
+              <a:ext cx="1784081" cy="1665814"/>
+            </a:xfrm>
+            <a:prstGeom prst="roundRect">
+              <a:avLst/>
+            </a:prstGeom>
+            <a:solidFill>
+              <a:schemeClr val="accent5">
+                <a:lumMod val="20000"/>
+                <a:lumOff val="80000"/>
+              </a:schemeClr>
+            </a:solidFill>
+            <a:ln w="38100">
+              <a:solidFill>
+                <a:schemeClr val="accent5">
+                  <a:lumMod val="75000"/>
+                </a:schemeClr>
+              </a:solidFill>
+            </a:ln>
+          </p:spPr>
+          <p:style>
+            <a:lnRef idx="2">
+              <a:schemeClr val="accent1">
+                <a:shade val="15000"/>
+              </a:schemeClr>
+            </a:lnRef>
+            <a:fillRef idx="1">
+              <a:schemeClr val="accent1"/>
+            </a:fillRef>
+            <a:effectRef idx="0">
+              <a:schemeClr val="accent1"/>
+            </a:effectRef>
+            <a:fontRef idx="minor">
+              <a:schemeClr val="lt1"/>
+            </a:fontRef>
+          </p:style>
+          <p:txBody>
+            <a:bodyPr rtlCol="0" anchor="ctr"/>
+            <a:lstStyle/>
+            <a:p>
+              <a:pPr algn="ctr"/>
+              <a:endParaRPr lang="en-US"/>
+            </a:p>
+          </p:txBody>
+        </p:sp>
+        <p:sp>
+          <p:nvSpPr>
+            <p:cNvPr id="95" name="Rectangle 94">
+              <a:extLst>
+                <a:ext uri="{FF2B5EF4-FFF2-40B4-BE49-F238E27FC236}">
+                  <a16:creationId xmlns:a16="http://schemas.microsoft.com/office/drawing/2014/main" id="{FD23C671-225F-AE54-A141-58011AEAF705}"/>
+                </a:ext>
+              </a:extLst>
+            </p:cNvPr>
+            <p:cNvSpPr/>
+            <p:nvPr/>
+          </p:nvSpPr>
+          <p:spPr>
+            <a:xfrm>
+              <a:off x="6871861" y="3234155"/>
+              <a:ext cx="1354003" cy="606354"/>
+            </a:xfrm>
+            <a:prstGeom prst="rect">
+              <a:avLst/>
+            </a:prstGeom>
+            <a:solidFill>
+              <a:schemeClr val="accent2">
+                <a:lumMod val="40000"/>
+                <a:lumOff val="60000"/>
+              </a:schemeClr>
+            </a:solidFill>
+            <a:ln w="38100">
+              <a:solidFill>
+                <a:schemeClr val="accent2">
+                  <a:lumMod val="75000"/>
+                </a:schemeClr>
+              </a:solidFill>
+            </a:ln>
+          </p:spPr>
+          <p:style>
+            <a:lnRef idx="2">
+              <a:schemeClr val="accent1">
+                <a:shade val="15000"/>
+              </a:schemeClr>
+            </a:lnRef>
+            <a:fillRef idx="1">
+              <a:schemeClr val="accent1"/>
+            </a:fillRef>
+            <a:effectRef idx="0">
+              <a:schemeClr val="accent1"/>
+            </a:effectRef>
+            <a:fontRef idx="minor">
+              <a:schemeClr val="lt1"/>
+            </a:fontRef>
+          </p:style>
+          <p:txBody>
+            <a:bodyPr rtlCol="0" anchor="ctr"/>
+            <a:lstStyle/>
+            <a:p>
+              <a:pPr algn="ctr"/>
+              <a:r>
+                <a:rPr lang="en-US" sz="1400" dirty="0">
+                  <a:solidFill>
+                    <a:schemeClr val="tx1"/>
+                  </a:solidFill>
+                  <a:latin typeface="Oracle Sans" panose="020B0503020204020204" pitchFamily="34" charset="0"/>
+                  <a:cs typeface="Oracle Sans" panose="020B0503020204020204" pitchFamily="34" charset="0"/>
+                </a:rPr>
+                <a:t>Application</a:t>
+              </a:r>
+            </a:p>
+          </p:txBody>
+        </p:sp>
+      </p:grpSp>
+    </p:spTree>
+    <p:extLst>
+      <p:ext uri="{BB962C8B-B14F-4D97-AF65-F5344CB8AC3E}">
+        <p14:creationId xmlns:p14="http://schemas.microsoft.com/office/powerpoint/2010/main" val="17286462"/>
+      </p:ext>
+    </p:extLst>
+  </p:cSld>
+  <p:clrMapOvr>
+    <a:masterClrMapping/>
+  </p:clrMapOvr>
+</p:sld>
+</file>
+
+<file path=ppt/slides/slide9.xml><?xml version="1.0" encoding="utf-8"?>
+<p:sld xmlns:a="http://schemas.openxmlformats.org/drawingml/2006/main" xmlns:r="http://schemas.openxmlformats.org/officeDocument/2006/relationships" xmlns:p="http://schemas.openxmlformats.org/presentationml/2006/main">
+  <p:cSld>
+    <p:spTree>
+      <p:nvGrpSpPr>
+        <p:cNvPr id="1" name="">
+          <a:extLst>
+            <a:ext uri="{FF2B5EF4-FFF2-40B4-BE49-F238E27FC236}">
+              <a16:creationId xmlns:a16="http://schemas.microsoft.com/office/drawing/2014/main" id="{49B58010-30C2-E28B-1221-DC17E488ACCA}"/>
+            </a:ext>
+          </a:extLst>
+        </p:cNvPr>
+        <p:cNvGrpSpPr/>
+        <p:nvPr/>
+      </p:nvGrpSpPr>
+      <p:grpSpPr>
+        <a:xfrm>
+          <a:off x="0" y="0"/>
+          <a:ext cx="0" cy="0"/>
+          <a:chOff x="0" y="0"/>
+          <a:chExt cx="0" cy="0"/>
+        </a:xfrm>
+      </p:grpSpPr>
+      <p:pic>
+        <p:nvPicPr>
+          <p:cNvPr id="1026" name="Picture 2">
+            <a:extLst>
+              <a:ext uri="{FF2B5EF4-FFF2-40B4-BE49-F238E27FC236}">
+                <a16:creationId xmlns:a16="http://schemas.microsoft.com/office/drawing/2014/main" id="{5E10B7DF-AA76-C4FE-3E01-D82208D47CDD}"/>
+              </a:ext>
+            </a:extLst>
+          </p:cNvPr>
+          <p:cNvPicPr>
+            <a:picLocks noChangeAspect="1" noChangeArrowheads="1"/>
+          </p:cNvPicPr>
+          <p:nvPr/>
+        </p:nvPicPr>
+        <p:blipFill>
+          <a:blip r:embed="rId2">
+            <a:extLst>
+              <a:ext uri="{28A0092B-C50C-407E-A947-70E740481C1C}">
+                <a14:useLocalDpi xmlns:a14="http://schemas.microsoft.com/office/drawing/2010/main" val="0"/>
+              </a:ext>
+            </a:extLst>
+          </a:blip>
+          <a:srcRect/>
+          <a:stretch>
+            <a:fillRect/>
+          </a:stretch>
+        </p:blipFill>
+        <p:spPr bwMode="auto">
+          <a:xfrm>
+            <a:off x="3074193" y="0"/>
+            <a:ext cx="6043613" cy="6858000"/>
+          </a:xfrm>
+          <a:prstGeom prst="rect">
+            <a:avLst/>
+          </a:prstGeom>
+          <a:noFill/>
+          <a:extLst>
+            <a:ext uri="{909E8E84-426E-40DD-AFC4-6F175D3DCCD1}">
+              <a14:hiddenFill xmlns:a14="http://schemas.microsoft.com/office/drawing/2010/main">
+                <a:solidFill>
+                  <a:srgbClr val="FFFFFF"/>
+                </a:solidFill>
+              </a14:hiddenFill>
+            </a:ext>
+          </a:extLst>
+        </p:spPr>
+      </p:pic>
       <p:sp>
         <p:nvSpPr>
-          <p:cNvPr id="2" name="Rectangle 1">
-            <a:extLst>
-              <a:ext uri="{FF2B5EF4-FFF2-40B4-BE49-F238E27FC236}">
-                <a16:creationId xmlns:a16="http://schemas.microsoft.com/office/drawing/2014/main" id="{E070E643-26AD-AE0C-D535-6989D48E660E}"/>
+          <p:cNvPr id="4" name="Rectangle 3">
+            <a:extLst>
+              <a:ext uri="{FF2B5EF4-FFF2-40B4-BE49-F238E27FC236}">
+                <a16:creationId xmlns:a16="http://schemas.microsoft.com/office/drawing/2014/main" id="{FD905ABE-E23F-1DF6-F822-B69EC386E4B7}"/>
               </a:ext>
             </a:extLst>
           </p:cNvPr>
@@ -7469,212 +9338,8 @@
         </p:nvSpPr>
         <p:spPr>
           <a:xfrm>
-            <a:off x="8746740" y="3643336"/>
-            <a:ext cx="2958353" cy="739589"/>
-          </a:xfrm>
-          <a:prstGeom prst="rect">
-            <a:avLst/>
-          </a:prstGeom>
-          <a:solidFill>
-            <a:schemeClr val="accent2">
-              <a:lumMod val="40000"/>
-              <a:lumOff val="60000"/>
-            </a:schemeClr>
-          </a:solidFill>
-          <a:ln w="38100">
-            <a:solidFill>
-              <a:schemeClr val="accent2">
-                <a:lumMod val="75000"/>
-              </a:schemeClr>
-            </a:solidFill>
-          </a:ln>
-        </p:spPr>
-        <p:style>
-          <a:lnRef idx="2">
-            <a:schemeClr val="accent1">
-              <a:shade val="15000"/>
-            </a:schemeClr>
-          </a:lnRef>
-          <a:fillRef idx="1">
-            <a:schemeClr val="accent1"/>
-          </a:fillRef>
-          <a:effectRef idx="0">
-            <a:schemeClr val="accent1"/>
-          </a:effectRef>
-          <a:fontRef idx="minor">
-            <a:schemeClr val="lt1"/>
-          </a:fontRef>
-        </p:style>
-        <p:txBody>
-          <a:bodyPr rtlCol="0" anchor="ctr"/>
-          <a:lstStyle/>
-          <a:p>
-            <a:pPr algn="ctr"/>
-            <a:r>
-              <a:rPr lang="en-US" sz="2000" dirty="0">
-                <a:solidFill>
-                  <a:schemeClr val="tx1"/>
-                </a:solidFill>
-                <a:latin typeface="Oracle Sans" panose="020B0503020204020204" pitchFamily="34" charset="0"/>
-                <a:cs typeface="Oracle Sans" panose="020B0503020204020204" pitchFamily="34" charset="0"/>
-              </a:rPr>
-              <a:t>Production deployment</a:t>
-            </a:r>
-          </a:p>
-        </p:txBody>
-      </p:sp>
-      <p:sp>
-        <p:nvSpPr>
-          <p:cNvPr id="19" name="Rectangle 18">
-            <a:extLst>
-              <a:ext uri="{FF2B5EF4-FFF2-40B4-BE49-F238E27FC236}">
-                <a16:creationId xmlns:a16="http://schemas.microsoft.com/office/drawing/2014/main" id="{057633C0-CED1-88F4-BF2A-6EDF20C5B5A3}"/>
-              </a:ext>
-            </a:extLst>
-          </p:cNvPr>
-          <p:cNvSpPr/>
-          <p:nvPr/>
-        </p:nvSpPr>
-        <p:spPr>
-          <a:xfrm>
-            <a:off x="8746740" y="1244109"/>
-            <a:ext cx="2958353" cy="739589"/>
-          </a:xfrm>
-          <a:prstGeom prst="rect">
-            <a:avLst/>
-          </a:prstGeom>
-          <a:solidFill>
-            <a:schemeClr val="accent2">
-              <a:lumMod val="40000"/>
-              <a:lumOff val="60000"/>
-            </a:schemeClr>
-          </a:solidFill>
-          <a:ln w="38100">
-            <a:solidFill>
-              <a:schemeClr val="accent2">
-                <a:lumMod val="75000"/>
-              </a:schemeClr>
-            </a:solidFill>
-          </a:ln>
-        </p:spPr>
-        <p:style>
-          <a:lnRef idx="2">
-            <a:schemeClr val="accent1">
-              <a:shade val="15000"/>
-            </a:schemeClr>
-          </a:lnRef>
-          <a:fillRef idx="1">
-            <a:schemeClr val="accent1"/>
-          </a:fillRef>
-          <a:effectRef idx="0">
-            <a:schemeClr val="accent1"/>
-          </a:effectRef>
-          <a:fontRef idx="minor">
-            <a:schemeClr val="lt1"/>
-          </a:fontRef>
-        </p:style>
-        <p:txBody>
-          <a:bodyPr rtlCol="0" anchor="ctr"/>
-          <a:lstStyle/>
-          <a:p>
-            <a:pPr algn="ctr"/>
-            <a:r>
-              <a:rPr lang="en-US" sz="2000" dirty="0">
-                <a:solidFill>
-                  <a:schemeClr val="tx1"/>
-                </a:solidFill>
-                <a:latin typeface="Oracle Sans" panose="020B0503020204020204" pitchFamily="34" charset="0"/>
-                <a:cs typeface="Oracle Sans" panose="020B0503020204020204" pitchFamily="34" charset="0"/>
-              </a:rPr>
-              <a:t>Production deployment</a:t>
-            </a:r>
-          </a:p>
-        </p:txBody>
-      </p:sp>
-      <p:sp>
-        <p:nvSpPr>
-          <p:cNvPr id="5" name="Rectangle 4">
-            <a:extLst>
-              <a:ext uri="{FF2B5EF4-FFF2-40B4-BE49-F238E27FC236}">
-                <a16:creationId xmlns:a16="http://schemas.microsoft.com/office/drawing/2014/main" id="{1392D0F8-FF2E-627E-2F92-CC0AAB68EBFD}"/>
-              </a:ext>
-            </a:extLst>
-          </p:cNvPr>
-          <p:cNvSpPr/>
-          <p:nvPr/>
-        </p:nvSpPr>
-        <p:spPr>
-          <a:xfrm>
-            <a:off x="8746739" y="2442837"/>
-            <a:ext cx="2958353" cy="739589"/>
-          </a:xfrm>
-          <a:prstGeom prst="rect">
-            <a:avLst/>
-          </a:prstGeom>
-          <a:solidFill>
-            <a:schemeClr val="accent2">
-              <a:lumMod val="40000"/>
-              <a:lumOff val="60000"/>
-            </a:schemeClr>
-          </a:solidFill>
-          <a:ln w="38100">
-            <a:solidFill>
-              <a:schemeClr val="accent2">
-                <a:lumMod val="75000"/>
-              </a:schemeClr>
-            </a:solidFill>
-          </a:ln>
-        </p:spPr>
-        <p:style>
-          <a:lnRef idx="2">
-            <a:schemeClr val="accent1">
-              <a:shade val="15000"/>
-            </a:schemeClr>
-          </a:lnRef>
-          <a:fillRef idx="1">
-            <a:schemeClr val="accent1"/>
-          </a:fillRef>
-          <a:effectRef idx="0">
-            <a:schemeClr val="accent1"/>
-          </a:effectRef>
-          <a:fontRef idx="minor">
-            <a:schemeClr val="lt1"/>
-          </a:fontRef>
-        </p:style>
-        <p:txBody>
-          <a:bodyPr rtlCol="0" anchor="ctr"/>
-          <a:lstStyle/>
-          <a:p>
-            <a:pPr algn="ctr"/>
-            <a:r>
-              <a:rPr lang="en-US" sz="2000" dirty="0">
-                <a:solidFill>
-                  <a:schemeClr val="tx1"/>
-                </a:solidFill>
-                <a:latin typeface="Oracle Sans" panose="020B0503020204020204" pitchFamily="34" charset="0"/>
-                <a:cs typeface="Oracle Sans" panose="020B0503020204020204" pitchFamily="34" charset="0"/>
-              </a:rPr>
-              <a:t>Production deployment</a:t>
-            </a:r>
-          </a:p>
-        </p:txBody>
-      </p:sp>
-      <p:sp>
-        <p:nvSpPr>
-          <p:cNvPr id="18" name="TextBox 17">
-            <a:extLst>
-              <a:ext uri="{FF2B5EF4-FFF2-40B4-BE49-F238E27FC236}">
-                <a16:creationId xmlns:a16="http://schemas.microsoft.com/office/drawing/2014/main" id="{AC17BC4C-B0BE-CEA8-ED2E-471E8DF3A313}"/>
-              </a:ext>
-            </a:extLst>
-          </p:cNvPr>
-          <p:cNvSpPr txBox="1"/>
-          <p:nvPr/>
-        </p:nvSpPr>
-        <p:spPr>
-          <a:xfrm>
-            <a:off x="4388795" y="3436102"/>
-            <a:ext cx="3732657" cy="400110"/>
+            <a:off x="4477397" y="2052935"/>
+            <a:ext cx="2366353" cy="1323439"/>
           </a:xfrm>
           <a:prstGeom prst="rect">
             <a:avLst/>
@@ -7682,32 +9347,157 @@
           <a:noFill/>
         </p:spPr>
         <p:txBody>
-          <a:bodyPr wrap="square">
+          <a:bodyPr wrap="none" lIns="91440" tIns="45720" rIns="91440" bIns="45720">
             <a:spAutoFit/>
           </a:bodyPr>
           <a:lstStyle/>
           <a:p>
             <a:pPr algn="ctr"/>
             <a:r>
-              <a:rPr lang="en-US" sz="2000" dirty="0">
+              <a:rPr lang="en-US" sz="8000" b="1" cap="none" spc="0" dirty="0">
+                <a:ln w="38100">
+                  <a:solidFill>
+                    <a:schemeClr val="tx1"/>
+                  </a:solidFill>
+                </a:ln>
+                <a:solidFill>
+                  <a:schemeClr val="bg1"/>
+                </a:solidFill>
                 <a:latin typeface="Oracle Sans" panose="020B0503020204020204" pitchFamily="34" charset="0"/>
                 <a:cs typeface="Oracle Sans" panose="020B0503020204020204" pitchFamily="34" charset="0"/>
               </a:rPr>
-              <a:t>$java -</a:t>
+              <a:t>JVM</a:t>
             </a:r>
+          </a:p>
+        </p:txBody>
+      </p:sp>
+      <p:sp>
+        <p:nvSpPr>
+          <p:cNvPr id="7" name="Rectangle 6">
+            <a:extLst>
+              <a:ext uri="{FF2B5EF4-FFF2-40B4-BE49-F238E27FC236}">
+                <a16:creationId xmlns:a16="http://schemas.microsoft.com/office/drawing/2014/main" id="{24E01FA0-E473-C8FC-FEF4-D4A84212F6A8}"/>
+              </a:ext>
+            </a:extLst>
+          </p:cNvPr>
+          <p:cNvSpPr/>
+          <p:nvPr/>
+        </p:nvSpPr>
+        <p:spPr>
+          <a:xfrm>
+            <a:off x="5303156" y="115277"/>
+            <a:ext cx="2994281" cy="1569660"/>
+          </a:xfrm>
+          <a:prstGeom prst="rect">
+            <a:avLst/>
+          </a:prstGeom>
+          <a:noFill/>
+        </p:spPr>
+        <p:txBody>
+          <a:bodyPr wrap="none" lIns="91440" tIns="45720" rIns="91440" bIns="45720">
+            <a:spAutoFit/>
+          </a:bodyPr>
+          <a:lstStyle/>
+          <a:p>
             <a:r>
-              <a:rPr lang="en-US" sz="2000" dirty="0" err="1">
+              <a:rPr lang="en-US" sz="1600" b="1" dirty="0">
+                <a:ln w="3175">
+                  <a:solidFill>
+                    <a:schemeClr val="tx1"/>
+                  </a:solidFill>
+                </a:ln>
+                <a:solidFill>
+                  <a:schemeClr val="bg1"/>
+                </a:solidFill>
                 <a:latin typeface="Oracle Sans" panose="020B0503020204020204" pitchFamily="34" charset="0"/>
                 <a:cs typeface="Oracle Sans" panose="020B0503020204020204" pitchFamily="34" charset="0"/>
               </a:rPr>
-              <a:t>XX:AOTMode</a:t>
+              <a:t>              Profiling </a:t>
             </a:r>
+          </a:p>
+          <a:p>
             <a:r>
-              <a:rPr lang="en-US" sz="2000" dirty="0">
+              <a:rPr lang="en-US" sz="1600" b="1" dirty="0">
+                <a:ln w="3175">
+                  <a:solidFill>
+                    <a:schemeClr val="tx1"/>
+                  </a:solidFill>
+                </a:ln>
+                <a:solidFill>
+                  <a:schemeClr val="bg1"/>
+                </a:solidFill>
                 <a:latin typeface="Oracle Sans" panose="020B0503020204020204" pitchFamily="34" charset="0"/>
                 <a:cs typeface="Oracle Sans" panose="020B0503020204020204" pitchFamily="34" charset="0"/>
               </a:rPr>
-              <a:t>=create</a:t>
+              <a:t>   Interpretation    Scanning </a:t>
+            </a:r>
+          </a:p>
+          <a:p>
+            <a:r>
+              <a:rPr lang="en-US" sz="1600" b="1" dirty="0">
+                <a:ln w="3175">
+                  <a:solidFill>
+                    <a:schemeClr val="tx1"/>
+                  </a:solidFill>
+                </a:ln>
+                <a:solidFill>
+                  <a:schemeClr val="bg1"/>
+                </a:solidFill>
+                <a:latin typeface="Oracle Sans" panose="020B0503020204020204" pitchFamily="34" charset="0"/>
+                <a:cs typeface="Oracle Sans" panose="020B0503020204020204" pitchFamily="34" charset="0"/>
+              </a:rPr>
+              <a:t>                          for annotations</a:t>
+            </a:r>
+          </a:p>
+          <a:p>
+            <a:r>
+              <a:rPr lang="en-US" sz="1600" b="1" dirty="0">
+                <a:ln w="3175">
+                  <a:solidFill>
+                    <a:schemeClr val="tx1"/>
+                  </a:solidFill>
+                </a:ln>
+                <a:solidFill>
+                  <a:schemeClr val="bg1"/>
+                </a:solidFill>
+                <a:latin typeface="Oracle Sans" panose="020B0503020204020204" pitchFamily="34" charset="0"/>
+                <a:cs typeface="Oracle Sans" panose="020B0503020204020204" pitchFamily="34" charset="0"/>
+              </a:rPr>
+              <a:t>            Class loading</a:t>
+            </a:r>
+          </a:p>
+          <a:p>
+            <a:r>
+              <a:rPr lang="en-US" sz="1600" b="1" dirty="0">
+                <a:ln w="3175">
+                  <a:solidFill>
+                    <a:schemeClr val="tx1"/>
+                  </a:solidFill>
+                </a:ln>
+                <a:solidFill>
+                  <a:schemeClr val="bg1"/>
+                </a:solidFill>
+                <a:latin typeface="Oracle Sans" panose="020B0503020204020204" pitchFamily="34" charset="0"/>
+                <a:cs typeface="Oracle Sans" panose="020B0503020204020204" pitchFamily="34" charset="0"/>
+              </a:rPr>
+              <a:t> linking, and initialization</a:t>
+            </a:r>
+          </a:p>
+          <a:p>
+            <a:r>
+              <a:rPr lang="en-US" sz="1600" b="1" dirty="0">
+                <a:ln w="3175">
+                  <a:solidFill>
+                    <a:schemeClr val="tx1"/>
+                  </a:solidFill>
+                </a:ln>
+                <a:solidFill>
+                  <a:schemeClr val="bg1"/>
+                </a:solidFill>
+                <a:latin typeface="Oracle Sans" panose="020B0503020204020204" pitchFamily="34" charset="0"/>
+                <a:cs typeface="Oracle Sans" panose="020B0503020204020204" pitchFamily="34" charset="0"/>
+              </a:rPr>
+              <a:t> </a:t>
             </a:r>
           </a:p>
         </p:txBody>
@@ -7715,7 +9505,7 @@
     </p:spTree>
     <p:extLst>
       <p:ext uri="{BB962C8B-B14F-4D97-AF65-F5344CB8AC3E}">
-        <p14:creationId xmlns:p14="http://schemas.microsoft.com/office/powerpoint/2010/main" val="17286462"/>
+        <p14:creationId xmlns:p14="http://schemas.microsoft.com/office/powerpoint/2010/main" val="131176163"/>
       </p:ext>
     </p:extLst>
   </p:cSld>
@@ -8038,4 +9828,319 @@
     </a:ext>
   </a:extLst>
 </a:theme>
+</file>
+
+<file path=ppt/theme/theme2.xml><?xml version="1.0" encoding="utf-8"?>
+<a:theme xmlns:a="http://schemas.openxmlformats.org/drawingml/2006/main" name="Office Theme">
+  <a:themeElements>
+    <a:clrScheme name="Office">
+      <a:dk1>
+        <a:sysClr val="windowText" lastClr="000000"/>
+      </a:dk1>
+      <a:lt1>
+        <a:sysClr val="window" lastClr="FFFFFF"/>
+      </a:lt1>
+      <a:dk2>
+        <a:srgbClr val="0E2841"/>
+      </a:dk2>
+      <a:lt2>
+        <a:srgbClr val="E8E8E8"/>
+      </a:lt2>
+      <a:accent1>
+        <a:srgbClr val="156082"/>
+      </a:accent1>
+      <a:accent2>
+        <a:srgbClr val="E97132"/>
+      </a:accent2>
+      <a:accent3>
+        <a:srgbClr val="196B24"/>
+      </a:accent3>
+      <a:accent4>
+        <a:srgbClr val="0F9ED5"/>
+      </a:accent4>
+      <a:accent5>
+        <a:srgbClr val="A02B93"/>
+      </a:accent5>
+      <a:accent6>
+        <a:srgbClr val="4EA72E"/>
+      </a:accent6>
+      <a:hlink>
+        <a:srgbClr val="467886"/>
+      </a:hlink>
+      <a:folHlink>
+        <a:srgbClr val="96607D"/>
+      </a:folHlink>
+    </a:clrScheme>
+    <a:fontScheme name="Office">
+      <a:majorFont>
+        <a:latin typeface="Aptos Display" panose="02110004020202020204"/>
+        <a:ea typeface=""/>
+        <a:cs typeface=""/>
+        <a:font script="Jpan" typeface="游ゴシック Light"/>
+        <a:font script="Hang" typeface="맑은 고딕"/>
+        <a:font script="Hans" typeface="等线 Light"/>
+        <a:font script="Hant" typeface="新細明體"/>
+        <a:font script="Arab" typeface="Times New Roman"/>
+        <a:font script="Hebr" typeface="Times New Roman"/>
+        <a:font script="Thai" typeface="Angsana New"/>
+        <a:font script="Ethi" typeface="Nyala"/>
+        <a:font script="Beng" typeface="Vrinda"/>
+        <a:font script="Gujr" typeface="Shruti"/>
+        <a:font script="Khmr" typeface="MoolBoran"/>
+        <a:font script="Knda" typeface="Tunga"/>
+        <a:font script="Guru" typeface="Raavi"/>
+        <a:font script="Cans" typeface="Euphemia"/>
+        <a:font script="Cher" typeface="Plantagenet Cherokee"/>
+        <a:font script="Yiii" typeface="Microsoft Yi Baiti"/>
+        <a:font script="Tibt" typeface="Microsoft Himalaya"/>
+        <a:font script="Thaa" typeface="MV Boli"/>
+        <a:font script="Deva" typeface="Mangal"/>
+        <a:font script="Telu" typeface="Gautami"/>
+        <a:font script="Taml" typeface="Latha"/>
+        <a:font script="Syrc" typeface="Estrangelo Edessa"/>
+        <a:font script="Orya" typeface="Kalinga"/>
+        <a:font script="Mlym" typeface="Kartika"/>
+        <a:font script="Laoo" typeface="DokChampa"/>
+        <a:font script="Sinh" typeface="Iskoola Pota"/>
+        <a:font script="Mong" typeface="Mongolian Baiti"/>
+        <a:font script="Viet" typeface="Times New Roman"/>
+        <a:font script="Uigh" typeface="Microsoft Uighur"/>
+        <a:font script="Geor" typeface="Sylfaen"/>
+        <a:font script="Armn" typeface="Arial"/>
+        <a:font script="Bugi" typeface="Leelawadee UI"/>
+        <a:font script="Bopo" typeface="Microsoft JhengHei"/>
+        <a:font script="Java" typeface="Javanese Text"/>
+        <a:font script="Lisu" typeface="Segoe UI"/>
+        <a:font script="Mymr" typeface="Myanmar Text"/>
+        <a:font script="Nkoo" typeface="Ebrima"/>
+        <a:font script="Olck" typeface="Nirmala UI"/>
+        <a:font script="Osma" typeface="Ebrima"/>
+        <a:font script="Phag" typeface="Phagspa"/>
+        <a:font script="Syrn" typeface="Estrangelo Edessa"/>
+        <a:font script="Syrj" typeface="Estrangelo Edessa"/>
+        <a:font script="Syre" typeface="Estrangelo Edessa"/>
+        <a:font script="Sora" typeface="Nirmala UI"/>
+        <a:font script="Tale" typeface="Microsoft Tai Le"/>
+        <a:font script="Talu" typeface="Microsoft New Tai Lue"/>
+        <a:font script="Tfng" typeface="Ebrima"/>
+      </a:majorFont>
+      <a:minorFont>
+        <a:latin typeface="Aptos" panose="02110004020202020204"/>
+        <a:ea typeface=""/>
+        <a:cs typeface=""/>
+        <a:font script="Jpan" typeface="游ゴシック"/>
+        <a:font script="Hang" typeface="맑은 고딕"/>
+        <a:font script="Hans" typeface="等线"/>
+        <a:font script="Hant" typeface="新細明體"/>
+        <a:font script="Arab" typeface="Arial"/>
+        <a:font script="Hebr" typeface="Arial"/>
+        <a:font script="Thai" typeface="Cordia New"/>
+        <a:font script="Ethi" typeface="Nyala"/>
+        <a:font script="Beng" typeface="Vrinda"/>
+        <a:font script="Gujr" typeface="Shruti"/>
+        <a:font script="Khmr" typeface="DaunPenh"/>
+        <a:font script="Knda" typeface="Tunga"/>
+        <a:font script="Guru" typeface="Raavi"/>
+        <a:font script="Cans" typeface="Euphemia"/>
+        <a:font script="Cher" typeface="Plantagenet Cherokee"/>
+        <a:font script="Yiii" typeface="Microsoft Yi Baiti"/>
+        <a:font script="Tibt" typeface="Microsoft Himalaya"/>
+        <a:font script="Thaa" typeface="MV Boli"/>
+        <a:font script="Deva" typeface="Mangal"/>
+        <a:font script="Telu" typeface="Gautami"/>
+        <a:font script="Taml" typeface="Latha"/>
+        <a:font script="Syrc" typeface="Estrangelo Edessa"/>
+        <a:font script="Orya" typeface="Kalinga"/>
+        <a:font script="Mlym" typeface="Kartika"/>
+        <a:font script="Laoo" typeface="DokChampa"/>
+        <a:font script="Sinh" typeface="Iskoola Pota"/>
+        <a:font script="Mong" typeface="Mongolian Baiti"/>
+        <a:font script="Viet" typeface="Arial"/>
+        <a:font script="Uigh" typeface="Microsoft Uighur"/>
+        <a:font script="Geor" typeface="Sylfaen"/>
+        <a:font script="Armn" typeface="Arial"/>
+        <a:font script="Bugi" typeface="Leelawadee UI"/>
+        <a:font script="Bopo" typeface="Microsoft JhengHei"/>
+        <a:font script="Java" typeface="Javanese Text"/>
+        <a:font script="Lisu" typeface="Segoe UI"/>
+        <a:font script="Mymr" typeface="Myanmar Text"/>
+        <a:font script="Nkoo" typeface="Ebrima"/>
+        <a:font script="Olck" typeface="Nirmala UI"/>
+        <a:font script="Osma" typeface="Ebrima"/>
+        <a:font script="Phag" typeface="Phagspa"/>
+        <a:font script="Syrn" typeface="Estrangelo Edessa"/>
+        <a:font script="Syrj" typeface="Estrangelo Edessa"/>
+        <a:font script="Syre" typeface="Estrangelo Edessa"/>
+        <a:font script="Sora" typeface="Nirmala UI"/>
+        <a:font script="Tale" typeface="Microsoft Tai Le"/>
+        <a:font script="Talu" typeface="Microsoft New Tai Lue"/>
+        <a:font script="Tfng" typeface="Ebrima"/>
+      </a:minorFont>
+    </a:fontScheme>
+    <a:fmtScheme name="Office">
+      <a:fillStyleLst>
+        <a:solidFill>
+          <a:schemeClr val="phClr"/>
+        </a:solidFill>
+        <a:gradFill rotWithShape="1">
+          <a:gsLst>
+            <a:gs pos="0">
+              <a:schemeClr val="phClr">
+                <a:lumMod val="110000"/>
+                <a:satMod val="105000"/>
+                <a:tint val="67000"/>
+              </a:schemeClr>
+            </a:gs>
+            <a:gs pos="50000">
+              <a:schemeClr val="phClr">
+                <a:lumMod val="105000"/>
+                <a:satMod val="103000"/>
+                <a:tint val="73000"/>
+              </a:schemeClr>
+            </a:gs>
+            <a:gs pos="100000">
+              <a:schemeClr val="phClr">
+                <a:lumMod val="105000"/>
+                <a:satMod val="109000"/>
+                <a:tint val="81000"/>
+              </a:schemeClr>
+            </a:gs>
+          </a:gsLst>
+          <a:lin ang="5400000" scaled="0"/>
+        </a:gradFill>
+        <a:gradFill rotWithShape="1">
+          <a:gsLst>
+            <a:gs pos="0">
+              <a:schemeClr val="phClr">
+                <a:satMod val="103000"/>
+                <a:lumMod val="102000"/>
+                <a:tint val="94000"/>
+              </a:schemeClr>
+            </a:gs>
+            <a:gs pos="50000">
+              <a:schemeClr val="phClr">
+                <a:satMod val="110000"/>
+                <a:lumMod val="100000"/>
+                <a:shade val="100000"/>
+              </a:schemeClr>
+            </a:gs>
+            <a:gs pos="100000">
+              <a:schemeClr val="phClr">
+                <a:lumMod val="99000"/>
+                <a:satMod val="120000"/>
+                <a:shade val="78000"/>
+              </a:schemeClr>
+            </a:gs>
+          </a:gsLst>
+          <a:lin ang="5400000" scaled="0"/>
+        </a:gradFill>
+      </a:fillStyleLst>
+      <a:lnStyleLst>
+        <a:ln w="12700" cap="flat" cmpd="sng" algn="ctr">
+          <a:solidFill>
+            <a:schemeClr val="phClr"/>
+          </a:solidFill>
+          <a:prstDash val="solid"/>
+          <a:miter lim="800000"/>
+        </a:ln>
+        <a:ln w="19050" cap="flat" cmpd="sng" algn="ctr">
+          <a:solidFill>
+            <a:schemeClr val="phClr"/>
+          </a:solidFill>
+          <a:prstDash val="solid"/>
+          <a:miter lim="800000"/>
+        </a:ln>
+        <a:ln w="25400" cap="flat" cmpd="sng" algn="ctr">
+          <a:solidFill>
+            <a:schemeClr val="phClr"/>
+          </a:solidFill>
+          <a:prstDash val="solid"/>
+          <a:miter lim="800000"/>
+        </a:ln>
+      </a:lnStyleLst>
+      <a:effectStyleLst>
+        <a:effectStyle>
+          <a:effectLst/>
+        </a:effectStyle>
+        <a:effectStyle>
+          <a:effectLst/>
+        </a:effectStyle>
+        <a:effectStyle>
+          <a:effectLst>
+            <a:outerShdw blurRad="57150" dist="19050" dir="5400000" algn="ctr" rotWithShape="0">
+              <a:srgbClr val="000000">
+                <a:alpha val="63000"/>
+              </a:srgbClr>
+            </a:outerShdw>
+          </a:effectLst>
+        </a:effectStyle>
+      </a:effectStyleLst>
+      <a:bgFillStyleLst>
+        <a:solidFill>
+          <a:schemeClr val="phClr"/>
+        </a:solidFill>
+        <a:solidFill>
+          <a:schemeClr val="phClr">
+            <a:tint val="95000"/>
+            <a:satMod val="170000"/>
+          </a:schemeClr>
+        </a:solidFill>
+        <a:gradFill rotWithShape="1">
+          <a:gsLst>
+            <a:gs pos="0">
+              <a:schemeClr val="phClr">
+                <a:tint val="93000"/>
+                <a:satMod val="150000"/>
+                <a:shade val="98000"/>
+                <a:lumMod val="102000"/>
+              </a:schemeClr>
+            </a:gs>
+            <a:gs pos="50000">
+              <a:schemeClr val="phClr">
+                <a:tint val="98000"/>
+                <a:satMod val="130000"/>
+                <a:shade val="90000"/>
+                <a:lumMod val="103000"/>
+              </a:schemeClr>
+            </a:gs>
+            <a:gs pos="100000">
+              <a:schemeClr val="phClr">
+                <a:shade val="63000"/>
+                <a:satMod val="120000"/>
+              </a:schemeClr>
+            </a:gs>
+          </a:gsLst>
+          <a:lin ang="5400000" scaled="0"/>
+        </a:gradFill>
+      </a:bgFillStyleLst>
+    </a:fmtScheme>
+  </a:themeElements>
+  <a:objectDefaults>
+    <a:lnDef>
+      <a:spPr/>
+      <a:bodyPr/>
+      <a:lstStyle/>
+      <a:style>
+        <a:lnRef idx="2">
+          <a:schemeClr val="accent1"/>
+        </a:lnRef>
+        <a:fillRef idx="0">
+          <a:schemeClr val="accent1"/>
+        </a:fillRef>
+        <a:effectRef idx="1">
+          <a:schemeClr val="accent1"/>
+        </a:effectRef>
+        <a:fontRef idx="minor">
+          <a:schemeClr val="tx1"/>
+        </a:fontRef>
+      </a:style>
+    </a:lnDef>
+  </a:objectDefaults>
+  <a:extraClrSchemeLst/>
+  <a:extLst>
+    <a:ext uri="{05A4C25C-085E-4340-85A3-A5531E510DB2}">
+      <thm15:themeFamily xmlns:thm15="http://schemas.microsoft.com/office/thememl/2012/main" name="Office Theme" id="{2E142A2C-CD16-42D6-873A-C26D2A0506FA}" vid="{1BDDFF52-6CD6-40A5-AB3C-68EB2F1E4D0A}"/>
+    </a:ext>
+  </a:extLst>
+</a:theme>
 </file>